--- a/docs/PMI2017_archiSW.pptx
+++ b/docs/PMI2017_archiSW.pptx
@@ -105,6 +105,11 @@
       </a:defRPr>
     </a:lvl9pPr>
   </p:defaultTextStyle>
+  <p:extLst>
+    <p:ext uri="{EFAFB233-063F-42B5-8137-9DF3F51BA10A}">
+      <p15:sldGuideLst xmlns:p15="http://schemas.microsoft.com/office/powerpoint/2012/main"/>
+    </p:ext>
+  </p:extLst>
 </p:presentation>
 </file>
 
@@ -153,7 +158,6 @@
               <a:rPr lang="fr-FR"/>
               <a:t>Modifiez le style du titre</a:t>
             </a:r>
-            <a:endParaRPr lang="fr-FR"/>
           </a:p>
         </p:txBody>
       </p:sp>
@@ -218,7 +222,6 @@
               <a:rPr lang="fr-FR"/>
               <a:t>Modifier le style des sous-titres du masque</a:t>
             </a:r>
-            <a:endParaRPr lang="fr-FR"/>
           </a:p>
         </p:txBody>
       </p:sp>
@@ -239,7 +242,7 @@
           <a:p>
             <a:fld id="{2782ACDD-568A-4D5B-9A72-61F2F85B1323}" type="datetimeFigureOut">
               <a:rPr lang="fr-FR" smtClean="0"/>
-              <a:t>18/10/2016</a:t>
+              <a:t>21/10/2016</a:t>
             </a:fld>
             <a:endParaRPr lang="fr-FR"/>
           </a:p>
@@ -336,7 +339,6 @@
               <a:rPr lang="fr-FR"/>
               <a:t>Modifiez le style du titre</a:t>
             </a:r>
-            <a:endParaRPr lang="fr-FR"/>
           </a:p>
         </p:txBody>
       </p:sp>
@@ -388,7 +390,6 @@
               <a:rPr lang="fr-FR"/>
               <a:t>Cinquième niveau</a:t>
             </a:r>
-            <a:endParaRPr lang="fr-FR"/>
           </a:p>
         </p:txBody>
       </p:sp>
@@ -409,7 +410,7 @@
           <a:p>
             <a:fld id="{2782ACDD-568A-4D5B-9A72-61F2F85B1323}" type="datetimeFigureOut">
               <a:rPr lang="fr-FR" smtClean="0"/>
-              <a:t>18/10/2016</a:t>
+              <a:t>21/10/2016</a:t>
             </a:fld>
             <a:endParaRPr lang="fr-FR"/>
           </a:p>
@@ -511,7 +512,6 @@
               <a:rPr lang="fr-FR"/>
               <a:t>Modifiez le style du titre</a:t>
             </a:r>
-            <a:endParaRPr lang="fr-FR"/>
           </a:p>
         </p:txBody>
       </p:sp>
@@ -568,7 +568,6 @@
               <a:rPr lang="fr-FR"/>
               <a:t>Cinquième niveau</a:t>
             </a:r>
-            <a:endParaRPr lang="fr-FR"/>
           </a:p>
         </p:txBody>
       </p:sp>
@@ -589,7 +588,7 @@
           <a:p>
             <a:fld id="{2782ACDD-568A-4D5B-9A72-61F2F85B1323}" type="datetimeFigureOut">
               <a:rPr lang="fr-FR" smtClean="0"/>
-              <a:t>18/10/2016</a:t>
+              <a:t>21/10/2016</a:t>
             </a:fld>
             <a:endParaRPr lang="fr-FR"/>
           </a:p>
@@ -686,7 +685,6 @@
               <a:rPr lang="fr-FR"/>
               <a:t>Modifiez le style du titre</a:t>
             </a:r>
-            <a:endParaRPr lang="fr-FR"/>
           </a:p>
         </p:txBody>
       </p:sp>
@@ -738,7 +736,6 @@
               <a:rPr lang="fr-FR"/>
               <a:t>Cinquième niveau</a:t>
             </a:r>
-            <a:endParaRPr lang="fr-FR"/>
           </a:p>
         </p:txBody>
       </p:sp>
@@ -759,7 +756,7 @@
           <a:p>
             <a:fld id="{2782ACDD-568A-4D5B-9A72-61F2F85B1323}" type="datetimeFigureOut">
               <a:rPr lang="fr-FR" smtClean="0"/>
-              <a:t>18/10/2016</a:t>
+              <a:t>21/10/2016</a:t>
             </a:fld>
             <a:endParaRPr lang="fr-FR"/>
           </a:p>
@@ -865,7 +862,6 @@
               <a:rPr lang="fr-FR"/>
               <a:t>Modifiez le style du titre</a:t>
             </a:r>
-            <a:endParaRPr lang="fr-FR"/>
           </a:p>
         </p:txBody>
       </p:sp>
@@ -1005,7 +1001,7 @@
           <a:p>
             <a:fld id="{2782ACDD-568A-4D5B-9A72-61F2F85B1323}" type="datetimeFigureOut">
               <a:rPr lang="fr-FR" smtClean="0"/>
-              <a:t>18/10/2016</a:t>
+              <a:t>21/10/2016</a:t>
             </a:fld>
             <a:endParaRPr lang="fr-FR"/>
           </a:p>
@@ -1102,7 +1098,6 @@
               <a:rPr lang="fr-FR"/>
               <a:t>Modifiez le style du titre</a:t>
             </a:r>
-            <a:endParaRPr lang="fr-FR"/>
           </a:p>
         </p:txBody>
       </p:sp>
@@ -1159,7 +1154,6 @@
               <a:rPr lang="fr-FR"/>
               <a:t>Cinquième niveau</a:t>
             </a:r>
-            <a:endParaRPr lang="fr-FR"/>
           </a:p>
         </p:txBody>
       </p:sp>
@@ -1216,7 +1210,6 @@
               <a:rPr lang="fr-FR"/>
               <a:t>Cinquième niveau</a:t>
             </a:r>
-            <a:endParaRPr lang="fr-FR"/>
           </a:p>
         </p:txBody>
       </p:sp>
@@ -1237,7 +1230,7 @@
           <a:p>
             <a:fld id="{2782ACDD-568A-4D5B-9A72-61F2F85B1323}" type="datetimeFigureOut">
               <a:rPr lang="fr-FR" smtClean="0"/>
-              <a:t>18/10/2016</a:t>
+              <a:t>21/10/2016</a:t>
             </a:fld>
             <a:endParaRPr lang="fr-FR"/>
           </a:p>
@@ -1339,7 +1332,6 @@
               <a:rPr lang="fr-FR"/>
               <a:t>Modifiez le style du titre</a:t>
             </a:r>
-            <a:endParaRPr lang="fr-FR"/>
           </a:p>
         </p:txBody>
       </p:sp>
@@ -1461,7 +1453,6 @@
               <a:rPr lang="fr-FR"/>
               <a:t>Cinquième niveau</a:t>
             </a:r>
-            <a:endParaRPr lang="fr-FR"/>
           </a:p>
         </p:txBody>
       </p:sp>
@@ -1583,7 +1574,6 @@
               <a:rPr lang="fr-FR"/>
               <a:t>Cinquième niveau</a:t>
             </a:r>
-            <a:endParaRPr lang="fr-FR"/>
           </a:p>
         </p:txBody>
       </p:sp>
@@ -1604,7 +1594,7 @@
           <a:p>
             <a:fld id="{2782ACDD-568A-4D5B-9A72-61F2F85B1323}" type="datetimeFigureOut">
               <a:rPr lang="fr-FR" smtClean="0"/>
-              <a:t>18/10/2016</a:t>
+              <a:t>21/10/2016</a:t>
             </a:fld>
             <a:endParaRPr lang="fr-FR"/>
           </a:p>
@@ -1701,7 +1691,6 @@
               <a:rPr lang="fr-FR"/>
               <a:t>Modifiez le style du titre</a:t>
             </a:r>
-            <a:endParaRPr lang="fr-FR"/>
           </a:p>
         </p:txBody>
       </p:sp>
@@ -1722,7 +1711,7 @@
           <a:p>
             <a:fld id="{2782ACDD-568A-4D5B-9A72-61F2F85B1323}" type="datetimeFigureOut">
               <a:rPr lang="fr-FR" smtClean="0"/>
-              <a:t>18/10/2016</a:t>
+              <a:t>21/10/2016</a:t>
             </a:fld>
             <a:endParaRPr lang="fr-FR"/>
           </a:p>
@@ -1817,7 +1806,7 @@
           <a:p>
             <a:fld id="{2782ACDD-568A-4D5B-9A72-61F2F85B1323}" type="datetimeFigureOut">
               <a:rPr lang="fr-FR" smtClean="0"/>
-              <a:t>18/10/2016</a:t>
+              <a:t>21/10/2016</a:t>
             </a:fld>
             <a:endParaRPr lang="fr-FR"/>
           </a:p>
@@ -1923,7 +1912,6 @@
               <a:rPr lang="fr-FR"/>
               <a:t>Modifiez le style du titre</a:t>
             </a:r>
-            <a:endParaRPr lang="fr-FR"/>
           </a:p>
         </p:txBody>
       </p:sp>
@@ -2008,7 +1996,6 @@
               <a:rPr lang="fr-FR"/>
               <a:t>Cinquième niveau</a:t>
             </a:r>
-            <a:endParaRPr lang="fr-FR"/>
           </a:p>
         </p:txBody>
       </p:sp>
@@ -2094,7 +2081,7 @@
           <a:p>
             <a:fld id="{2782ACDD-568A-4D5B-9A72-61F2F85B1323}" type="datetimeFigureOut">
               <a:rPr lang="fr-FR" smtClean="0"/>
-              <a:t>18/10/2016</a:t>
+              <a:t>21/10/2016</a:t>
             </a:fld>
             <a:endParaRPr lang="fr-FR"/>
           </a:p>
@@ -2200,7 +2187,6 @@
               <a:rPr lang="fr-FR"/>
               <a:t>Modifiez le style du titre</a:t>
             </a:r>
-            <a:endParaRPr lang="fr-FR"/>
           </a:p>
         </p:txBody>
       </p:sp>
@@ -2347,7 +2333,7 @@
           <a:p>
             <a:fld id="{2782ACDD-568A-4D5B-9A72-61F2F85B1323}" type="datetimeFigureOut">
               <a:rPr lang="fr-FR" smtClean="0"/>
-              <a:t>18/10/2016</a:t>
+              <a:t>21/10/2016</a:t>
             </a:fld>
             <a:endParaRPr lang="fr-FR"/>
           </a:p>
@@ -2459,7 +2445,6 @@
               <a:rPr lang="fr-FR"/>
               <a:t>Modifiez le style du titre</a:t>
             </a:r>
-            <a:endParaRPr lang="fr-FR"/>
           </a:p>
         </p:txBody>
       </p:sp>
@@ -2521,7 +2506,6 @@
               <a:rPr lang="fr-FR"/>
               <a:t>Cinquième niveau</a:t>
             </a:r>
-            <a:endParaRPr lang="fr-FR"/>
           </a:p>
         </p:txBody>
       </p:sp>
@@ -2560,7 +2544,7 @@
           <a:p>
             <a:fld id="{2782ACDD-568A-4D5B-9A72-61F2F85B1323}" type="datetimeFigureOut">
               <a:rPr lang="fr-FR" smtClean="0"/>
-              <a:t>18/10/2016</a:t>
+              <a:t>21/10/2016</a:t>
             </a:fld>
             <a:endParaRPr lang="fr-FR"/>
           </a:p>
@@ -3320,8 +3304,8 @@
           <a:p>
             <a:pPr algn="ctr"/>
             <a:r>
-              <a:rPr lang="en-US" dirty="0" err="1"/>
-              <a:t>Gpio</a:t>
+              <a:rPr lang="en-US" dirty="0" smtClean="0"/>
+              <a:t>Arduino core</a:t>
             </a:r>
             <a:endParaRPr lang="fr-FR" dirty="0"/>
           </a:p>
@@ -4060,8 +4044,8 @@
         </p:nvSpPr>
         <p:spPr>
           <a:xfrm>
-            <a:off x="2931467" y="4297670"/>
-            <a:ext cx="1231290" cy="643233"/>
+            <a:off x="2844099" y="4297670"/>
+            <a:ext cx="1318658" cy="643233"/>
           </a:xfrm>
           <a:prstGeom prst="roundRect">
             <a:avLst/>
@@ -4089,8 +4073,52 @@
           <a:p>
             <a:pPr algn="ctr"/>
             <a:r>
-              <a:rPr lang="en-US" dirty="0"/>
-              <a:t>Setup</a:t>
+              <a:rPr lang="en-US" dirty="0" smtClean="0"/>
+              <a:t>Robot2017</a:t>
+            </a:r>
+            <a:endParaRPr lang="fr-FR" dirty="0"/>
+          </a:p>
+        </p:txBody>
+      </p:sp>
+      <p:sp>
+        <p:nvSpPr>
+          <p:cNvPr id="25" name="Rectangle : coins arrondis 13"/>
+          <p:cNvSpPr/>
+          <p:nvPr/>
+        </p:nvSpPr>
+        <p:spPr>
+          <a:xfrm>
+            <a:off x="5994047" y="2638608"/>
+            <a:ext cx="1304335" cy="643233"/>
+          </a:xfrm>
+          <a:prstGeom prst="roundRect">
+            <a:avLst/>
+          </a:prstGeom>
+        </p:spPr>
+        <p:style>
+          <a:lnRef idx="2">
+            <a:schemeClr val="accent2">
+              <a:shade val="50000"/>
+            </a:schemeClr>
+          </a:lnRef>
+          <a:fillRef idx="1">
+            <a:schemeClr val="accent2"/>
+          </a:fillRef>
+          <a:effectRef idx="0">
+            <a:schemeClr val="accent2"/>
+          </a:effectRef>
+          <a:fontRef idx="minor">
+            <a:schemeClr val="lt1"/>
+          </a:fontRef>
+        </p:style>
+        <p:txBody>
+          <a:bodyPr rtlCol="0" anchor="ctr"/>
+          <a:lstStyle/>
+          <a:p>
+            <a:pPr algn="ctr"/>
+            <a:r>
+              <a:rPr lang="en-US" smtClean="0"/>
+              <a:t>HMI</a:t>
             </a:r>
             <a:endParaRPr lang="fr-FR" dirty="0"/>
           </a:p>
@@ -4136,14 +4164,14 @@
             <p:ph idx="1"/>
             <p:extLst>
               <p:ext uri="{D42A27DB-BD31-4B8C-83A1-F6EECF244321}">
-                <p14:modId xmlns:p14="http://schemas.microsoft.com/office/powerpoint/2010/main" val="1964045350"/>
+                <p14:modId xmlns:p14="http://schemas.microsoft.com/office/powerpoint/2010/main" val="3339735760"/>
               </p:ext>
             </p:extLst>
           </p:nvPr>
         </p:nvGraphicFramePr>
         <p:xfrm>
           <a:off x="990075" y="290084"/>
-          <a:ext cx="9960128" cy="6215733"/>
+          <a:ext cx="9960128" cy="6198696"/>
         </p:xfrm>
         <a:graphic>
           <a:graphicData uri="http://schemas.openxmlformats.org/drawingml/2006/table">
@@ -4155,14 +4183,14 @@
                 <a:gridCol w="2843689">
                   <a:extLst>
                     <a:ext uri="{9D8B030D-6E8A-4147-A177-3AD203B41FA5}">
-                      <a16:colId xmlns:a16="http://schemas.microsoft.com/office/drawing/2014/main" val="4249046580"/>
+                      <a16:colId xmlns:a16="http://schemas.microsoft.com/office/drawing/2014/main" xmlns="" val="4249046580"/>
                     </a:ext>
                   </a:extLst>
                 </a:gridCol>
                 <a:gridCol w="7116439">
                   <a:extLst>
                     <a:ext uri="{9D8B030D-6E8A-4147-A177-3AD203B41FA5}">
-                      <a16:colId xmlns:a16="http://schemas.microsoft.com/office/drawing/2014/main" val="2166689304"/>
+                      <a16:colId xmlns:a16="http://schemas.microsoft.com/office/drawing/2014/main" xmlns="" val="2166689304"/>
                     </a:ext>
                   </a:extLst>
                 </a:gridCol>
@@ -4198,7 +4226,7 @@
                 </a:tc>
                 <a:extLst>
                   <a:ext uri="{0D108BD9-81ED-4DB2-BD59-A6C34878D82A}">
-                    <a16:rowId xmlns:a16="http://schemas.microsoft.com/office/drawing/2014/main" val="1558262199"/>
+                    <a16:rowId xmlns:a16="http://schemas.microsoft.com/office/drawing/2014/main" xmlns="" val="1558262199"/>
                   </a:ext>
                 </a:extLst>
               </a:tr>
@@ -4241,7 +4269,7 @@
                 </a:tc>
                 <a:extLst>
                   <a:ext uri="{0D108BD9-81ED-4DB2-BD59-A6C34878D82A}">
-                    <a16:rowId xmlns:a16="http://schemas.microsoft.com/office/drawing/2014/main" val="3975330181"/>
+                    <a16:rowId xmlns:a16="http://schemas.microsoft.com/office/drawing/2014/main" xmlns="" val="3975330181"/>
                   </a:ext>
                 </a:extLst>
               </a:tr>
@@ -4276,7 +4304,7 @@
                 </a:tc>
                 <a:extLst>
                   <a:ext uri="{0D108BD9-81ED-4DB2-BD59-A6C34878D82A}">
-                    <a16:rowId xmlns:a16="http://schemas.microsoft.com/office/drawing/2014/main" val="145727790"/>
+                    <a16:rowId xmlns:a16="http://schemas.microsoft.com/office/drawing/2014/main" xmlns="" val="145727790"/>
                   </a:ext>
                 </a:extLst>
               </a:tr>
@@ -4311,7 +4339,7 @@
                 </a:tc>
                 <a:extLst>
                   <a:ext uri="{0D108BD9-81ED-4DB2-BD59-A6C34878D82A}">
-                    <a16:rowId xmlns:a16="http://schemas.microsoft.com/office/drawing/2014/main" val="1909270051"/>
+                    <a16:rowId xmlns:a16="http://schemas.microsoft.com/office/drawing/2014/main" xmlns="" val="1909270051"/>
                   </a:ext>
                 </a:extLst>
               </a:tr>
@@ -4346,7 +4374,7 @@
                 </a:tc>
                 <a:extLst>
                   <a:ext uri="{0D108BD9-81ED-4DB2-BD59-A6C34878D82A}">
-                    <a16:rowId xmlns:a16="http://schemas.microsoft.com/office/drawing/2014/main" val="1361958173"/>
+                    <a16:rowId xmlns:a16="http://schemas.microsoft.com/office/drawing/2014/main" xmlns="" val="1361958173"/>
                   </a:ext>
                 </a:extLst>
               </a:tr>
@@ -4385,7 +4413,7 @@
                 </a:tc>
                 <a:extLst>
                   <a:ext uri="{0D108BD9-81ED-4DB2-BD59-A6C34878D82A}">
-                    <a16:rowId xmlns:a16="http://schemas.microsoft.com/office/drawing/2014/main" val="853388448"/>
+                    <a16:rowId xmlns:a16="http://schemas.microsoft.com/office/drawing/2014/main" xmlns="" val="853388448"/>
                   </a:ext>
                 </a:extLst>
               </a:tr>
@@ -4424,7 +4452,7 @@
                 </a:tc>
                 <a:extLst>
                   <a:ext uri="{0D108BD9-81ED-4DB2-BD59-A6C34878D82A}">
-                    <a16:rowId xmlns:a16="http://schemas.microsoft.com/office/drawing/2014/main" val="1985920573"/>
+                    <a16:rowId xmlns:a16="http://schemas.microsoft.com/office/drawing/2014/main" xmlns="" val="1985920573"/>
                   </a:ext>
                 </a:extLst>
               </a:tr>
@@ -4467,7 +4495,7 @@
                 </a:tc>
                 <a:extLst>
                   <a:ext uri="{0D108BD9-81ED-4DB2-BD59-A6C34878D82A}">
-                    <a16:rowId xmlns:a16="http://schemas.microsoft.com/office/drawing/2014/main" val="4030744758"/>
+                    <a16:rowId xmlns:a16="http://schemas.microsoft.com/office/drawing/2014/main" xmlns="" val="4030744758"/>
                   </a:ext>
                 </a:extLst>
               </a:tr>
@@ -4506,7 +4534,7 @@
                 </a:tc>
                 <a:extLst>
                   <a:ext uri="{0D108BD9-81ED-4DB2-BD59-A6C34878D82A}">
-                    <a16:rowId xmlns:a16="http://schemas.microsoft.com/office/drawing/2014/main" val="3954026308"/>
+                    <a16:rowId xmlns:a16="http://schemas.microsoft.com/office/drawing/2014/main" xmlns="" val="3954026308"/>
                   </a:ext>
                 </a:extLst>
               </a:tr>
@@ -4557,7 +4585,7 @@
                 </a:tc>
                 <a:extLst>
                   <a:ext uri="{0D108BD9-81ED-4DB2-BD59-A6C34878D82A}">
-                    <a16:rowId xmlns:a16="http://schemas.microsoft.com/office/drawing/2014/main" val="1559937"/>
+                    <a16:rowId xmlns:a16="http://schemas.microsoft.com/office/drawing/2014/main" xmlns="" val="1559937"/>
                   </a:ext>
                 </a:extLst>
               </a:tr>
@@ -4604,7 +4632,7 @@
                 </a:tc>
                 <a:extLst>
                   <a:ext uri="{0D108BD9-81ED-4DB2-BD59-A6C34878D82A}">
-                    <a16:rowId xmlns:a16="http://schemas.microsoft.com/office/drawing/2014/main" val="3089251845"/>
+                    <a16:rowId xmlns:a16="http://schemas.microsoft.com/office/drawing/2014/main" xmlns="" val="3089251845"/>
                   </a:ext>
                 </a:extLst>
               </a:tr>
@@ -4643,7 +4671,7 @@
                 </a:tc>
                 <a:extLst>
                   <a:ext uri="{0D108BD9-81ED-4DB2-BD59-A6C34878D82A}">
-                    <a16:rowId xmlns:a16="http://schemas.microsoft.com/office/drawing/2014/main" val="2500980708"/>
+                    <a16:rowId xmlns:a16="http://schemas.microsoft.com/office/drawing/2014/main" xmlns="" val="2500980708"/>
                   </a:ext>
                 </a:extLst>
               </a:tr>
@@ -4698,7 +4726,7 @@
                 </a:tc>
                 <a:extLst>
                   <a:ext uri="{0D108BD9-81ED-4DB2-BD59-A6C34878D82A}">
-                    <a16:rowId xmlns:a16="http://schemas.microsoft.com/office/drawing/2014/main" val="2506504948"/>
+                    <a16:rowId xmlns:a16="http://schemas.microsoft.com/office/drawing/2014/main" xmlns="" val="2506504948"/>
                   </a:ext>
                 </a:extLst>
               </a:tr>
@@ -4709,8 +4737,8 @@
                     <a:lstStyle/>
                     <a:p>
                       <a:r>
-                        <a:rPr lang="en-US" sz="1400" dirty="0"/>
-                        <a:t>Setup</a:t>
+                        <a:rPr lang="en-US" sz="1400" smtClean="0"/>
+                        <a:t>Robot2017</a:t>
                       </a:r>
                       <a:endParaRPr lang="fr-FR" sz="1400" dirty="0"/>
                     </a:p>
@@ -4728,7 +4756,11 @@
                       </a:r>
                       <a:r>
                         <a:rPr lang="en-US" sz="1400" baseline="0" dirty="0"/>
-                        <a:t> and build object instances so that data initialization order is thread-safe and deterministic.</a:t>
+                        <a:t> and build object instances </a:t>
+                      </a:r>
+                      <a:r>
+                        <a:rPr lang="en-US" sz="1400" baseline="0" dirty="0" smtClean="0"/>
+                        <a:t>of the 2017 robot. Hold all configurations</a:t>
                       </a:r>
                       <a:endParaRPr lang="fr-FR" sz="1400" dirty="0"/>
                     </a:p>
@@ -4737,7 +4769,7 @@
                 </a:tc>
                 <a:extLst>
                   <a:ext uri="{0D108BD9-81ED-4DB2-BD59-A6C34878D82A}">
-                    <a16:rowId xmlns:a16="http://schemas.microsoft.com/office/drawing/2014/main" val="3586628355"/>
+                    <a16:rowId xmlns:a16="http://schemas.microsoft.com/office/drawing/2014/main" xmlns="" val="3586628355"/>
                   </a:ext>
                 </a:extLst>
               </a:tr>
@@ -4776,7 +4808,7 @@
                 </a:tc>
                 <a:extLst>
                   <a:ext uri="{0D108BD9-81ED-4DB2-BD59-A6C34878D82A}">
-                    <a16:rowId xmlns:a16="http://schemas.microsoft.com/office/drawing/2014/main" val="2487713246"/>
+                    <a16:rowId xmlns:a16="http://schemas.microsoft.com/office/drawing/2014/main" xmlns="" val="2487713246"/>
                   </a:ext>
                 </a:extLst>
               </a:tr>
@@ -4815,7 +4847,7 @@
                 </a:tc>
                 <a:extLst>
                   <a:ext uri="{0D108BD9-81ED-4DB2-BD59-A6C34878D82A}">
-                    <a16:rowId xmlns:a16="http://schemas.microsoft.com/office/drawing/2014/main" val="3055302253"/>
+                    <a16:rowId xmlns:a16="http://schemas.microsoft.com/office/drawing/2014/main" xmlns="" val="3055302253"/>
                   </a:ext>
                 </a:extLst>
               </a:tr>
@@ -4858,7 +4890,7 @@
                 </a:tc>
                 <a:extLst>
                   <a:ext uri="{0D108BD9-81ED-4DB2-BD59-A6C34878D82A}">
-                    <a16:rowId xmlns:a16="http://schemas.microsoft.com/office/drawing/2014/main" val="3301582169"/>
+                    <a16:rowId xmlns:a16="http://schemas.microsoft.com/office/drawing/2014/main" xmlns="" val="3301582169"/>
                   </a:ext>
                 </a:extLst>
               </a:tr>

--- a/docs/PMI2017_archiSW.pptx
+++ b/docs/PMI2017_archiSW.pptx
@@ -242,7 +242,7 @@
           <a:p>
             <a:fld id="{2782ACDD-568A-4D5B-9A72-61F2F85B1323}" type="datetimeFigureOut">
               <a:rPr lang="fr-FR" smtClean="0"/>
-              <a:t>21/10/2016</a:t>
+              <a:t>24/10/2016</a:t>
             </a:fld>
             <a:endParaRPr lang="fr-FR"/>
           </a:p>
@@ -410,7 +410,7 @@
           <a:p>
             <a:fld id="{2782ACDD-568A-4D5B-9A72-61F2F85B1323}" type="datetimeFigureOut">
               <a:rPr lang="fr-FR" smtClean="0"/>
-              <a:t>21/10/2016</a:t>
+              <a:t>24/10/2016</a:t>
             </a:fld>
             <a:endParaRPr lang="fr-FR"/>
           </a:p>
@@ -588,7 +588,7 @@
           <a:p>
             <a:fld id="{2782ACDD-568A-4D5B-9A72-61F2F85B1323}" type="datetimeFigureOut">
               <a:rPr lang="fr-FR" smtClean="0"/>
-              <a:t>21/10/2016</a:t>
+              <a:t>24/10/2016</a:t>
             </a:fld>
             <a:endParaRPr lang="fr-FR"/>
           </a:p>
@@ -756,7 +756,7 @@
           <a:p>
             <a:fld id="{2782ACDD-568A-4D5B-9A72-61F2F85B1323}" type="datetimeFigureOut">
               <a:rPr lang="fr-FR" smtClean="0"/>
-              <a:t>21/10/2016</a:t>
+              <a:t>24/10/2016</a:t>
             </a:fld>
             <a:endParaRPr lang="fr-FR"/>
           </a:p>
@@ -1001,7 +1001,7 @@
           <a:p>
             <a:fld id="{2782ACDD-568A-4D5B-9A72-61F2F85B1323}" type="datetimeFigureOut">
               <a:rPr lang="fr-FR" smtClean="0"/>
-              <a:t>21/10/2016</a:t>
+              <a:t>24/10/2016</a:t>
             </a:fld>
             <a:endParaRPr lang="fr-FR"/>
           </a:p>
@@ -1230,7 +1230,7 @@
           <a:p>
             <a:fld id="{2782ACDD-568A-4D5B-9A72-61F2F85B1323}" type="datetimeFigureOut">
               <a:rPr lang="fr-FR" smtClean="0"/>
-              <a:t>21/10/2016</a:t>
+              <a:t>24/10/2016</a:t>
             </a:fld>
             <a:endParaRPr lang="fr-FR"/>
           </a:p>
@@ -1594,7 +1594,7 @@
           <a:p>
             <a:fld id="{2782ACDD-568A-4D5B-9A72-61F2F85B1323}" type="datetimeFigureOut">
               <a:rPr lang="fr-FR" smtClean="0"/>
-              <a:t>21/10/2016</a:t>
+              <a:t>24/10/2016</a:t>
             </a:fld>
             <a:endParaRPr lang="fr-FR"/>
           </a:p>
@@ -1711,7 +1711,7 @@
           <a:p>
             <a:fld id="{2782ACDD-568A-4D5B-9A72-61F2F85B1323}" type="datetimeFigureOut">
               <a:rPr lang="fr-FR" smtClean="0"/>
-              <a:t>21/10/2016</a:t>
+              <a:t>24/10/2016</a:t>
             </a:fld>
             <a:endParaRPr lang="fr-FR"/>
           </a:p>
@@ -1806,7 +1806,7 @@
           <a:p>
             <a:fld id="{2782ACDD-568A-4D5B-9A72-61F2F85B1323}" type="datetimeFigureOut">
               <a:rPr lang="fr-FR" smtClean="0"/>
-              <a:t>21/10/2016</a:t>
+              <a:t>24/10/2016</a:t>
             </a:fld>
             <a:endParaRPr lang="fr-FR"/>
           </a:p>
@@ -2081,7 +2081,7 @@
           <a:p>
             <a:fld id="{2782ACDD-568A-4D5B-9A72-61F2F85B1323}" type="datetimeFigureOut">
               <a:rPr lang="fr-FR" smtClean="0"/>
-              <a:t>21/10/2016</a:t>
+              <a:t>24/10/2016</a:t>
             </a:fld>
             <a:endParaRPr lang="fr-FR"/>
           </a:p>
@@ -2333,7 +2333,7 @@
           <a:p>
             <a:fld id="{2782ACDD-568A-4D5B-9A72-61F2F85B1323}" type="datetimeFigureOut">
               <a:rPr lang="fr-FR" smtClean="0"/>
-              <a:t>21/10/2016</a:t>
+              <a:t>24/10/2016</a:t>
             </a:fld>
             <a:endParaRPr lang="fr-FR"/>
           </a:p>
@@ -2544,7 +2544,7 @@
           <a:p>
             <a:fld id="{2782ACDD-568A-4D5B-9A72-61F2F85B1323}" type="datetimeFigureOut">
               <a:rPr lang="fr-FR" smtClean="0"/>
-              <a:t>21/10/2016</a:t>
+              <a:t>24/10/2016</a:t>
             </a:fld>
             <a:endParaRPr lang="fr-FR"/>
           </a:p>
@@ -3499,7 +3499,7 @@
         </p:nvSpPr>
         <p:spPr>
           <a:xfrm>
-            <a:off x="2532993" y="894166"/>
+            <a:off x="2115464" y="889173"/>
             <a:ext cx="1357937" cy="643233"/>
           </a:xfrm>
           <a:prstGeom prst="roundRect">
@@ -4119,6 +4119,54 @@
             <a:r>
               <a:rPr lang="en-US" smtClean="0"/>
               <a:t>HMI</a:t>
+            </a:r>
+            <a:endParaRPr lang="fr-FR" dirty="0"/>
+          </a:p>
+        </p:txBody>
+      </p:sp>
+      <p:sp>
+        <p:nvSpPr>
+          <p:cNvPr id="33" name="Rectangle : coins arrondis 16"/>
+          <p:cNvSpPr/>
+          <p:nvPr/>
+        </p:nvSpPr>
+        <p:spPr>
+          <a:xfrm>
+            <a:off x="3708466" y="878657"/>
+            <a:ext cx="661603" cy="643233"/>
+          </a:xfrm>
+          <a:prstGeom prst="roundRect">
+            <a:avLst/>
+          </a:prstGeom>
+        </p:spPr>
+        <p:style>
+          <a:lnRef idx="2">
+            <a:schemeClr val="accent1">
+              <a:shade val="50000"/>
+            </a:schemeClr>
+          </a:lnRef>
+          <a:fillRef idx="1">
+            <a:schemeClr val="accent1"/>
+          </a:fillRef>
+          <a:effectRef idx="0">
+            <a:schemeClr val="accent1"/>
+          </a:effectRef>
+          <a:fontRef idx="minor">
+            <a:schemeClr val="lt1"/>
+          </a:fontRef>
+        </p:style>
+        <p:txBody>
+          <a:bodyPr rtlCol="0" anchor="ctr"/>
+          <a:lstStyle/>
+          <a:p>
+            <a:pPr algn="ctr"/>
+            <a:r>
+              <a:rPr lang="en-US" dirty="0" err="1" smtClean="0"/>
+              <a:t>Spi</a:t>
+            </a:r>
+            <a:r>
+              <a:rPr lang="en-US" dirty="0" smtClean="0"/>
+              <a:t>/SD</a:t>
             </a:r>
             <a:endParaRPr lang="fr-FR" dirty="0"/>
           </a:p>
@@ -4164,14 +4212,14 @@
             <p:ph idx="1"/>
             <p:extLst>
               <p:ext uri="{D42A27DB-BD31-4B8C-83A1-F6EECF244321}">
-                <p14:modId xmlns:p14="http://schemas.microsoft.com/office/powerpoint/2010/main" val="3339735760"/>
+                <p14:modId xmlns:p14="http://schemas.microsoft.com/office/powerpoint/2010/main" val="1463140914"/>
               </p:ext>
             </p:extLst>
           </p:nvPr>
         </p:nvGraphicFramePr>
         <p:xfrm>
           <a:off x="990075" y="290084"/>
-          <a:ext cx="9960128" cy="6198696"/>
+          <a:ext cx="9960128" cy="6503496"/>
         </p:xfrm>
         <a:graphic>
           <a:graphicData uri="http://schemas.openxmlformats.org/drawingml/2006/table">
@@ -4272,6 +4320,56 @@
                     <a16:rowId xmlns:a16="http://schemas.microsoft.com/office/drawing/2014/main" xmlns="" val="3975330181"/>
                   </a:ext>
                 </a:extLst>
+              </a:tr>
+              <a:tr h="290333">
+                <a:tc>
+                  <a:txBody>
+                    <a:bodyPr/>
+                    <a:lstStyle/>
+                    <a:p>
+                      <a:r>
+                        <a:rPr lang="en-US" sz="1400" dirty="0" err="1" smtClean="0"/>
+                        <a:t>Spi</a:t>
+                      </a:r>
+                      <a:r>
+                        <a:rPr lang="en-US" sz="1400" dirty="0" smtClean="0"/>
+                        <a:t>/SD</a:t>
+                      </a:r>
+                      <a:endParaRPr lang="fr-FR" sz="1400" dirty="0"/>
+                    </a:p>
+                  </a:txBody>
+                  <a:tcPr/>
+                </a:tc>
+                <a:tc>
+                  <a:txBody>
+                    <a:bodyPr/>
+                    <a:lstStyle/>
+                    <a:p>
+                      <a:r>
+                        <a:rPr lang="en-US" sz="1400" dirty="0" smtClean="0"/>
+                        <a:t>Manage </a:t>
+                      </a:r>
+                      <a:r>
+                        <a:rPr lang="en-US" sz="1400" dirty="0" err="1" smtClean="0"/>
+                        <a:t>Spi</a:t>
+                      </a:r>
+                      <a:r>
+                        <a:rPr lang="en-US" sz="1400" dirty="0" smtClean="0"/>
+                        <a:t> </a:t>
+                      </a:r>
+                      <a:r>
+                        <a:rPr lang="en-US" sz="1400" smtClean="0"/>
+                        <a:t>bus, read </a:t>
+                      </a:r>
+                      <a:r>
+                        <a:rPr lang="en-US" sz="1400" dirty="0" smtClean="0"/>
+                        <a:t>SD cards, manage filesystem.</a:t>
+                      </a:r>
+                      <a:endParaRPr lang="fr-FR" sz="1400" dirty="0"/>
+                    </a:p>
+                  </a:txBody>
+                  <a:tcPr/>
+                </a:tc>
               </a:tr>
               <a:tr h="290333">
                 <a:tc>

--- a/docs/PMI2017_archiSW.pptx
+++ b/docs/PMI2017_archiSW.pptx
@@ -242,7 +242,7 @@
           <a:p>
             <a:fld id="{2782ACDD-568A-4D5B-9A72-61F2F85B1323}" type="datetimeFigureOut">
               <a:rPr lang="fr-FR" smtClean="0"/>
-              <a:t>24/10/2016</a:t>
+              <a:t>08/12/2016</a:t>
             </a:fld>
             <a:endParaRPr lang="fr-FR"/>
           </a:p>
@@ -410,7 +410,7 @@
           <a:p>
             <a:fld id="{2782ACDD-568A-4D5B-9A72-61F2F85B1323}" type="datetimeFigureOut">
               <a:rPr lang="fr-FR" smtClean="0"/>
-              <a:t>24/10/2016</a:t>
+              <a:t>08/12/2016</a:t>
             </a:fld>
             <a:endParaRPr lang="fr-FR"/>
           </a:p>
@@ -588,7 +588,7 @@
           <a:p>
             <a:fld id="{2782ACDD-568A-4D5B-9A72-61F2F85B1323}" type="datetimeFigureOut">
               <a:rPr lang="fr-FR" smtClean="0"/>
-              <a:t>24/10/2016</a:t>
+              <a:t>08/12/2016</a:t>
             </a:fld>
             <a:endParaRPr lang="fr-FR"/>
           </a:p>
@@ -756,7 +756,7 @@
           <a:p>
             <a:fld id="{2782ACDD-568A-4D5B-9A72-61F2F85B1323}" type="datetimeFigureOut">
               <a:rPr lang="fr-FR" smtClean="0"/>
-              <a:t>24/10/2016</a:t>
+              <a:t>08/12/2016</a:t>
             </a:fld>
             <a:endParaRPr lang="fr-FR"/>
           </a:p>
@@ -1001,7 +1001,7 @@
           <a:p>
             <a:fld id="{2782ACDD-568A-4D5B-9A72-61F2F85B1323}" type="datetimeFigureOut">
               <a:rPr lang="fr-FR" smtClean="0"/>
-              <a:t>24/10/2016</a:t>
+              <a:t>08/12/2016</a:t>
             </a:fld>
             <a:endParaRPr lang="fr-FR"/>
           </a:p>
@@ -1230,7 +1230,7 @@
           <a:p>
             <a:fld id="{2782ACDD-568A-4D5B-9A72-61F2F85B1323}" type="datetimeFigureOut">
               <a:rPr lang="fr-FR" smtClean="0"/>
-              <a:t>24/10/2016</a:t>
+              <a:t>08/12/2016</a:t>
             </a:fld>
             <a:endParaRPr lang="fr-FR"/>
           </a:p>
@@ -1594,7 +1594,7 @@
           <a:p>
             <a:fld id="{2782ACDD-568A-4D5B-9A72-61F2F85B1323}" type="datetimeFigureOut">
               <a:rPr lang="fr-FR" smtClean="0"/>
-              <a:t>24/10/2016</a:t>
+              <a:t>08/12/2016</a:t>
             </a:fld>
             <a:endParaRPr lang="fr-FR"/>
           </a:p>
@@ -1711,7 +1711,7 @@
           <a:p>
             <a:fld id="{2782ACDD-568A-4D5B-9A72-61F2F85B1323}" type="datetimeFigureOut">
               <a:rPr lang="fr-FR" smtClean="0"/>
-              <a:t>24/10/2016</a:t>
+              <a:t>08/12/2016</a:t>
             </a:fld>
             <a:endParaRPr lang="fr-FR"/>
           </a:p>
@@ -1806,7 +1806,7 @@
           <a:p>
             <a:fld id="{2782ACDD-568A-4D5B-9A72-61F2F85B1323}" type="datetimeFigureOut">
               <a:rPr lang="fr-FR" smtClean="0"/>
-              <a:t>24/10/2016</a:t>
+              <a:t>08/12/2016</a:t>
             </a:fld>
             <a:endParaRPr lang="fr-FR"/>
           </a:p>
@@ -2081,7 +2081,7 @@
           <a:p>
             <a:fld id="{2782ACDD-568A-4D5B-9A72-61F2F85B1323}" type="datetimeFigureOut">
               <a:rPr lang="fr-FR" smtClean="0"/>
-              <a:t>24/10/2016</a:t>
+              <a:t>08/12/2016</a:t>
             </a:fld>
             <a:endParaRPr lang="fr-FR"/>
           </a:p>
@@ -2333,7 +2333,7 @@
           <a:p>
             <a:fld id="{2782ACDD-568A-4D5B-9A72-61F2F85B1323}" type="datetimeFigureOut">
               <a:rPr lang="fr-FR" smtClean="0"/>
-              <a:t>24/10/2016</a:t>
+              <a:t>08/12/2016</a:t>
             </a:fld>
             <a:endParaRPr lang="fr-FR"/>
           </a:p>
@@ -2544,7 +2544,7 @@
           <a:p>
             <a:fld id="{2782ACDD-568A-4D5B-9A72-61F2F85B1323}" type="datetimeFigureOut">
               <a:rPr lang="fr-FR" smtClean="0"/>
-              <a:t>24/10/2016</a:t>
+              <a:t>08/12/2016</a:t>
             </a:fld>
             <a:endParaRPr lang="fr-FR"/>
           </a:p>
@@ -3451,7 +3451,7 @@
         </p:nvSpPr>
         <p:spPr>
           <a:xfrm>
-            <a:off x="8905412" y="2632829"/>
+            <a:off x="8895164" y="2065801"/>
             <a:ext cx="1304335" cy="643233"/>
           </a:xfrm>
           <a:prstGeom prst="roundRect">
@@ -3624,8 +3624,12 @@
           <a:p>
             <a:pPr algn="ctr"/>
             <a:r>
+              <a:rPr lang="en-US" dirty="0" smtClean="0"/>
+              <a:t>AL : Applicative </a:t>
+            </a:r>
+            <a:r>
               <a:rPr lang="en-US" dirty="0"/>
-              <a:t>Applicative Layer</a:t>
+              <a:t>Layer</a:t>
             </a:r>
           </a:p>
           <a:p>
@@ -3654,7 +3658,7 @@
         </p:nvSpPr>
         <p:spPr>
           <a:xfrm>
-            <a:off x="4382813" y="4297672"/>
+            <a:off x="5550511" y="4252477"/>
             <a:ext cx="1122505" cy="643233"/>
           </a:xfrm>
           <a:prstGeom prst="roundRect">
@@ -3705,7 +3709,7 @@
         </p:nvSpPr>
         <p:spPr>
           <a:xfrm>
-            <a:off x="5670330" y="4297670"/>
+            <a:off x="6838028" y="4252475"/>
             <a:ext cx="1304335" cy="643233"/>
           </a:xfrm>
           <a:prstGeom prst="roundRect">
@@ -3756,7 +3760,7 @@
         </p:nvSpPr>
         <p:spPr>
           <a:xfrm>
-            <a:off x="7122859" y="4297670"/>
+            <a:off x="8895163" y="2781032"/>
             <a:ext cx="1304335" cy="643233"/>
           </a:xfrm>
           <a:prstGeom prst="roundRect">
@@ -4044,7 +4048,7 @@
         </p:nvSpPr>
         <p:spPr>
           <a:xfrm>
-            <a:off x="2844099" y="4297670"/>
+            <a:off x="4011797" y="4252475"/>
             <a:ext cx="1318658" cy="643233"/>
           </a:xfrm>
           <a:prstGeom prst="roundRect">

--- a/docs/PMI2017_archiSW.pptx
+++ b/docs/PMI2017_archiSW.pptx
@@ -7,6 +7,8 @@
   <p:sldIdLst>
     <p:sldId id="256" r:id="rId2"/>
     <p:sldId id="257" r:id="rId3"/>
+    <p:sldId id="258" r:id="rId4"/>
+    <p:sldId id="259" r:id="rId5"/>
   </p:sldIdLst>
   <p:sldSz cx="12192000" cy="6858000"/>
   <p:notesSz cx="6858000" cy="9144000"/>
@@ -242,7 +244,7 @@
           <a:p>
             <a:fld id="{2782ACDD-568A-4D5B-9A72-61F2F85B1323}" type="datetimeFigureOut">
               <a:rPr lang="fr-FR" smtClean="0"/>
-              <a:t>08/12/2016</a:t>
+              <a:t>13/03/2017</a:t>
             </a:fld>
             <a:endParaRPr lang="fr-FR"/>
           </a:p>
@@ -410,7 +412,7 @@
           <a:p>
             <a:fld id="{2782ACDD-568A-4D5B-9A72-61F2F85B1323}" type="datetimeFigureOut">
               <a:rPr lang="fr-FR" smtClean="0"/>
-              <a:t>08/12/2016</a:t>
+              <a:t>13/03/2017</a:t>
             </a:fld>
             <a:endParaRPr lang="fr-FR"/>
           </a:p>
@@ -588,7 +590,7 @@
           <a:p>
             <a:fld id="{2782ACDD-568A-4D5B-9A72-61F2F85B1323}" type="datetimeFigureOut">
               <a:rPr lang="fr-FR" smtClean="0"/>
-              <a:t>08/12/2016</a:t>
+              <a:t>13/03/2017</a:t>
             </a:fld>
             <a:endParaRPr lang="fr-FR"/>
           </a:p>
@@ -756,7 +758,7 @@
           <a:p>
             <a:fld id="{2782ACDD-568A-4D5B-9A72-61F2F85B1323}" type="datetimeFigureOut">
               <a:rPr lang="fr-FR" smtClean="0"/>
-              <a:t>08/12/2016</a:t>
+              <a:t>13/03/2017</a:t>
             </a:fld>
             <a:endParaRPr lang="fr-FR"/>
           </a:p>
@@ -1001,7 +1003,7 @@
           <a:p>
             <a:fld id="{2782ACDD-568A-4D5B-9A72-61F2F85B1323}" type="datetimeFigureOut">
               <a:rPr lang="fr-FR" smtClean="0"/>
-              <a:t>08/12/2016</a:t>
+              <a:t>13/03/2017</a:t>
             </a:fld>
             <a:endParaRPr lang="fr-FR"/>
           </a:p>
@@ -1230,7 +1232,7 @@
           <a:p>
             <a:fld id="{2782ACDD-568A-4D5B-9A72-61F2F85B1323}" type="datetimeFigureOut">
               <a:rPr lang="fr-FR" smtClean="0"/>
-              <a:t>08/12/2016</a:t>
+              <a:t>13/03/2017</a:t>
             </a:fld>
             <a:endParaRPr lang="fr-FR"/>
           </a:p>
@@ -1594,7 +1596,7 @@
           <a:p>
             <a:fld id="{2782ACDD-568A-4D5B-9A72-61F2F85B1323}" type="datetimeFigureOut">
               <a:rPr lang="fr-FR" smtClean="0"/>
-              <a:t>08/12/2016</a:t>
+              <a:t>13/03/2017</a:t>
             </a:fld>
             <a:endParaRPr lang="fr-FR"/>
           </a:p>
@@ -1711,7 +1713,7 @@
           <a:p>
             <a:fld id="{2782ACDD-568A-4D5B-9A72-61F2F85B1323}" type="datetimeFigureOut">
               <a:rPr lang="fr-FR" smtClean="0"/>
-              <a:t>08/12/2016</a:t>
+              <a:t>13/03/2017</a:t>
             </a:fld>
             <a:endParaRPr lang="fr-FR"/>
           </a:p>
@@ -1806,7 +1808,7 @@
           <a:p>
             <a:fld id="{2782ACDD-568A-4D5B-9A72-61F2F85B1323}" type="datetimeFigureOut">
               <a:rPr lang="fr-FR" smtClean="0"/>
-              <a:t>08/12/2016</a:t>
+              <a:t>13/03/2017</a:t>
             </a:fld>
             <a:endParaRPr lang="fr-FR"/>
           </a:p>
@@ -2081,7 +2083,7 @@
           <a:p>
             <a:fld id="{2782ACDD-568A-4D5B-9A72-61F2F85B1323}" type="datetimeFigureOut">
               <a:rPr lang="fr-FR" smtClean="0"/>
-              <a:t>08/12/2016</a:t>
+              <a:t>13/03/2017</a:t>
             </a:fld>
             <a:endParaRPr lang="fr-FR"/>
           </a:p>
@@ -2333,7 +2335,7 @@
           <a:p>
             <a:fld id="{2782ACDD-568A-4D5B-9A72-61F2F85B1323}" type="datetimeFigureOut">
               <a:rPr lang="fr-FR" smtClean="0"/>
-              <a:t>08/12/2016</a:t>
+              <a:t>13/03/2017</a:t>
             </a:fld>
             <a:endParaRPr lang="fr-FR"/>
           </a:p>
@@ -2544,7 +2546,7 @@
           <a:p>
             <a:fld id="{2782ACDD-568A-4D5B-9A72-61F2F85B1323}" type="datetimeFigureOut">
               <a:rPr lang="fr-FR" smtClean="0"/>
-              <a:t>08/12/2016</a:t>
+              <a:t>13/03/2017</a:t>
             </a:fld>
             <a:endParaRPr lang="fr-FR"/>
           </a:p>
@@ -2957,8 +2959,8 @@
         </p:nvSpPr>
         <p:spPr>
           <a:xfrm>
-            <a:off x="1929700" y="1889228"/>
-            <a:ext cx="8431395" cy="1783609"/>
+            <a:off x="2009051" y="2283319"/>
+            <a:ext cx="7617550" cy="1336572"/>
           </a:xfrm>
           <a:prstGeom prst="roundRect">
             <a:avLst/>
@@ -3004,10 +3006,6 @@
           </a:p>
           <a:p>
             <a:pPr algn="ctr"/>
-            <a:endParaRPr lang="en-US" dirty="0"/>
-          </a:p>
-          <a:p>
-            <a:pPr algn="ctr"/>
             <a:endParaRPr lang="en-US" i="1" dirty="0"/>
           </a:p>
           <a:p>
@@ -3028,8 +3026,8 @@
         </p:nvSpPr>
         <p:spPr>
           <a:xfrm>
-            <a:off x="1929700" y="472962"/>
-            <a:ext cx="8387255" cy="1343226"/>
+            <a:off x="2009049" y="180153"/>
+            <a:ext cx="5207825" cy="1987550"/>
           </a:xfrm>
           <a:prstGeom prst="roundRect">
             <a:avLst/>
@@ -3066,8 +3064,20 @@
             <a:pPr algn="ctr"/>
             <a:r>
               <a:rPr lang="en-US" dirty="0"/>
-              <a:t>BSP : Board support package</a:t>
-            </a:r>
+              <a:t>BSP : Board support </a:t>
+            </a:r>
+            <a:r>
+              <a:rPr lang="en-US" dirty="0" smtClean="0"/>
+              <a:t>package</a:t>
+            </a:r>
+          </a:p>
+          <a:p>
+            <a:pPr algn="ctr"/>
+            <a:endParaRPr lang="en-US" dirty="0"/>
+          </a:p>
+          <a:p>
+            <a:pPr algn="ctr"/>
+            <a:endParaRPr lang="en-US" dirty="0"/>
           </a:p>
           <a:p>
             <a:pPr algn="ctr"/>
@@ -3095,8 +3105,8 @@
         </p:nvSpPr>
         <p:spPr>
           <a:xfrm>
-            <a:off x="4619558" y="889173"/>
-            <a:ext cx="1122505" cy="643233"/>
+            <a:off x="2420022" y="865963"/>
+            <a:ext cx="2211170" cy="302531"/>
           </a:xfrm>
           <a:prstGeom prst="roundRect">
             <a:avLst/>
@@ -3139,8 +3149,8 @@
         </p:nvSpPr>
         <p:spPr>
           <a:xfrm>
-            <a:off x="5895906" y="889173"/>
-            <a:ext cx="1304335" cy="643233"/>
+            <a:off x="2420022" y="1221700"/>
+            <a:ext cx="4561111" cy="300402"/>
           </a:xfrm>
           <a:prstGeom prst="roundRect">
             <a:avLst/>
@@ -3168,10 +3178,9 @@
           <a:p>
             <a:pPr algn="ctr"/>
             <a:r>
-              <a:rPr lang="en-US" dirty="0" err="1"/>
-              <a:t>AccStepper</a:t>
-            </a:r>
-            <a:endParaRPr lang="fr-FR" dirty="0"/>
+              <a:rPr lang="en-US" dirty="0" smtClean="0"/>
+              <a:t>Drivers</a:t>
+            </a:r>
           </a:p>
         </p:txBody>
       </p:sp>
@@ -3183,7 +3192,7 @@
         </p:nvSpPr>
         <p:spPr>
           <a:xfrm>
-            <a:off x="4989259" y="5708169"/>
+            <a:off x="187272" y="671901"/>
             <a:ext cx="1122505" cy="643233"/>
           </a:xfrm>
           <a:prstGeom prst="roundRect">
@@ -3212,12 +3221,8 @@
           <a:p>
             <a:pPr algn="ctr"/>
             <a:r>
-              <a:rPr lang="en-US" dirty="0" err="1"/>
-              <a:t>Librairie</a:t>
-            </a:r>
-            <a:r>
-              <a:rPr lang="en-US" dirty="0"/>
-              <a:t> tierce</a:t>
+              <a:rPr lang="en-US" dirty="0" smtClean="0"/>
+              <a:t>External Library</a:t>
             </a:r>
             <a:endParaRPr lang="fr-FR" dirty="0"/>
           </a:p>
@@ -3225,14 +3230,14 @@
       </p:sp>
       <p:sp>
         <p:nvSpPr>
-          <p:cNvPr id="8" name="Rectangle : coins arrondis 7"/>
+          <p:cNvPr id="9" name="Rectangle : coins arrondis 8"/>
           <p:cNvSpPr/>
           <p:nvPr/>
         </p:nvSpPr>
         <p:spPr>
           <a:xfrm>
-            <a:off x="7449730" y="889173"/>
-            <a:ext cx="1304335" cy="643233"/>
+            <a:off x="4664086" y="863366"/>
+            <a:ext cx="2310714" cy="296806"/>
           </a:xfrm>
           <a:prstGeom prst="roundRect">
             <a:avLst/>
@@ -3260,8 +3265,8 @@
           <a:p>
             <a:pPr algn="ctr"/>
             <a:r>
-              <a:rPr lang="en-US" dirty="0"/>
-              <a:t>Servo</a:t>
+              <a:rPr lang="en-US" dirty="0" err="1" smtClean="0"/>
+              <a:t>ArduinoCore</a:t>
             </a:r>
             <a:endParaRPr lang="fr-FR" dirty="0"/>
           </a:p>
@@ -3269,14 +3274,662 @@
       </p:sp>
       <p:sp>
         <p:nvSpPr>
-          <p:cNvPr id="9" name="Rectangle : coins arrondis 8"/>
+          <p:cNvPr id="11" name="Rectangle : coins arrondis 10"/>
           <p:cNvSpPr/>
           <p:nvPr/>
         </p:nvSpPr>
         <p:spPr>
           <a:xfrm>
-            <a:off x="8895165" y="878658"/>
-            <a:ext cx="1304335" cy="643233"/>
+            <a:off x="2423585" y="2623854"/>
+            <a:ext cx="3681912" cy="242441"/>
+          </a:xfrm>
+          <a:prstGeom prst="roundRect">
+            <a:avLst/>
+          </a:prstGeom>
+        </p:spPr>
+        <p:style>
+          <a:lnRef idx="2">
+            <a:schemeClr val="accent2">
+              <a:shade val="50000"/>
+            </a:schemeClr>
+          </a:lnRef>
+          <a:fillRef idx="1">
+            <a:schemeClr val="accent2"/>
+          </a:fillRef>
+          <a:effectRef idx="0">
+            <a:schemeClr val="accent2"/>
+          </a:effectRef>
+          <a:fontRef idx="minor">
+            <a:schemeClr val="lt1"/>
+          </a:fontRef>
+        </p:style>
+        <p:txBody>
+          <a:bodyPr rtlCol="0" anchor="ctr"/>
+          <a:lstStyle/>
+          <a:p>
+            <a:pPr algn="ctr"/>
+            <a:r>
+              <a:rPr lang="en-US" dirty="0"/>
+              <a:t>ArdOs</a:t>
+            </a:r>
+            <a:endParaRPr lang="fr-FR" dirty="0"/>
+          </a:p>
+        </p:txBody>
+      </p:sp>
+      <p:sp>
+        <p:nvSpPr>
+          <p:cNvPr id="14" name="Rectangle : coins arrondis 13"/>
+          <p:cNvSpPr/>
+          <p:nvPr/>
+        </p:nvSpPr>
+        <p:spPr>
+          <a:xfrm>
+            <a:off x="5535768" y="2973586"/>
+            <a:ext cx="1151049" cy="483270"/>
+          </a:xfrm>
+          <a:prstGeom prst="roundRect">
+            <a:avLst/>
+          </a:prstGeom>
+        </p:spPr>
+        <p:style>
+          <a:lnRef idx="2">
+            <a:schemeClr val="accent2">
+              <a:shade val="50000"/>
+            </a:schemeClr>
+          </a:lnRef>
+          <a:fillRef idx="1">
+            <a:schemeClr val="accent2"/>
+          </a:fillRef>
+          <a:effectRef idx="0">
+            <a:schemeClr val="accent2"/>
+          </a:effectRef>
+          <a:fontRef idx="minor">
+            <a:schemeClr val="lt1"/>
+          </a:fontRef>
+        </p:style>
+        <p:txBody>
+          <a:bodyPr rtlCol="0" anchor="ctr"/>
+          <a:lstStyle/>
+          <a:p>
+            <a:pPr algn="ctr"/>
+            <a:r>
+              <a:rPr lang="en-US" dirty="0" smtClean="0"/>
+              <a:t>Actuators</a:t>
+            </a:r>
+            <a:endParaRPr lang="fr-FR" dirty="0"/>
+          </a:p>
+        </p:txBody>
+      </p:sp>
+      <p:sp>
+        <p:nvSpPr>
+          <p:cNvPr id="15" name="Rectangle : coins arrondis 14"/>
+          <p:cNvSpPr/>
+          <p:nvPr/>
+        </p:nvSpPr>
+        <p:spPr>
+          <a:xfrm>
+            <a:off x="6770031" y="2973586"/>
+            <a:ext cx="1207115" cy="483270"/>
+          </a:xfrm>
+          <a:prstGeom prst="roundRect">
+            <a:avLst/>
+          </a:prstGeom>
+        </p:spPr>
+        <p:style>
+          <a:lnRef idx="2">
+            <a:schemeClr val="accent2">
+              <a:shade val="50000"/>
+            </a:schemeClr>
+          </a:lnRef>
+          <a:fillRef idx="1">
+            <a:schemeClr val="accent2"/>
+          </a:fillRef>
+          <a:effectRef idx="0">
+            <a:schemeClr val="accent2"/>
+          </a:effectRef>
+          <a:fontRef idx="minor">
+            <a:schemeClr val="lt1"/>
+          </a:fontRef>
+        </p:style>
+        <p:txBody>
+          <a:bodyPr rtlCol="0" anchor="ctr"/>
+          <a:lstStyle/>
+          <a:p>
+            <a:pPr algn="ctr"/>
+            <a:r>
+              <a:rPr lang="en-US" dirty="0" err="1"/>
+              <a:t>Gpio</a:t>
+            </a:r>
+            <a:r>
+              <a:rPr lang="en-US" dirty="0"/>
+              <a:t> tools</a:t>
+            </a:r>
+            <a:endParaRPr lang="fr-FR" dirty="0"/>
+          </a:p>
+        </p:txBody>
+      </p:sp>
+      <p:sp>
+        <p:nvSpPr>
+          <p:cNvPr id="21" name="Rectangle : coins arrondis 20"/>
+          <p:cNvSpPr/>
+          <p:nvPr/>
+        </p:nvSpPr>
+        <p:spPr>
+          <a:xfrm>
+            <a:off x="181616" y="1354693"/>
+            <a:ext cx="1122505" cy="643233"/>
+          </a:xfrm>
+          <a:prstGeom prst="roundRect">
+            <a:avLst/>
+          </a:prstGeom>
+        </p:spPr>
+        <p:style>
+          <a:lnRef idx="2">
+            <a:schemeClr val="accent2">
+              <a:shade val="50000"/>
+            </a:schemeClr>
+          </a:lnRef>
+          <a:fillRef idx="1">
+            <a:schemeClr val="accent2"/>
+          </a:fillRef>
+          <a:effectRef idx="0">
+            <a:schemeClr val="accent2"/>
+          </a:effectRef>
+          <a:fontRef idx="minor">
+            <a:schemeClr val="lt1"/>
+          </a:fontRef>
+        </p:style>
+        <p:txBody>
+          <a:bodyPr rtlCol="0" anchor="ctr"/>
+          <a:lstStyle/>
+          <a:p>
+            <a:pPr algn="ctr"/>
+            <a:r>
+              <a:rPr lang="en-US" dirty="0"/>
+              <a:t>Code ARD</a:t>
+            </a:r>
+            <a:endParaRPr lang="fr-FR" dirty="0"/>
+          </a:p>
+        </p:txBody>
+      </p:sp>
+      <p:sp>
+        <p:nvSpPr>
+          <p:cNvPr id="23" name="Rectangle : coins arrondis 22"/>
+          <p:cNvSpPr/>
+          <p:nvPr/>
+        </p:nvSpPr>
+        <p:spPr>
+          <a:xfrm>
+            <a:off x="2009050" y="3765965"/>
+            <a:ext cx="7617552" cy="1500401"/>
+          </a:xfrm>
+          <a:prstGeom prst="roundRect">
+            <a:avLst/>
+          </a:prstGeom>
+          <a:noFill/>
+          <a:ln w="9525" cap="flat" cmpd="sng" algn="ctr">
+            <a:solidFill>
+              <a:schemeClr val="dk1"/>
+            </a:solidFill>
+            <a:prstDash val="solid"/>
+            <a:round/>
+            <a:headEnd type="none" w="med" len="med"/>
+            <a:tailEnd type="none" w="med" len="med"/>
+          </a:ln>
+        </p:spPr>
+        <p:style>
+          <a:lnRef idx="0">
+            <a:scrgbClr r="0" g="0" b="0"/>
+          </a:lnRef>
+          <a:fillRef idx="0">
+            <a:scrgbClr r="0" g="0" b="0"/>
+          </a:fillRef>
+          <a:effectRef idx="0">
+            <a:scrgbClr r="0" g="0" b="0"/>
+          </a:effectRef>
+          <a:fontRef idx="minor">
+            <a:schemeClr val="dk1"/>
+          </a:fontRef>
+        </p:style>
+        <p:txBody>
+          <a:bodyPr rtlCol="0" anchor="ctr"/>
+          <a:lstStyle/>
+          <a:p>
+            <a:pPr algn="ctr"/>
+            <a:r>
+              <a:rPr lang="en-US" dirty="0" smtClean="0"/>
+              <a:t>AL : Applicative </a:t>
+            </a:r>
+            <a:r>
+              <a:rPr lang="en-US" dirty="0"/>
+              <a:t>Layer</a:t>
+            </a:r>
+          </a:p>
+          <a:p>
+            <a:pPr algn="ctr"/>
+            <a:endParaRPr lang="en-US" dirty="0"/>
+          </a:p>
+          <a:p>
+            <a:pPr algn="ctr"/>
+            <a:endParaRPr lang="en-US" dirty="0" smtClean="0"/>
+          </a:p>
+          <a:p>
+            <a:pPr algn="ctr"/>
+            <a:endParaRPr lang="en-US" dirty="0"/>
+          </a:p>
+          <a:p>
+            <a:pPr algn="ctr"/>
+            <a:endParaRPr lang="fr-FR" dirty="0"/>
+          </a:p>
+        </p:txBody>
+      </p:sp>
+      <p:sp>
+        <p:nvSpPr>
+          <p:cNvPr id="24" name="Rectangle : coins arrondis 23"/>
+          <p:cNvSpPr/>
+          <p:nvPr/>
+        </p:nvSpPr>
+        <p:spPr>
+          <a:xfrm>
+            <a:off x="2474531" y="4160346"/>
+            <a:ext cx="3240615" cy="363087"/>
+          </a:xfrm>
+          <a:prstGeom prst="roundRect">
+            <a:avLst/>
+          </a:prstGeom>
+        </p:spPr>
+        <p:style>
+          <a:lnRef idx="2">
+            <a:schemeClr val="accent6">
+              <a:shade val="50000"/>
+            </a:schemeClr>
+          </a:lnRef>
+          <a:fillRef idx="1">
+            <a:schemeClr val="accent6"/>
+          </a:fillRef>
+          <a:effectRef idx="0">
+            <a:schemeClr val="accent6"/>
+          </a:effectRef>
+          <a:fontRef idx="minor">
+            <a:schemeClr val="lt1"/>
+          </a:fontRef>
+        </p:style>
+        <p:txBody>
+          <a:bodyPr rtlCol="0" anchor="ctr"/>
+          <a:lstStyle/>
+          <a:p>
+            <a:pPr algn="ctr"/>
+            <a:r>
+              <a:rPr lang="en-US" dirty="0" smtClean="0"/>
+              <a:t>Strategies</a:t>
+            </a:r>
+            <a:endParaRPr lang="fr-FR" dirty="0"/>
+          </a:p>
+        </p:txBody>
+      </p:sp>
+      <p:sp>
+        <p:nvSpPr>
+          <p:cNvPr id="26" name="Rectangle : coins arrondis 25"/>
+          <p:cNvSpPr/>
+          <p:nvPr/>
+        </p:nvSpPr>
+        <p:spPr>
+          <a:xfrm>
+            <a:off x="5769017" y="4160346"/>
+            <a:ext cx="3382230" cy="363087"/>
+          </a:xfrm>
+          <a:prstGeom prst="roundRect">
+            <a:avLst/>
+          </a:prstGeom>
+        </p:spPr>
+        <p:style>
+          <a:lnRef idx="2">
+            <a:schemeClr val="accent6">
+              <a:shade val="50000"/>
+            </a:schemeClr>
+          </a:lnRef>
+          <a:fillRef idx="1">
+            <a:schemeClr val="accent6"/>
+          </a:fillRef>
+          <a:effectRef idx="0">
+            <a:schemeClr val="accent6"/>
+          </a:effectRef>
+          <a:fontRef idx="minor">
+            <a:schemeClr val="lt1"/>
+          </a:fontRef>
+        </p:style>
+        <p:txBody>
+          <a:bodyPr rtlCol="0" anchor="ctr"/>
+          <a:lstStyle/>
+          <a:p>
+            <a:pPr algn="ctr"/>
+            <a:r>
+              <a:rPr lang="en-US" dirty="0" err="1" smtClean="0"/>
+              <a:t>ActuatorsCtrl</a:t>
+            </a:r>
+            <a:endParaRPr lang="fr-FR" dirty="0"/>
+          </a:p>
+        </p:txBody>
+      </p:sp>
+      <p:sp>
+        <p:nvSpPr>
+          <p:cNvPr id="27" name="Rectangle : coins arrondis 26"/>
+          <p:cNvSpPr/>
+          <p:nvPr/>
+        </p:nvSpPr>
+        <p:spPr>
+          <a:xfrm>
+            <a:off x="2420023" y="2973586"/>
+            <a:ext cx="1267936" cy="483270"/>
+          </a:xfrm>
+          <a:prstGeom prst="roundRect">
+            <a:avLst/>
+          </a:prstGeom>
+        </p:spPr>
+        <p:style>
+          <a:lnRef idx="2">
+            <a:schemeClr val="accent2">
+              <a:shade val="50000"/>
+            </a:schemeClr>
+          </a:lnRef>
+          <a:fillRef idx="1">
+            <a:schemeClr val="accent2"/>
+          </a:fillRef>
+          <a:effectRef idx="0">
+            <a:schemeClr val="accent2"/>
+          </a:effectRef>
+          <a:fontRef idx="minor">
+            <a:schemeClr val="lt1"/>
+          </a:fontRef>
+        </p:style>
+        <p:txBody>
+          <a:bodyPr rtlCol="0" anchor="ctr"/>
+          <a:lstStyle/>
+          <a:p>
+            <a:pPr algn="ctr"/>
+            <a:r>
+              <a:rPr lang="en-US" dirty="0" err="1"/>
+              <a:t>Nav</a:t>
+            </a:r>
+            <a:endParaRPr lang="en-US" dirty="0"/>
+          </a:p>
+          <a:p>
+            <a:pPr algn="ctr"/>
+            <a:r>
+              <a:rPr lang="en-US" dirty="0"/>
+              <a:t>Detection</a:t>
+            </a:r>
+            <a:endParaRPr lang="fr-FR" dirty="0"/>
+          </a:p>
+        </p:txBody>
+      </p:sp>
+      <p:sp>
+        <p:nvSpPr>
+          <p:cNvPr id="29" name="Rectangle : coins arrondis 28"/>
+          <p:cNvSpPr/>
+          <p:nvPr/>
+        </p:nvSpPr>
+        <p:spPr>
+          <a:xfrm>
+            <a:off x="6178550" y="2623854"/>
+            <a:ext cx="3200649" cy="242441"/>
+          </a:xfrm>
+          <a:prstGeom prst="roundRect">
+            <a:avLst/>
+          </a:prstGeom>
+        </p:spPr>
+        <p:style>
+          <a:lnRef idx="2">
+            <a:schemeClr val="accent2">
+              <a:shade val="50000"/>
+            </a:schemeClr>
+          </a:lnRef>
+          <a:fillRef idx="1">
+            <a:schemeClr val="accent2"/>
+          </a:fillRef>
+          <a:effectRef idx="0">
+            <a:schemeClr val="accent2"/>
+          </a:effectRef>
+          <a:fontRef idx="minor">
+            <a:schemeClr val="lt1"/>
+          </a:fontRef>
+        </p:style>
+        <p:txBody>
+          <a:bodyPr rtlCol="0" anchor="ctr"/>
+          <a:lstStyle/>
+          <a:p>
+            <a:pPr algn="ctr"/>
+            <a:r>
+              <a:rPr lang="en-US" dirty="0" smtClean="0"/>
+              <a:t>core</a:t>
+            </a:r>
+            <a:endParaRPr lang="fr-FR" dirty="0"/>
+          </a:p>
+        </p:txBody>
+      </p:sp>
+      <p:sp>
+        <p:nvSpPr>
+          <p:cNvPr id="30" name="Rectangle : coins arrondis 29"/>
+          <p:cNvSpPr/>
+          <p:nvPr/>
+        </p:nvSpPr>
+        <p:spPr>
+          <a:xfrm>
+            <a:off x="8055281" y="2984252"/>
+            <a:ext cx="1323918" cy="472604"/>
+          </a:xfrm>
+          <a:prstGeom prst="roundRect">
+            <a:avLst/>
+          </a:prstGeom>
+        </p:spPr>
+        <p:style>
+          <a:lnRef idx="2">
+            <a:schemeClr val="accent2">
+              <a:shade val="50000"/>
+            </a:schemeClr>
+          </a:lnRef>
+          <a:fillRef idx="1">
+            <a:schemeClr val="accent2"/>
+          </a:fillRef>
+          <a:effectRef idx="0">
+            <a:schemeClr val="accent2"/>
+          </a:effectRef>
+          <a:fontRef idx="minor">
+            <a:schemeClr val="lt1"/>
+          </a:fontRef>
+        </p:style>
+        <p:txBody>
+          <a:bodyPr rtlCol="0" anchor="ctr"/>
+          <a:lstStyle/>
+          <a:p>
+            <a:pPr algn="ctr"/>
+            <a:r>
+              <a:rPr lang="en-US" dirty="0" err="1" smtClean="0"/>
+              <a:t>ComStack</a:t>
+            </a:r>
+            <a:endParaRPr lang="fr-FR" dirty="0"/>
+          </a:p>
+        </p:txBody>
+      </p:sp>
+      <p:sp>
+        <p:nvSpPr>
+          <p:cNvPr id="31" name="Rectangle : coins arrondis 30"/>
+          <p:cNvSpPr/>
+          <p:nvPr/>
+        </p:nvSpPr>
+        <p:spPr>
+          <a:xfrm>
+            <a:off x="181615" y="2046100"/>
+            <a:ext cx="1122505" cy="643233"/>
+          </a:xfrm>
+          <a:prstGeom prst="roundRect">
+            <a:avLst/>
+          </a:prstGeom>
+        </p:spPr>
+        <p:style>
+          <a:lnRef idx="2">
+            <a:schemeClr val="accent6">
+              <a:shade val="50000"/>
+            </a:schemeClr>
+          </a:lnRef>
+          <a:fillRef idx="1">
+            <a:schemeClr val="accent6"/>
+          </a:fillRef>
+          <a:effectRef idx="0">
+            <a:schemeClr val="accent6"/>
+          </a:effectRef>
+          <a:fontRef idx="minor">
+            <a:schemeClr val="lt1"/>
+          </a:fontRef>
+        </p:style>
+        <p:txBody>
+          <a:bodyPr rtlCol="0" anchor="ctr"/>
+          <a:lstStyle/>
+          <a:p>
+            <a:pPr algn="ctr"/>
+            <a:r>
+              <a:rPr lang="en-US" dirty="0"/>
+              <a:t>FSM</a:t>
+            </a:r>
+          </a:p>
+          <a:p>
+            <a:pPr algn="ctr"/>
+            <a:r>
+              <a:rPr lang="en-US" dirty="0" err="1"/>
+              <a:t>Yakindu</a:t>
+            </a:r>
+            <a:endParaRPr lang="fr-FR" dirty="0"/>
+          </a:p>
+        </p:txBody>
+      </p:sp>
+      <p:sp>
+        <p:nvSpPr>
+          <p:cNvPr id="32" name="ZoneTexte 31"/>
+          <p:cNvSpPr txBox="1"/>
+          <p:nvPr/>
+        </p:nvSpPr>
+        <p:spPr>
+          <a:xfrm flipH="1">
+            <a:off x="24569" y="209781"/>
+            <a:ext cx="1551326" cy="369332"/>
+          </a:xfrm>
+          <a:prstGeom prst="rect">
+            <a:avLst/>
+          </a:prstGeom>
+          <a:noFill/>
+        </p:spPr>
+        <p:txBody>
+          <a:bodyPr wrap="square" rtlCol="0">
+            <a:spAutoFit/>
+          </a:bodyPr>
+          <a:lstStyle/>
+          <a:p>
+            <a:r>
+              <a:rPr lang="en-US" dirty="0"/>
+              <a:t>Legend: </a:t>
+            </a:r>
+            <a:endParaRPr lang="fr-FR" dirty="0"/>
+          </a:p>
+        </p:txBody>
+      </p:sp>
+      <p:sp>
+        <p:nvSpPr>
+          <p:cNvPr id="36" name="Rectangle : coins arrondis 35"/>
+          <p:cNvSpPr/>
+          <p:nvPr/>
+        </p:nvSpPr>
+        <p:spPr>
+          <a:xfrm>
+            <a:off x="2470104" y="4578349"/>
+            <a:ext cx="6681143" cy="295771"/>
+          </a:xfrm>
+          <a:prstGeom prst="roundRect">
+            <a:avLst/>
+          </a:prstGeom>
+        </p:spPr>
+        <p:style>
+          <a:lnRef idx="2">
+            <a:schemeClr val="accent2">
+              <a:shade val="50000"/>
+            </a:schemeClr>
+          </a:lnRef>
+          <a:fillRef idx="1">
+            <a:schemeClr val="accent2"/>
+          </a:fillRef>
+          <a:effectRef idx="0">
+            <a:schemeClr val="accent2"/>
+          </a:effectRef>
+          <a:fontRef idx="minor">
+            <a:schemeClr val="lt1"/>
+          </a:fontRef>
+        </p:style>
+        <p:txBody>
+          <a:bodyPr rtlCol="0" anchor="ctr"/>
+          <a:lstStyle/>
+          <a:p>
+            <a:pPr algn="ctr"/>
+            <a:r>
+              <a:rPr lang="en-US" dirty="0" smtClean="0"/>
+              <a:t>Robot2017</a:t>
+            </a:r>
+            <a:endParaRPr lang="fr-FR" dirty="0"/>
+          </a:p>
+        </p:txBody>
+      </p:sp>
+      <p:sp>
+        <p:nvSpPr>
+          <p:cNvPr id="25" name="Rectangle : coins arrondis 13"/>
+          <p:cNvSpPr/>
+          <p:nvPr/>
+        </p:nvSpPr>
+        <p:spPr>
+          <a:xfrm>
+            <a:off x="3776429" y="2973586"/>
+            <a:ext cx="636821" cy="483270"/>
+          </a:xfrm>
+          <a:prstGeom prst="roundRect">
+            <a:avLst/>
+          </a:prstGeom>
+        </p:spPr>
+        <p:style>
+          <a:lnRef idx="2">
+            <a:schemeClr val="accent2">
+              <a:shade val="50000"/>
+            </a:schemeClr>
+          </a:lnRef>
+          <a:fillRef idx="1">
+            <a:schemeClr val="accent2"/>
+          </a:fillRef>
+          <a:effectRef idx="0">
+            <a:schemeClr val="accent2"/>
+          </a:effectRef>
+          <a:fontRef idx="minor">
+            <a:schemeClr val="lt1"/>
+          </a:fontRef>
+        </p:style>
+        <p:txBody>
+          <a:bodyPr rtlCol="0" anchor="ctr"/>
+          <a:lstStyle/>
+          <a:p>
+            <a:pPr algn="ctr"/>
+            <a:r>
+              <a:rPr lang="en-US" smtClean="0"/>
+              <a:t>HMI</a:t>
+            </a:r>
+            <a:endParaRPr lang="fr-FR" dirty="0"/>
+          </a:p>
+        </p:txBody>
+      </p:sp>
+      <p:sp>
+        <p:nvSpPr>
+          <p:cNvPr id="37" name="Rectangle : coins arrondis 8"/>
+          <p:cNvSpPr/>
+          <p:nvPr/>
+        </p:nvSpPr>
+        <p:spPr>
+          <a:xfrm>
+            <a:off x="2420022" y="514988"/>
+            <a:ext cx="4561110" cy="308468"/>
           </a:xfrm>
           <a:prstGeom prst="roundRect">
             <a:avLst/>
@@ -3305,7 +3958,7 @@
             <a:pPr algn="ctr"/>
             <a:r>
               <a:rPr lang="en-US" dirty="0" smtClean="0"/>
-              <a:t>Arduino core</a:t>
+              <a:t>CMSIS</a:t>
             </a:r>
             <a:endParaRPr lang="fr-FR" dirty="0"/>
           </a:p>
@@ -3313,14 +3966,14 @@
       </p:sp>
       <p:sp>
         <p:nvSpPr>
-          <p:cNvPr id="11" name="Rectangle : coins arrondis 10"/>
+          <p:cNvPr id="39" name="Rectangle : coins arrondis 10"/>
           <p:cNvSpPr/>
           <p:nvPr/>
         </p:nvSpPr>
         <p:spPr>
           <a:xfrm>
-            <a:off x="4615390" y="2241833"/>
-            <a:ext cx="1122505" cy="643233"/>
+            <a:off x="2332731" y="1588264"/>
+            <a:ext cx="4561110" cy="335420"/>
           </a:xfrm>
           <a:prstGeom prst="roundRect">
             <a:avLst/>
@@ -3348,8 +4001,16 @@
           <a:p>
             <a:pPr algn="ctr"/>
             <a:r>
-              <a:rPr lang="en-US" dirty="0" err="1"/>
-              <a:t>ArdOs</a:t>
+              <a:rPr lang="en-US" dirty="0" smtClean="0"/>
+              <a:t>BSP </a:t>
+            </a:r>
+            <a:r>
+              <a:rPr lang="en-US" dirty="0" err="1" smtClean="0"/>
+              <a:t>init</a:t>
+            </a:r>
+            <a:r>
+              <a:rPr lang="en-US" dirty="0" smtClean="0"/>
+              <a:t> X</a:t>
             </a:r>
             <a:endParaRPr lang="fr-FR" dirty="0"/>
           </a:p>
@@ -3357,14 +4018,662 @@
       </p:sp>
       <p:sp>
         <p:nvSpPr>
-          <p:cNvPr id="13" name="Rectangle : coins arrondis 12"/>
+          <p:cNvPr id="40" name="Rectangle : coins arrondis 13"/>
           <p:cNvSpPr/>
           <p:nvPr/>
         </p:nvSpPr>
         <p:spPr>
           <a:xfrm>
-            <a:off x="2532993" y="2065802"/>
-            <a:ext cx="1304335" cy="643233"/>
+            <a:off x="4501721" y="2973586"/>
+            <a:ext cx="950833" cy="483270"/>
+          </a:xfrm>
+          <a:prstGeom prst="roundRect">
+            <a:avLst/>
+          </a:prstGeom>
+        </p:spPr>
+        <p:style>
+          <a:lnRef idx="2">
+            <a:schemeClr val="accent2">
+              <a:shade val="50000"/>
+            </a:schemeClr>
+          </a:lnRef>
+          <a:fillRef idx="1">
+            <a:schemeClr val="accent2"/>
+          </a:fillRef>
+          <a:effectRef idx="0">
+            <a:schemeClr val="accent2"/>
+          </a:effectRef>
+          <a:fontRef idx="minor">
+            <a:schemeClr val="lt1"/>
+          </a:fontRef>
+        </p:style>
+        <p:txBody>
+          <a:bodyPr rtlCol="0" anchor="ctr"/>
+          <a:lstStyle/>
+          <a:p>
+            <a:pPr algn="ctr"/>
+            <a:r>
+              <a:rPr lang="en-US" dirty="0" smtClean="0"/>
+              <a:t>Sensors</a:t>
+            </a:r>
+            <a:endParaRPr lang="fr-FR" dirty="0"/>
+          </a:p>
+        </p:txBody>
+      </p:sp>
+      <p:sp>
+        <p:nvSpPr>
+          <p:cNvPr id="42" name="Rectangle : coins arrondis 22"/>
+          <p:cNvSpPr/>
+          <p:nvPr/>
+        </p:nvSpPr>
+        <p:spPr>
+          <a:xfrm>
+            <a:off x="2015399" y="5401315"/>
+            <a:ext cx="3520369" cy="993136"/>
+          </a:xfrm>
+          <a:prstGeom prst="roundRect">
+            <a:avLst/>
+          </a:prstGeom>
+          <a:noFill/>
+          <a:ln w="9525" cap="flat" cmpd="sng" algn="ctr">
+            <a:solidFill>
+              <a:schemeClr val="dk1"/>
+            </a:solidFill>
+            <a:prstDash val="solid"/>
+            <a:round/>
+            <a:headEnd type="none" w="med" len="med"/>
+            <a:tailEnd type="none" w="med" len="med"/>
+          </a:ln>
+        </p:spPr>
+        <p:style>
+          <a:lnRef idx="0">
+            <a:scrgbClr r="0" g="0" b="0"/>
+          </a:lnRef>
+          <a:fillRef idx="0">
+            <a:scrgbClr r="0" g="0" b="0"/>
+          </a:fillRef>
+          <a:effectRef idx="0">
+            <a:scrgbClr r="0" g="0" b="0"/>
+          </a:effectRef>
+          <a:fontRef idx="minor">
+            <a:schemeClr val="dk1"/>
+          </a:fontRef>
+        </p:style>
+        <p:txBody>
+          <a:bodyPr rtlCol="0" anchor="ctr"/>
+          <a:lstStyle/>
+          <a:p>
+            <a:pPr algn="ctr"/>
+            <a:r>
+              <a:rPr lang="en-US" dirty="0" err="1" smtClean="0"/>
+              <a:t>RobotX</a:t>
+            </a:r>
+            <a:r>
+              <a:rPr lang="en-US" dirty="0" smtClean="0"/>
+              <a:t> : Executable for Robot x</a:t>
+            </a:r>
+            <a:endParaRPr lang="en-US" dirty="0"/>
+          </a:p>
+          <a:p>
+            <a:pPr algn="ctr"/>
+            <a:endParaRPr lang="en-US" dirty="0"/>
+          </a:p>
+          <a:p>
+            <a:pPr algn="ctr"/>
+            <a:endParaRPr lang="fr-FR" dirty="0"/>
+          </a:p>
+        </p:txBody>
+      </p:sp>
+      <p:sp>
+        <p:nvSpPr>
+          <p:cNvPr id="43" name="Rectangle : coins arrondis 22"/>
+          <p:cNvSpPr/>
+          <p:nvPr/>
+        </p:nvSpPr>
+        <p:spPr>
+          <a:xfrm>
+            <a:off x="5647926" y="5401315"/>
+            <a:ext cx="3978675" cy="993136"/>
+          </a:xfrm>
+          <a:prstGeom prst="roundRect">
+            <a:avLst/>
+          </a:prstGeom>
+          <a:noFill/>
+          <a:ln w="9525" cap="flat" cmpd="sng" algn="ctr">
+            <a:solidFill>
+              <a:schemeClr val="dk1"/>
+            </a:solidFill>
+            <a:prstDash val="solid"/>
+            <a:round/>
+            <a:headEnd type="none" w="med" len="med"/>
+            <a:tailEnd type="none" w="med" len="med"/>
+          </a:ln>
+        </p:spPr>
+        <p:style>
+          <a:lnRef idx="0">
+            <a:scrgbClr r="0" g="0" b="0"/>
+          </a:lnRef>
+          <a:fillRef idx="0">
+            <a:scrgbClr r="0" g="0" b="0"/>
+          </a:fillRef>
+          <a:effectRef idx="0">
+            <a:scrgbClr r="0" g="0" b="0"/>
+          </a:effectRef>
+          <a:fontRef idx="minor">
+            <a:schemeClr val="dk1"/>
+          </a:fontRef>
+        </p:style>
+        <p:txBody>
+          <a:bodyPr rtlCol="0" anchor="ctr"/>
+          <a:lstStyle/>
+          <a:p>
+            <a:pPr algn="ctr"/>
+            <a:r>
+              <a:rPr lang="en-US" dirty="0" smtClean="0"/>
+              <a:t>UT_X : Unit Test x</a:t>
+            </a:r>
+            <a:endParaRPr lang="en-US" dirty="0"/>
+          </a:p>
+          <a:p>
+            <a:pPr algn="ctr"/>
+            <a:endParaRPr lang="en-US" dirty="0"/>
+          </a:p>
+          <a:p>
+            <a:pPr algn="ctr"/>
+            <a:endParaRPr lang="fr-FR" dirty="0"/>
+          </a:p>
+        </p:txBody>
+      </p:sp>
+      <p:sp>
+        <p:nvSpPr>
+          <p:cNvPr id="44" name="Rectangle : coins arrondis 35"/>
+          <p:cNvSpPr/>
+          <p:nvPr/>
+        </p:nvSpPr>
+        <p:spPr>
+          <a:xfrm>
+            <a:off x="6761515" y="5853433"/>
+            <a:ext cx="1318658" cy="319710"/>
+          </a:xfrm>
+          <a:prstGeom prst="roundRect">
+            <a:avLst/>
+          </a:prstGeom>
+        </p:spPr>
+        <p:style>
+          <a:lnRef idx="2">
+            <a:schemeClr val="accent2">
+              <a:shade val="50000"/>
+            </a:schemeClr>
+          </a:lnRef>
+          <a:fillRef idx="1">
+            <a:schemeClr val="accent2"/>
+          </a:fillRef>
+          <a:effectRef idx="0">
+            <a:schemeClr val="accent2"/>
+          </a:effectRef>
+          <a:fontRef idx="minor">
+            <a:schemeClr val="lt1"/>
+          </a:fontRef>
+        </p:style>
+        <p:txBody>
+          <a:bodyPr rtlCol="0" anchor="ctr"/>
+          <a:lstStyle/>
+          <a:p>
+            <a:pPr algn="ctr"/>
+            <a:r>
+              <a:rPr lang="en-US" dirty="0" smtClean="0"/>
+              <a:t>main</a:t>
+            </a:r>
+            <a:endParaRPr lang="fr-FR" dirty="0"/>
+          </a:p>
+        </p:txBody>
+      </p:sp>
+      <p:sp>
+        <p:nvSpPr>
+          <p:cNvPr id="45" name="Rectangle : coins arrondis 35"/>
+          <p:cNvSpPr/>
+          <p:nvPr/>
+        </p:nvSpPr>
+        <p:spPr>
+          <a:xfrm>
+            <a:off x="3228322" y="5853433"/>
+            <a:ext cx="1318658" cy="338433"/>
+          </a:xfrm>
+          <a:prstGeom prst="roundRect">
+            <a:avLst/>
+          </a:prstGeom>
+        </p:spPr>
+        <p:style>
+          <a:lnRef idx="2">
+            <a:schemeClr val="accent2">
+              <a:shade val="50000"/>
+            </a:schemeClr>
+          </a:lnRef>
+          <a:fillRef idx="1">
+            <a:schemeClr val="accent2"/>
+          </a:fillRef>
+          <a:effectRef idx="0">
+            <a:schemeClr val="accent2"/>
+          </a:effectRef>
+          <a:fontRef idx="minor">
+            <a:schemeClr val="lt1"/>
+          </a:fontRef>
+        </p:style>
+        <p:txBody>
+          <a:bodyPr rtlCol="0" anchor="ctr"/>
+          <a:lstStyle/>
+          <a:p>
+            <a:pPr algn="ctr"/>
+            <a:r>
+              <a:rPr lang="en-US" dirty="0" smtClean="0"/>
+              <a:t>main</a:t>
+            </a:r>
+            <a:endParaRPr lang="fr-FR" dirty="0"/>
+          </a:p>
+        </p:txBody>
+      </p:sp>
+      <p:sp>
+        <p:nvSpPr>
+          <p:cNvPr id="46" name="Rectangle : coins arrondis 35"/>
+          <p:cNvSpPr/>
+          <p:nvPr/>
+        </p:nvSpPr>
+        <p:spPr>
+          <a:xfrm>
+            <a:off x="2470105" y="4948250"/>
+            <a:ext cx="6681143" cy="243987"/>
+          </a:xfrm>
+          <a:prstGeom prst="roundRect">
+            <a:avLst/>
+          </a:prstGeom>
+        </p:spPr>
+        <p:style>
+          <a:lnRef idx="2">
+            <a:schemeClr val="accent2">
+              <a:shade val="50000"/>
+            </a:schemeClr>
+          </a:lnRef>
+          <a:fillRef idx="1">
+            <a:schemeClr val="accent2"/>
+          </a:fillRef>
+          <a:effectRef idx="0">
+            <a:schemeClr val="accent2"/>
+          </a:effectRef>
+          <a:fontRef idx="minor">
+            <a:schemeClr val="lt1"/>
+          </a:fontRef>
+        </p:style>
+        <p:txBody>
+          <a:bodyPr rtlCol="0" anchor="ctr"/>
+          <a:lstStyle/>
+          <a:p>
+            <a:pPr algn="ctr"/>
+            <a:r>
+              <a:rPr lang="en-US" dirty="0" err="1" smtClean="0"/>
+              <a:t>RemoteControl</a:t>
+            </a:r>
+            <a:endParaRPr lang="fr-FR" dirty="0"/>
+          </a:p>
+        </p:txBody>
+      </p:sp>
+      <p:sp>
+        <p:nvSpPr>
+          <p:cNvPr id="48" name="Rectangle : coins arrondis 10"/>
+          <p:cNvSpPr/>
+          <p:nvPr/>
+        </p:nvSpPr>
+        <p:spPr>
+          <a:xfrm>
+            <a:off x="2383531" y="1651713"/>
+            <a:ext cx="4561110" cy="335420"/>
+          </a:xfrm>
+          <a:prstGeom prst="roundRect">
+            <a:avLst/>
+          </a:prstGeom>
+        </p:spPr>
+        <p:style>
+          <a:lnRef idx="2">
+            <a:schemeClr val="accent2">
+              <a:shade val="50000"/>
+            </a:schemeClr>
+          </a:lnRef>
+          <a:fillRef idx="1">
+            <a:schemeClr val="accent2"/>
+          </a:fillRef>
+          <a:effectRef idx="0">
+            <a:schemeClr val="accent2"/>
+          </a:effectRef>
+          <a:fontRef idx="minor">
+            <a:schemeClr val="lt1"/>
+          </a:fontRef>
+        </p:style>
+        <p:txBody>
+          <a:bodyPr rtlCol="0" anchor="ctr"/>
+          <a:lstStyle/>
+          <a:p>
+            <a:pPr algn="ctr"/>
+            <a:r>
+              <a:rPr lang="en-US" dirty="0" smtClean="0"/>
+              <a:t>BSP </a:t>
+            </a:r>
+            <a:r>
+              <a:rPr lang="en-US" dirty="0" err="1" smtClean="0"/>
+              <a:t>init</a:t>
+            </a:r>
+            <a:endParaRPr lang="fr-FR" dirty="0"/>
+          </a:p>
+        </p:txBody>
+      </p:sp>
+      <p:sp>
+        <p:nvSpPr>
+          <p:cNvPr id="49" name="Rectangle : coins arrondis 10"/>
+          <p:cNvSpPr/>
+          <p:nvPr/>
+        </p:nvSpPr>
+        <p:spPr>
+          <a:xfrm>
+            <a:off x="2431128" y="1707800"/>
+            <a:ext cx="4561110" cy="335420"/>
+          </a:xfrm>
+          <a:prstGeom prst="roundRect">
+            <a:avLst/>
+          </a:prstGeom>
+        </p:spPr>
+        <p:style>
+          <a:lnRef idx="2">
+            <a:schemeClr val="accent2">
+              <a:shade val="50000"/>
+            </a:schemeClr>
+          </a:lnRef>
+          <a:fillRef idx="1">
+            <a:schemeClr val="accent2"/>
+          </a:fillRef>
+          <a:effectRef idx="0">
+            <a:schemeClr val="accent2"/>
+          </a:effectRef>
+          <a:fontRef idx="minor">
+            <a:schemeClr val="lt1"/>
+          </a:fontRef>
+        </p:style>
+        <p:txBody>
+          <a:bodyPr rtlCol="0" anchor="ctr"/>
+          <a:lstStyle/>
+          <a:p>
+            <a:pPr algn="ctr"/>
+            <a:r>
+              <a:rPr lang="en-US" dirty="0" smtClean="0"/>
+              <a:t>BSP </a:t>
+            </a:r>
+            <a:r>
+              <a:rPr lang="en-US" dirty="0" err="1" smtClean="0"/>
+              <a:t>init</a:t>
+            </a:r>
+            <a:endParaRPr lang="fr-FR" dirty="0"/>
+          </a:p>
+        </p:txBody>
+      </p:sp>
+      <p:cxnSp>
+        <p:nvCxnSpPr>
+          <p:cNvPr id="3" name="Connecteur droit 2"/>
+          <p:cNvCxnSpPr/>
+          <p:nvPr/>
+        </p:nvCxnSpPr>
+        <p:spPr>
+          <a:xfrm>
+            <a:off x="1491392" y="4527"/>
+            <a:ext cx="21720" cy="2870475"/>
+          </a:xfrm>
+          <a:prstGeom prst="line">
+            <a:avLst/>
+          </a:prstGeom>
+          <a:ln>
+            <a:prstDash val="sysDot"/>
+          </a:ln>
+        </p:spPr>
+        <p:style>
+          <a:lnRef idx="3">
+            <a:schemeClr val="dk1"/>
+          </a:lnRef>
+          <a:fillRef idx="0">
+            <a:schemeClr val="dk1"/>
+          </a:fillRef>
+          <a:effectRef idx="2">
+            <a:schemeClr val="dk1"/>
+          </a:effectRef>
+          <a:fontRef idx="minor">
+            <a:schemeClr val="tx1"/>
+          </a:fontRef>
+        </p:style>
+      </p:cxnSp>
+      <p:cxnSp>
+        <p:nvCxnSpPr>
+          <p:cNvPr id="50" name="Connecteur droit 49"/>
+          <p:cNvCxnSpPr/>
+          <p:nvPr/>
+        </p:nvCxnSpPr>
+        <p:spPr>
+          <a:xfrm flipH="1">
+            <a:off x="0" y="2866295"/>
+            <a:ext cx="1516793" cy="8707"/>
+          </a:xfrm>
+          <a:prstGeom prst="line">
+            <a:avLst/>
+          </a:prstGeom>
+          <a:ln>
+            <a:prstDash val="sysDot"/>
+          </a:ln>
+        </p:spPr>
+        <p:style>
+          <a:lnRef idx="3">
+            <a:schemeClr val="dk1"/>
+          </a:lnRef>
+          <a:fillRef idx="0">
+            <a:schemeClr val="dk1"/>
+          </a:fillRef>
+          <a:effectRef idx="2">
+            <a:schemeClr val="dk1"/>
+          </a:effectRef>
+          <a:fontRef idx="minor">
+            <a:schemeClr val="tx1"/>
+          </a:fontRef>
+        </p:style>
+      </p:cxnSp>
+      <p:sp>
+        <p:nvSpPr>
+          <p:cNvPr id="51" name="Rectangle : coins arrondis 9"/>
+          <p:cNvSpPr/>
+          <p:nvPr/>
+        </p:nvSpPr>
+        <p:spPr>
+          <a:xfrm>
+            <a:off x="7286229" y="174718"/>
+            <a:ext cx="4677171" cy="1991383"/>
+          </a:xfrm>
+          <a:prstGeom prst="roundRect">
+            <a:avLst/>
+          </a:prstGeom>
+          <a:noFill/>
+          <a:ln w="9525" cap="flat" cmpd="sng" algn="ctr">
+            <a:solidFill>
+              <a:schemeClr val="dk1"/>
+            </a:solidFill>
+            <a:prstDash val="solid"/>
+            <a:round/>
+            <a:headEnd type="none" w="med" len="med"/>
+            <a:tailEnd type="none" w="med" len="med"/>
+          </a:ln>
+        </p:spPr>
+        <p:style>
+          <a:lnRef idx="0">
+            <a:scrgbClr r="0" g="0" b="0"/>
+          </a:lnRef>
+          <a:fillRef idx="0">
+            <a:scrgbClr r="0" g="0" b="0"/>
+          </a:fillRef>
+          <a:effectRef idx="0">
+            <a:scrgbClr r="0" g="0" b="0"/>
+          </a:effectRef>
+          <a:fontRef idx="minor">
+            <a:schemeClr val="dk1"/>
+          </a:fontRef>
+        </p:style>
+        <p:txBody>
+          <a:bodyPr rtlCol="0" anchor="ctr"/>
+          <a:lstStyle/>
+          <a:p>
+            <a:pPr algn="ctr"/>
+            <a:r>
+              <a:rPr lang="en-US" dirty="0" smtClean="0"/>
+              <a:t>Com </a:t>
+            </a:r>
+            <a:r>
+              <a:rPr lang="en-US" dirty="0"/>
+              <a:t>: Board support </a:t>
+            </a:r>
+            <a:r>
+              <a:rPr lang="en-US" dirty="0" smtClean="0"/>
+              <a:t>package</a:t>
+            </a:r>
+          </a:p>
+          <a:p>
+            <a:pPr algn="ctr"/>
+            <a:endParaRPr lang="en-US" dirty="0"/>
+          </a:p>
+          <a:p>
+            <a:pPr algn="ctr"/>
+            <a:endParaRPr lang="en-US" dirty="0"/>
+          </a:p>
+          <a:p>
+            <a:pPr algn="ctr"/>
+            <a:endParaRPr lang="en-US" dirty="0"/>
+          </a:p>
+          <a:p>
+            <a:pPr algn="ctr"/>
+            <a:endParaRPr lang="en-US" dirty="0"/>
+          </a:p>
+          <a:p>
+            <a:pPr algn="ctr"/>
+            <a:endParaRPr lang="en-US" dirty="0"/>
+          </a:p>
+          <a:p>
+            <a:pPr algn="ctr"/>
+            <a:endParaRPr lang="fr-FR" dirty="0"/>
+          </a:p>
+        </p:txBody>
+      </p:sp>
+      <p:sp>
+        <p:nvSpPr>
+          <p:cNvPr id="52" name="Rectangle : coins arrondis 15"/>
+          <p:cNvSpPr/>
+          <p:nvPr/>
+        </p:nvSpPr>
+        <p:spPr>
+          <a:xfrm>
+            <a:off x="9779509" y="2278551"/>
+            <a:ext cx="2183891" cy="4106588"/>
+          </a:xfrm>
+          <a:prstGeom prst="roundRect">
+            <a:avLst/>
+          </a:prstGeom>
+          <a:noFill/>
+          <a:ln w="9525" cap="flat" cmpd="sng" algn="ctr">
+            <a:solidFill>
+              <a:schemeClr val="dk1"/>
+            </a:solidFill>
+            <a:prstDash val="solid"/>
+            <a:round/>
+            <a:headEnd type="none" w="med" len="med"/>
+            <a:tailEnd type="none" w="med" len="med"/>
+          </a:ln>
+        </p:spPr>
+        <p:style>
+          <a:lnRef idx="0">
+            <a:scrgbClr r="0" g="0" b="0"/>
+          </a:lnRef>
+          <a:fillRef idx="0">
+            <a:scrgbClr r="0" g="0" b="0"/>
+          </a:fillRef>
+          <a:effectRef idx="0">
+            <a:scrgbClr r="0" g="0" b="0"/>
+          </a:effectRef>
+          <a:fontRef idx="minor">
+            <a:schemeClr val="dk1"/>
+          </a:fontRef>
+        </p:style>
+        <p:txBody>
+          <a:bodyPr rtlCol="0" anchor="ctr"/>
+          <a:lstStyle/>
+          <a:p>
+            <a:pPr algn="ctr"/>
+            <a:r>
+              <a:rPr lang="en-US" dirty="0" err="1" smtClean="0"/>
+              <a:t>Vizu</a:t>
+            </a:r>
+            <a:r>
+              <a:rPr lang="en-US" dirty="0" smtClean="0"/>
+              <a:t> (Python)</a:t>
+            </a:r>
+          </a:p>
+          <a:p>
+            <a:pPr algn="ctr"/>
+            <a:endParaRPr lang="en-US" dirty="0"/>
+          </a:p>
+          <a:p>
+            <a:pPr algn="ctr"/>
+            <a:endParaRPr lang="en-US" dirty="0" smtClean="0"/>
+          </a:p>
+          <a:p>
+            <a:pPr algn="ctr"/>
+            <a:endParaRPr lang="en-US" dirty="0"/>
+          </a:p>
+          <a:p>
+            <a:pPr algn="ctr"/>
+            <a:endParaRPr lang="en-US" dirty="0" smtClean="0"/>
+          </a:p>
+          <a:p>
+            <a:pPr algn="ctr"/>
+            <a:endParaRPr lang="en-US" dirty="0"/>
+          </a:p>
+          <a:p>
+            <a:pPr algn="ctr"/>
+            <a:endParaRPr lang="en-US" dirty="0" smtClean="0"/>
+          </a:p>
+          <a:p>
+            <a:pPr algn="ctr"/>
+            <a:endParaRPr lang="en-US" dirty="0"/>
+          </a:p>
+          <a:p>
+            <a:pPr algn="ctr"/>
+            <a:endParaRPr lang="en-US" dirty="0" smtClean="0"/>
+          </a:p>
+          <a:p>
+            <a:pPr algn="ctr"/>
+            <a:endParaRPr lang="en-US" dirty="0"/>
+          </a:p>
+          <a:p>
+            <a:pPr algn="ctr"/>
+            <a:endParaRPr lang="en-US" dirty="0" smtClean="0"/>
+          </a:p>
+          <a:p>
+            <a:pPr algn="ctr"/>
+            <a:endParaRPr lang="en-US" dirty="0"/>
+          </a:p>
+          <a:p>
+            <a:pPr algn="ctr"/>
+            <a:endParaRPr lang="en-US" dirty="0" smtClean="0"/>
+          </a:p>
+        </p:txBody>
+      </p:sp>
+      <p:sp>
+        <p:nvSpPr>
+          <p:cNvPr id="53" name="Rectangle : coins arrondis 8"/>
+          <p:cNvSpPr/>
+          <p:nvPr/>
+        </p:nvSpPr>
+        <p:spPr>
+          <a:xfrm>
+            <a:off x="7411452" y="520830"/>
+            <a:ext cx="1967747" cy="565212"/>
           </a:xfrm>
           <a:prstGeom prst="roundRect">
             <a:avLst/>
@@ -3392,8 +4701,8 @@
           <a:p>
             <a:pPr algn="ctr"/>
             <a:r>
-              <a:rPr lang="en-US" dirty="0" err="1"/>
-              <a:t>nanopb</a:t>
+              <a:rPr lang="en-US" dirty="0" err="1" smtClean="0"/>
+              <a:t>hdlc</a:t>
             </a:r>
             <a:endParaRPr lang="fr-FR" dirty="0"/>
           </a:p>
@@ -3401,14 +4710,70 @@
       </p:sp>
       <p:sp>
         <p:nvSpPr>
-          <p:cNvPr id="14" name="Rectangle : coins arrondis 13"/>
+          <p:cNvPr id="54" name="Rectangle : coins arrondis 3"/>
           <p:cNvSpPr/>
           <p:nvPr/>
         </p:nvSpPr>
         <p:spPr>
           <a:xfrm>
-            <a:off x="7449730" y="2632829"/>
-            <a:ext cx="1304335" cy="643233"/>
+            <a:off x="7426413" y="1160172"/>
+            <a:ext cx="1952786" cy="608089"/>
+          </a:xfrm>
+          <a:prstGeom prst="roundRect">
+            <a:avLst/>
+          </a:prstGeom>
+        </p:spPr>
+        <p:style>
+          <a:lnRef idx="2">
+            <a:schemeClr val="accent1">
+              <a:shade val="50000"/>
+            </a:schemeClr>
+          </a:lnRef>
+          <a:fillRef idx="1">
+            <a:schemeClr val="accent1"/>
+          </a:fillRef>
+          <a:effectRef idx="0">
+            <a:schemeClr val="accent1"/>
+          </a:effectRef>
+          <a:fontRef idx="minor">
+            <a:schemeClr val="lt1"/>
+          </a:fontRef>
+        </p:style>
+        <p:txBody>
+          <a:bodyPr rtlCol="0" anchor="ctr"/>
+          <a:lstStyle/>
+          <a:p>
+            <a:pPr algn="ctr"/>
+            <a:r>
+              <a:rPr lang="en-US" dirty="0" err="1" smtClean="0"/>
+              <a:t>Hdlc</a:t>
+            </a:r>
+            <a:r>
+              <a:rPr lang="en-US" dirty="0" smtClean="0"/>
+              <a:t> </a:t>
+            </a:r>
+            <a:r>
+              <a:rPr lang="en-US" dirty="0" err="1" smtClean="0"/>
+              <a:t>Py</a:t>
+            </a:r>
+            <a:r>
+              <a:rPr lang="en-US" dirty="0" smtClean="0"/>
+              <a:t> binding</a:t>
+            </a:r>
+            <a:endParaRPr lang="fr-FR" dirty="0"/>
+          </a:p>
+        </p:txBody>
+      </p:sp>
+      <p:sp>
+        <p:nvSpPr>
+          <p:cNvPr id="61" name="Rectangle : coins arrondis 14"/>
+          <p:cNvSpPr/>
+          <p:nvPr/>
+        </p:nvSpPr>
+        <p:spPr>
+          <a:xfrm>
+            <a:off x="10192304" y="3861498"/>
+            <a:ext cx="1207115" cy="483270"/>
           </a:xfrm>
           <a:prstGeom prst="roundRect">
             <a:avLst/>
@@ -3436,8 +4801,8 @@
           <a:p>
             <a:pPr algn="ctr"/>
             <a:r>
-              <a:rPr lang="en-US" dirty="0" err="1"/>
-              <a:t>AccServo</a:t>
+              <a:rPr lang="en-US" dirty="0" smtClean="0"/>
+              <a:t>com</a:t>
             </a:r>
             <a:endParaRPr lang="fr-FR" dirty="0"/>
           </a:p>
@@ -3445,14 +4810,14 @@
       </p:sp>
       <p:sp>
         <p:nvSpPr>
-          <p:cNvPr id="15" name="Rectangle : coins arrondis 14"/>
+          <p:cNvPr id="62" name="Rectangle : coins arrondis 14"/>
           <p:cNvSpPr/>
           <p:nvPr/>
         </p:nvSpPr>
         <p:spPr>
           <a:xfrm>
-            <a:off x="8895164" y="2065801"/>
-            <a:ext cx="1304335" cy="643233"/>
+            <a:off x="10192304" y="3282695"/>
+            <a:ext cx="1207115" cy="483270"/>
           </a:xfrm>
           <a:prstGeom prst="roundRect">
             <a:avLst/>
@@ -3480,12 +4845,8 @@
           <a:p>
             <a:pPr algn="ctr"/>
             <a:r>
-              <a:rPr lang="en-US" dirty="0" err="1"/>
-              <a:t>Gpio</a:t>
-            </a:r>
-            <a:r>
-              <a:rPr lang="en-US" dirty="0"/>
-              <a:t> tools</a:t>
+              <a:rPr lang="en-US" dirty="0" smtClean="0"/>
+              <a:t>core</a:t>
             </a:r>
             <a:endParaRPr lang="fr-FR" dirty="0"/>
           </a:p>
@@ -3493,14 +4854,102 @@
       </p:sp>
       <p:sp>
         <p:nvSpPr>
-          <p:cNvPr id="17" name="Rectangle : coins arrondis 16"/>
+          <p:cNvPr id="63" name="Rectangle : coins arrondis 14"/>
           <p:cNvSpPr/>
           <p:nvPr/>
         </p:nvSpPr>
         <p:spPr>
           <a:xfrm>
-            <a:off x="2115464" y="889173"/>
-            <a:ext cx="1357937" cy="643233"/>
+            <a:off x="10192304" y="4452319"/>
+            <a:ext cx="1207115" cy="483270"/>
+          </a:xfrm>
+          <a:prstGeom prst="roundRect">
+            <a:avLst/>
+          </a:prstGeom>
+        </p:spPr>
+        <p:style>
+          <a:lnRef idx="2">
+            <a:schemeClr val="accent2">
+              <a:shade val="50000"/>
+            </a:schemeClr>
+          </a:lnRef>
+          <a:fillRef idx="1">
+            <a:schemeClr val="accent2"/>
+          </a:fillRef>
+          <a:effectRef idx="0">
+            <a:schemeClr val="accent2"/>
+          </a:effectRef>
+          <a:fontRef idx="minor">
+            <a:schemeClr val="lt1"/>
+          </a:fontRef>
+        </p:style>
+        <p:txBody>
+          <a:bodyPr rtlCol="0" anchor="ctr"/>
+          <a:lstStyle/>
+          <a:p>
+            <a:pPr algn="ctr"/>
+            <a:r>
+              <a:rPr lang="en-US" dirty="0" err="1" smtClean="0"/>
+              <a:t>gui</a:t>
+            </a:r>
+            <a:endParaRPr lang="fr-FR" dirty="0"/>
+          </a:p>
+        </p:txBody>
+      </p:sp>
+      <p:sp>
+        <p:nvSpPr>
+          <p:cNvPr id="65" name="Rectangle : coins arrondis 14"/>
+          <p:cNvSpPr/>
+          <p:nvPr/>
+        </p:nvSpPr>
+        <p:spPr>
+          <a:xfrm>
+            <a:off x="10200049" y="5043140"/>
+            <a:ext cx="1207115" cy="483270"/>
+          </a:xfrm>
+          <a:prstGeom prst="roundRect">
+            <a:avLst/>
+          </a:prstGeom>
+        </p:spPr>
+        <p:style>
+          <a:lnRef idx="2">
+            <a:schemeClr val="accent2">
+              <a:shade val="50000"/>
+            </a:schemeClr>
+          </a:lnRef>
+          <a:fillRef idx="1">
+            <a:schemeClr val="accent2"/>
+          </a:fillRef>
+          <a:effectRef idx="0">
+            <a:schemeClr val="accent2"/>
+          </a:effectRef>
+          <a:fontRef idx="minor">
+            <a:schemeClr val="lt1"/>
+          </a:fontRef>
+        </p:style>
+        <p:txBody>
+          <a:bodyPr rtlCol="0" anchor="ctr"/>
+          <a:lstStyle/>
+          <a:p>
+            <a:pPr algn="ctr"/>
+            <a:r>
+              <a:rPr lang="en-US" dirty="0" smtClean="0"/>
+              <a:t>main</a:t>
+            </a:r>
+            <a:endParaRPr lang="fr-FR" dirty="0"/>
+          </a:p>
+        </p:txBody>
+      </p:sp>
+      <p:sp>
+        <p:nvSpPr>
+          <p:cNvPr id="74" name="Rectangle : coins arrondis 12"/>
+          <p:cNvSpPr/>
+          <p:nvPr/>
+        </p:nvSpPr>
+        <p:spPr>
+          <a:xfrm>
+            <a:off x="9463170" y="521220"/>
+            <a:ext cx="1012170" cy="307781"/>
           </a:xfrm>
           <a:prstGeom prst="roundRect">
             <a:avLst/>
@@ -3528,23 +4977,67 @@
           <a:p>
             <a:pPr algn="ctr"/>
             <a:r>
-              <a:rPr lang="en-US" dirty="0" err="1"/>
-              <a:t>SerialDriver</a:t>
-            </a:r>
-            <a:endParaRPr lang="fr-FR" dirty="0"/>
-          </a:p>
-        </p:txBody>
-      </p:sp>
-      <p:sp>
-        <p:nvSpPr>
-          <p:cNvPr id="21" name="Rectangle : coins arrondis 20"/>
+              <a:rPr lang="en-US" sz="1600" dirty="0" err="1" smtClean="0"/>
+              <a:t>nanopb</a:t>
+            </a:r>
+            <a:endParaRPr lang="fr-FR" sz="1600" dirty="0"/>
+          </a:p>
+        </p:txBody>
+      </p:sp>
+      <p:sp>
+        <p:nvSpPr>
+          <p:cNvPr id="75" name="Rectangle : coins arrondis 12"/>
           <p:cNvSpPr/>
           <p:nvPr/>
         </p:nvSpPr>
         <p:spPr>
           <a:xfrm>
-            <a:off x="6202678" y="5708168"/>
-            <a:ext cx="1122505" cy="643233"/>
+            <a:off x="10544695" y="515331"/>
+            <a:ext cx="1067294" cy="322869"/>
+          </a:xfrm>
+          <a:prstGeom prst="roundRect">
+            <a:avLst/>
+          </a:prstGeom>
+        </p:spPr>
+        <p:style>
+          <a:lnRef idx="2">
+            <a:schemeClr val="accent1">
+              <a:shade val="50000"/>
+            </a:schemeClr>
+          </a:lnRef>
+          <a:fillRef idx="1">
+            <a:schemeClr val="accent1"/>
+          </a:fillRef>
+          <a:effectRef idx="0">
+            <a:schemeClr val="accent1"/>
+          </a:effectRef>
+          <a:fontRef idx="minor">
+            <a:schemeClr val="lt1"/>
+          </a:fontRef>
+        </p:style>
+        <p:txBody>
+          <a:bodyPr rtlCol="0" anchor="ctr"/>
+          <a:lstStyle/>
+          <a:p>
+            <a:pPr algn="ctr"/>
+            <a:r>
+              <a:rPr lang="en-US" sz="1600" dirty="0" err="1" smtClean="0"/>
+              <a:t>protobuf</a:t>
+            </a:r>
+            <a:endParaRPr lang="fr-FR" sz="1600" dirty="0"/>
+          </a:p>
+        </p:txBody>
+      </p:sp>
+      <p:sp>
+        <p:nvSpPr>
+          <p:cNvPr id="79" name="Rectangle : coins arrondis 12"/>
+          <p:cNvSpPr/>
+          <p:nvPr/>
+        </p:nvSpPr>
+        <p:spPr>
+          <a:xfrm>
+            <a:off x="9463170" y="933733"/>
+            <a:ext cx="2148819" cy="226439"/>
           </a:xfrm>
           <a:prstGeom prst="roundRect">
             <a:avLst/>
@@ -3572,572 +5065,23 @@
           <a:p>
             <a:pPr algn="ctr"/>
             <a:r>
-              <a:rPr lang="en-US" dirty="0"/>
-              <a:t>Code ARD</a:t>
-            </a:r>
-            <a:endParaRPr lang="fr-FR" dirty="0"/>
-          </a:p>
-        </p:txBody>
-      </p:sp>
-      <p:sp>
-        <p:nvSpPr>
-          <p:cNvPr id="23" name="Rectangle : coins arrondis 22"/>
+              <a:rPr lang="en-US" sz="1600" dirty="0" err="1" smtClean="0"/>
+              <a:t>msg</a:t>
+            </a:r>
+            <a:endParaRPr lang="fr-FR" sz="1600" dirty="0"/>
+          </a:p>
+        </p:txBody>
+      </p:sp>
+      <p:sp>
+        <p:nvSpPr>
+          <p:cNvPr id="80" name="Rectangle : coins arrondis 12"/>
           <p:cNvSpPr/>
           <p:nvPr/>
         </p:nvSpPr>
         <p:spPr>
           <a:xfrm>
-            <a:off x="1929700" y="3797900"/>
-            <a:ext cx="8431395" cy="1343226"/>
-          </a:xfrm>
-          <a:prstGeom prst="roundRect">
-            <a:avLst/>
-          </a:prstGeom>
-          <a:noFill/>
-          <a:ln w="9525" cap="flat" cmpd="sng" algn="ctr">
-            <a:solidFill>
-              <a:schemeClr val="dk1"/>
-            </a:solidFill>
-            <a:prstDash val="solid"/>
-            <a:round/>
-            <a:headEnd type="none" w="med" len="med"/>
-            <a:tailEnd type="none" w="med" len="med"/>
-          </a:ln>
-        </p:spPr>
-        <p:style>
-          <a:lnRef idx="0">
-            <a:scrgbClr r="0" g="0" b="0"/>
-          </a:lnRef>
-          <a:fillRef idx="0">
-            <a:scrgbClr r="0" g="0" b="0"/>
-          </a:fillRef>
-          <a:effectRef idx="0">
-            <a:scrgbClr r="0" g="0" b="0"/>
-          </a:effectRef>
-          <a:fontRef idx="minor">
-            <a:schemeClr val="dk1"/>
-          </a:fontRef>
-        </p:style>
-        <p:txBody>
-          <a:bodyPr rtlCol="0" anchor="ctr"/>
-          <a:lstStyle/>
-          <a:p>
-            <a:pPr algn="ctr"/>
-            <a:r>
-              <a:rPr lang="en-US" dirty="0" smtClean="0"/>
-              <a:t>AL : Applicative </a:t>
-            </a:r>
-            <a:r>
-              <a:rPr lang="en-US" dirty="0"/>
-              <a:t>Layer</a:t>
-            </a:r>
-          </a:p>
-          <a:p>
-            <a:pPr algn="ctr"/>
-            <a:endParaRPr lang="en-US" dirty="0"/>
-          </a:p>
-          <a:p>
-            <a:pPr algn="ctr"/>
-            <a:endParaRPr lang="en-US" dirty="0"/>
-          </a:p>
-          <a:p>
-            <a:pPr algn="ctr"/>
-            <a:endParaRPr lang="en-US" dirty="0"/>
-          </a:p>
-          <a:p>
-            <a:pPr algn="ctr"/>
-            <a:endParaRPr lang="fr-FR" dirty="0"/>
-          </a:p>
-        </p:txBody>
-      </p:sp>
-      <p:sp>
-        <p:nvSpPr>
-          <p:cNvPr id="24" name="Rectangle : coins arrondis 23"/>
-          <p:cNvSpPr/>
-          <p:nvPr/>
-        </p:nvSpPr>
-        <p:spPr>
-          <a:xfrm>
-            <a:off x="5550511" y="4252477"/>
-            <a:ext cx="1122505" cy="643233"/>
-          </a:xfrm>
-          <a:prstGeom prst="roundRect">
-            <a:avLst/>
-          </a:prstGeom>
-        </p:spPr>
-        <p:style>
-          <a:lnRef idx="2">
-            <a:schemeClr val="accent6">
-              <a:shade val="50000"/>
-            </a:schemeClr>
-          </a:lnRef>
-          <a:fillRef idx="1">
-            <a:schemeClr val="accent6"/>
-          </a:fillRef>
-          <a:effectRef idx="0">
-            <a:schemeClr val="accent6"/>
-          </a:effectRef>
-          <a:fontRef idx="minor">
-            <a:schemeClr val="lt1"/>
-          </a:fontRef>
-        </p:style>
-        <p:txBody>
-          <a:bodyPr rtlCol="0" anchor="ctr"/>
-          <a:lstStyle/>
-          <a:p>
-            <a:pPr algn="ctr"/>
-            <a:r>
-              <a:rPr lang="en-US" dirty="0"/>
-              <a:t>Strat</a:t>
-            </a:r>
-          </a:p>
-          <a:p>
-            <a:pPr algn="ctr"/>
-            <a:r>
-              <a:rPr lang="en-US" dirty="0"/>
-              <a:t>Thread</a:t>
-            </a:r>
-            <a:endParaRPr lang="fr-FR" dirty="0"/>
-          </a:p>
-        </p:txBody>
-      </p:sp>
-      <p:sp>
-        <p:nvSpPr>
-          <p:cNvPr id="26" name="Rectangle : coins arrondis 25"/>
-          <p:cNvSpPr/>
-          <p:nvPr/>
-        </p:nvSpPr>
-        <p:spPr>
-          <a:xfrm>
-            <a:off x="6838028" y="4252475"/>
-            <a:ext cx="1304335" cy="643233"/>
-          </a:xfrm>
-          <a:prstGeom prst="roundRect">
-            <a:avLst/>
-          </a:prstGeom>
-        </p:spPr>
-        <p:style>
-          <a:lnRef idx="2">
-            <a:schemeClr val="accent6">
-              <a:shade val="50000"/>
-            </a:schemeClr>
-          </a:lnRef>
-          <a:fillRef idx="1">
-            <a:schemeClr val="accent6"/>
-          </a:fillRef>
-          <a:effectRef idx="0">
-            <a:schemeClr val="accent6"/>
-          </a:effectRef>
-          <a:fontRef idx="minor">
-            <a:schemeClr val="lt1"/>
-          </a:fontRef>
-        </p:style>
-        <p:txBody>
-          <a:bodyPr rtlCol="0" anchor="ctr"/>
-          <a:lstStyle/>
-          <a:p>
-            <a:pPr algn="ctr"/>
-            <a:r>
-              <a:rPr lang="en-US" dirty="0"/>
-              <a:t>Actuators</a:t>
-            </a:r>
-          </a:p>
-          <a:p>
-            <a:pPr algn="ctr"/>
-            <a:r>
-              <a:rPr lang="en-US" dirty="0"/>
-              <a:t>Thread</a:t>
-            </a:r>
-            <a:endParaRPr lang="fr-FR" dirty="0"/>
-          </a:p>
-        </p:txBody>
-      </p:sp>
-      <p:sp>
-        <p:nvSpPr>
-          <p:cNvPr id="27" name="Rectangle : coins arrondis 26"/>
-          <p:cNvSpPr/>
-          <p:nvPr/>
-        </p:nvSpPr>
-        <p:spPr>
-          <a:xfrm>
-            <a:off x="8895163" y="2781032"/>
-            <a:ext cx="1304335" cy="643233"/>
-          </a:xfrm>
-          <a:prstGeom prst="roundRect">
-            <a:avLst/>
-          </a:prstGeom>
-        </p:spPr>
-        <p:style>
-          <a:lnRef idx="2">
-            <a:schemeClr val="accent2">
-              <a:shade val="50000"/>
-            </a:schemeClr>
-          </a:lnRef>
-          <a:fillRef idx="1">
-            <a:schemeClr val="accent2"/>
-          </a:fillRef>
-          <a:effectRef idx="0">
-            <a:schemeClr val="accent2"/>
-          </a:effectRef>
-          <a:fontRef idx="minor">
-            <a:schemeClr val="lt1"/>
-          </a:fontRef>
-        </p:style>
-        <p:txBody>
-          <a:bodyPr rtlCol="0" anchor="ctr"/>
-          <a:lstStyle/>
-          <a:p>
-            <a:pPr algn="ctr"/>
-            <a:r>
-              <a:rPr lang="en-US" dirty="0" err="1"/>
-              <a:t>Nav</a:t>
-            </a:r>
-            <a:endParaRPr lang="en-US" dirty="0"/>
-          </a:p>
-          <a:p>
-            <a:pPr algn="ctr"/>
-            <a:r>
-              <a:rPr lang="en-US" dirty="0"/>
-              <a:t>Detection</a:t>
-            </a:r>
-            <a:endParaRPr lang="fr-FR" dirty="0"/>
-          </a:p>
-        </p:txBody>
-      </p:sp>
-      <p:sp>
-        <p:nvSpPr>
-          <p:cNvPr id="28" name="Rectangle : coins arrondis 27"/>
-          <p:cNvSpPr/>
-          <p:nvPr/>
-        </p:nvSpPr>
-        <p:spPr>
-          <a:xfrm>
-            <a:off x="4697205" y="2954446"/>
-            <a:ext cx="958876" cy="643233"/>
-          </a:xfrm>
-          <a:prstGeom prst="roundRect">
-            <a:avLst/>
-          </a:prstGeom>
-        </p:spPr>
-        <p:style>
-          <a:lnRef idx="2">
-            <a:schemeClr val="accent2">
-              <a:shade val="50000"/>
-            </a:schemeClr>
-          </a:lnRef>
-          <a:fillRef idx="1">
-            <a:schemeClr val="accent2"/>
-          </a:fillRef>
-          <a:effectRef idx="0">
-            <a:schemeClr val="accent2"/>
-          </a:effectRef>
-          <a:fontRef idx="minor">
-            <a:schemeClr val="lt1"/>
-          </a:fontRef>
-        </p:style>
-        <p:txBody>
-          <a:bodyPr rtlCol="0" anchor="ctr"/>
-          <a:lstStyle/>
-          <a:p>
-            <a:pPr algn="ctr"/>
-            <a:r>
-              <a:rPr lang="en-US" dirty="0"/>
-              <a:t>Log</a:t>
-            </a:r>
-          </a:p>
-          <a:p>
-            <a:pPr algn="ctr"/>
-            <a:r>
-              <a:rPr lang="en-US" dirty="0"/>
-              <a:t>Thread</a:t>
-            </a:r>
-            <a:endParaRPr lang="fr-FR" dirty="0"/>
-          </a:p>
-        </p:txBody>
-      </p:sp>
-      <p:sp>
-        <p:nvSpPr>
-          <p:cNvPr id="29" name="Rectangle : coins arrondis 28"/>
-          <p:cNvSpPr/>
-          <p:nvPr/>
-        </p:nvSpPr>
-        <p:spPr>
-          <a:xfrm>
-            <a:off x="2115464" y="2849878"/>
-            <a:ext cx="931743" cy="643233"/>
-          </a:xfrm>
-          <a:prstGeom prst="roundRect">
-            <a:avLst/>
-          </a:prstGeom>
-        </p:spPr>
-        <p:style>
-          <a:lnRef idx="2">
-            <a:schemeClr val="accent2">
-              <a:shade val="50000"/>
-            </a:schemeClr>
-          </a:lnRef>
-          <a:fillRef idx="1">
-            <a:schemeClr val="accent2"/>
-          </a:fillRef>
-          <a:effectRef idx="0">
-            <a:schemeClr val="accent2"/>
-          </a:effectRef>
-          <a:fontRef idx="minor">
-            <a:schemeClr val="lt1"/>
-          </a:fontRef>
-        </p:style>
-        <p:txBody>
-          <a:bodyPr rtlCol="0" anchor="ctr"/>
-          <a:lstStyle/>
-          <a:p>
-            <a:pPr algn="ctr"/>
-            <a:r>
-              <a:rPr lang="en-US" dirty="0" err="1"/>
-              <a:t>Teleop</a:t>
-            </a:r>
-            <a:endParaRPr lang="en-US" dirty="0"/>
-          </a:p>
-          <a:p>
-            <a:pPr algn="ctr"/>
-            <a:r>
-              <a:rPr lang="en-US" dirty="0"/>
-              <a:t>Thread</a:t>
-            </a:r>
-            <a:endParaRPr lang="fr-FR" dirty="0"/>
-          </a:p>
-        </p:txBody>
-      </p:sp>
-      <p:sp>
-        <p:nvSpPr>
-          <p:cNvPr id="30" name="Rectangle : coins arrondis 29"/>
-          <p:cNvSpPr/>
-          <p:nvPr/>
-        </p:nvSpPr>
-        <p:spPr>
-          <a:xfrm>
-            <a:off x="3163746" y="2865643"/>
-            <a:ext cx="1231290" cy="643233"/>
-          </a:xfrm>
-          <a:prstGeom prst="roundRect">
-            <a:avLst/>
-          </a:prstGeom>
-        </p:spPr>
-        <p:style>
-          <a:lnRef idx="2">
-            <a:schemeClr val="accent2">
-              <a:shade val="50000"/>
-            </a:schemeClr>
-          </a:lnRef>
-          <a:fillRef idx="1">
-            <a:schemeClr val="accent2"/>
-          </a:fillRef>
-          <a:effectRef idx="0">
-            <a:schemeClr val="accent2"/>
-          </a:effectRef>
-          <a:fontRef idx="minor">
-            <a:schemeClr val="lt1"/>
-          </a:fontRef>
-        </p:style>
-        <p:txBody>
-          <a:bodyPr rtlCol="0" anchor="ctr"/>
-          <a:lstStyle/>
-          <a:p>
-            <a:pPr algn="ctr"/>
-            <a:r>
-              <a:rPr lang="en-US" dirty="0" err="1"/>
-              <a:t>MateCom</a:t>
-            </a:r>
-            <a:endParaRPr lang="en-US" dirty="0"/>
-          </a:p>
-          <a:p>
-            <a:pPr algn="ctr"/>
-            <a:r>
-              <a:rPr lang="en-US" dirty="0"/>
-              <a:t>Thread</a:t>
-            </a:r>
-            <a:endParaRPr lang="fr-FR" dirty="0"/>
-          </a:p>
-        </p:txBody>
-      </p:sp>
-      <p:sp>
-        <p:nvSpPr>
-          <p:cNvPr id="31" name="Rectangle : coins arrondis 30"/>
-          <p:cNvSpPr/>
-          <p:nvPr/>
-        </p:nvSpPr>
-        <p:spPr>
-          <a:xfrm>
-            <a:off x="7491772" y="5708167"/>
-            <a:ext cx="1122505" cy="643233"/>
-          </a:xfrm>
-          <a:prstGeom prst="roundRect">
-            <a:avLst/>
-          </a:prstGeom>
-        </p:spPr>
-        <p:style>
-          <a:lnRef idx="2">
-            <a:schemeClr val="accent6">
-              <a:shade val="50000"/>
-            </a:schemeClr>
-          </a:lnRef>
-          <a:fillRef idx="1">
-            <a:schemeClr val="accent6"/>
-          </a:fillRef>
-          <a:effectRef idx="0">
-            <a:schemeClr val="accent6"/>
-          </a:effectRef>
-          <a:fontRef idx="minor">
-            <a:schemeClr val="lt1"/>
-          </a:fontRef>
-        </p:style>
-        <p:txBody>
-          <a:bodyPr rtlCol="0" anchor="ctr"/>
-          <a:lstStyle/>
-          <a:p>
-            <a:pPr algn="ctr"/>
-            <a:r>
-              <a:rPr lang="en-US" dirty="0"/>
-              <a:t>FSM</a:t>
-            </a:r>
-          </a:p>
-          <a:p>
-            <a:pPr algn="ctr"/>
-            <a:r>
-              <a:rPr lang="en-US" dirty="0" err="1"/>
-              <a:t>Yakindu</a:t>
-            </a:r>
-            <a:endParaRPr lang="fr-FR" dirty="0"/>
-          </a:p>
-        </p:txBody>
-      </p:sp>
-      <p:sp>
-        <p:nvSpPr>
-          <p:cNvPr id="32" name="ZoneTexte 31"/>
-          <p:cNvSpPr txBox="1"/>
-          <p:nvPr/>
-        </p:nvSpPr>
-        <p:spPr>
-          <a:xfrm flipH="1">
-            <a:off x="3779391" y="5845117"/>
-            <a:ext cx="1551326" cy="369332"/>
-          </a:xfrm>
-          <a:prstGeom prst="rect">
-            <a:avLst/>
-          </a:prstGeom>
-          <a:noFill/>
-        </p:spPr>
-        <p:txBody>
-          <a:bodyPr wrap="square" rtlCol="0">
-            <a:spAutoFit/>
-          </a:bodyPr>
-          <a:lstStyle/>
-          <a:p>
-            <a:r>
-              <a:rPr lang="en-US" dirty="0"/>
-              <a:t>Legend: </a:t>
-            </a:r>
-            <a:endParaRPr lang="fr-FR" dirty="0"/>
-          </a:p>
-        </p:txBody>
-      </p:sp>
-      <p:sp>
-        <p:nvSpPr>
-          <p:cNvPr id="36" name="Rectangle : coins arrondis 35"/>
-          <p:cNvSpPr/>
-          <p:nvPr/>
-        </p:nvSpPr>
-        <p:spPr>
-          <a:xfrm>
-            <a:off x="4011797" y="4252475"/>
-            <a:ext cx="1318658" cy="643233"/>
-          </a:xfrm>
-          <a:prstGeom prst="roundRect">
-            <a:avLst/>
-          </a:prstGeom>
-        </p:spPr>
-        <p:style>
-          <a:lnRef idx="2">
-            <a:schemeClr val="accent2">
-              <a:shade val="50000"/>
-            </a:schemeClr>
-          </a:lnRef>
-          <a:fillRef idx="1">
-            <a:schemeClr val="accent2"/>
-          </a:fillRef>
-          <a:effectRef idx="0">
-            <a:schemeClr val="accent2"/>
-          </a:effectRef>
-          <a:fontRef idx="minor">
-            <a:schemeClr val="lt1"/>
-          </a:fontRef>
-        </p:style>
-        <p:txBody>
-          <a:bodyPr rtlCol="0" anchor="ctr"/>
-          <a:lstStyle/>
-          <a:p>
-            <a:pPr algn="ctr"/>
-            <a:r>
-              <a:rPr lang="en-US" dirty="0" smtClean="0"/>
-              <a:t>Robot2017</a:t>
-            </a:r>
-            <a:endParaRPr lang="fr-FR" dirty="0"/>
-          </a:p>
-        </p:txBody>
-      </p:sp>
-      <p:sp>
-        <p:nvSpPr>
-          <p:cNvPr id="25" name="Rectangle : coins arrondis 13"/>
-          <p:cNvSpPr/>
-          <p:nvPr/>
-        </p:nvSpPr>
-        <p:spPr>
-          <a:xfrm>
-            <a:off x="5994047" y="2638608"/>
-            <a:ext cx="1304335" cy="643233"/>
-          </a:xfrm>
-          <a:prstGeom prst="roundRect">
-            <a:avLst/>
-          </a:prstGeom>
-        </p:spPr>
-        <p:style>
-          <a:lnRef idx="2">
-            <a:schemeClr val="accent2">
-              <a:shade val="50000"/>
-            </a:schemeClr>
-          </a:lnRef>
-          <a:fillRef idx="1">
-            <a:schemeClr val="accent2"/>
-          </a:fillRef>
-          <a:effectRef idx="0">
-            <a:schemeClr val="accent2"/>
-          </a:effectRef>
-          <a:fontRef idx="minor">
-            <a:schemeClr val="lt1"/>
-          </a:fontRef>
-        </p:style>
-        <p:txBody>
-          <a:bodyPr rtlCol="0" anchor="ctr"/>
-          <a:lstStyle/>
-          <a:p>
-            <a:pPr algn="ctr"/>
-            <a:r>
-              <a:rPr lang="en-US" smtClean="0"/>
-              <a:t>HMI</a:t>
-            </a:r>
-            <a:endParaRPr lang="fr-FR" dirty="0"/>
-          </a:p>
-        </p:txBody>
-      </p:sp>
-      <p:sp>
-        <p:nvSpPr>
-          <p:cNvPr id="33" name="Rectangle : coins arrondis 16"/>
-          <p:cNvSpPr/>
-          <p:nvPr/>
-        </p:nvSpPr>
-        <p:spPr>
-          <a:xfrm>
-            <a:off x="3708466" y="878657"/>
-            <a:ext cx="661603" cy="643233"/>
+            <a:off x="9463170" y="1264904"/>
+            <a:ext cx="991172" cy="481938"/>
           </a:xfrm>
           <a:prstGeom prst="roundRect">
             <a:avLst/>
@@ -4165,14 +5109,62 @@
           <a:p>
             <a:pPr algn="ctr"/>
             <a:r>
-              <a:rPr lang="en-US" dirty="0" err="1" smtClean="0"/>
-              <a:t>Spi</a:t>
-            </a:r>
-            <a:r>
-              <a:rPr lang="en-US" dirty="0" smtClean="0"/>
-              <a:t>/SD</a:t>
-            </a:r>
-            <a:endParaRPr lang="fr-FR" dirty="0"/>
+              <a:rPr lang="en-US" sz="1600" dirty="0" smtClean="0"/>
+              <a:t>C gen code</a:t>
+            </a:r>
+            <a:endParaRPr lang="fr-FR" sz="1600" dirty="0"/>
+          </a:p>
+        </p:txBody>
+      </p:sp>
+      <p:sp>
+        <p:nvSpPr>
+          <p:cNvPr id="81" name="Rectangle : coins arrondis 12"/>
+          <p:cNvSpPr/>
+          <p:nvPr/>
+        </p:nvSpPr>
+        <p:spPr>
+          <a:xfrm>
+            <a:off x="10544695" y="1264904"/>
+            <a:ext cx="1067294" cy="481938"/>
+          </a:xfrm>
+          <a:prstGeom prst="roundRect">
+            <a:avLst/>
+          </a:prstGeom>
+        </p:spPr>
+        <p:style>
+          <a:lnRef idx="2">
+            <a:schemeClr val="accent1">
+              <a:shade val="50000"/>
+            </a:schemeClr>
+          </a:lnRef>
+          <a:fillRef idx="1">
+            <a:schemeClr val="accent1"/>
+          </a:fillRef>
+          <a:effectRef idx="0">
+            <a:schemeClr val="accent1"/>
+          </a:effectRef>
+          <a:fontRef idx="minor">
+            <a:schemeClr val="lt1"/>
+          </a:fontRef>
+        </p:style>
+        <p:txBody>
+          <a:bodyPr rtlCol="0" anchor="ctr"/>
+          <a:lstStyle/>
+          <a:p>
+            <a:pPr algn="ctr"/>
+            <a:r>
+              <a:rPr lang="en-US" sz="1600" dirty="0" err="1"/>
+              <a:t>P</a:t>
+            </a:r>
+            <a:r>
+              <a:rPr lang="en-US" sz="1600" dirty="0" err="1" smtClean="0"/>
+              <a:t>y</a:t>
+            </a:r>
+            <a:r>
+              <a:rPr lang="en-US" sz="1600" dirty="0" smtClean="0"/>
+              <a:t> gen code</a:t>
+            </a:r>
+            <a:endParaRPr lang="fr-FR" sz="1600" dirty="0"/>
           </a:p>
         </p:txBody>
       </p:sp>
@@ -4647,7 +5639,7 @@
                     <a:lstStyle/>
                     <a:p>
                       <a:r>
-                        <a:rPr lang="en-US" sz="1400" dirty="0" err="1"/>
+                        <a:rPr lang="en-US" sz="1400" dirty="0"/>
                         <a:t>ArdOs</a:t>
                       </a:r>
                       <a:endParaRPr lang="fr-FR" sz="1400" dirty="0"/>
@@ -5004,6 +5996,2621 @@
     <p:extLst>
       <p:ext uri="{BB962C8B-B14F-4D97-AF65-F5344CB8AC3E}">
         <p14:creationId xmlns:p14="http://schemas.microsoft.com/office/powerpoint/2010/main" val="3039675633"/>
+      </p:ext>
+    </p:extLst>
+  </p:cSld>
+  <p:clrMapOvr>
+    <a:masterClrMapping/>
+  </p:clrMapOvr>
+</p:sld>
+</file>
+
+<file path=ppt/slides/slide3.xml><?xml version="1.0" encoding="utf-8"?>
+<p:sld xmlns:a="http://schemas.openxmlformats.org/drawingml/2006/main" xmlns:r="http://schemas.openxmlformats.org/officeDocument/2006/relationships" xmlns:p="http://schemas.openxmlformats.org/presentationml/2006/main">
+  <p:cSld>
+    <p:spTree>
+      <p:nvGrpSpPr>
+        <p:cNvPr id="1" name=""/>
+        <p:cNvGrpSpPr/>
+        <p:nvPr/>
+      </p:nvGrpSpPr>
+      <p:grpSpPr>
+        <a:xfrm>
+          <a:off x="0" y="0"/>
+          <a:ext cx="0" cy="0"/>
+          <a:chOff x="0" y="0"/>
+          <a:chExt cx="0" cy="0"/>
+        </a:xfrm>
+      </p:grpSpPr>
+      <p:sp>
+        <p:nvSpPr>
+          <p:cNvPr id="16" name="Rectangle : coins arrondis 15"/>
+          <p:cNvSpPr/>
+          <p:nvPr/>
+        </p:nvSpPr>
+        <p:spPr>
+          <a:xfrm>
+            <a:off x="2009050" y="2149578"/>
+            <a:ext cx="6179604" cy="1783609"/>
+          </a:xfrm>
+          <a:prstGeom prst="roundRect">
+            <a:avLst/>
+          </a:prstGeom>
+          <a:noFill/>
+          <a:ln w="9525" cap="flat" cmpd="sng" algn="ctr">
+            <a:solidFill>
+              <a:schemeClr val="dk1"/>
+            </a:solidFill>
+            <a:prstDash val="solid"/>
+            <a:round/>
+            <a:headEnd type="none" w="med" len="med"/>
+            <a:tailEnd type="none" w="med" len="med"/>
+          </a:ln>
+        </p:spPr>
+        <p:style>
+          <a:lnRef idx="0">
+            <a:scrgbClr r="0" g="0" b="0"/>
+          </a:lnRef>
+          <a:fillRef idx="0">
+            <a:scrgbClr r="0" g="0" b="0"/>
+          </a:fillRef>
+          <a:effectRef idx="0">
+            <a:scrgbClr r="0" g="0" b="0"/>
+          </a:effectRef>
+          <a:fontRef idx="minor">
+            <a:schemeClr val="dk1"/>
+          </a:fontRef>
+        </p:style>
+        <p:txBody>
+          <a:bodyPr rtlCol="0" anchor="ctr"/>
+          <a:lstStyle/>
+          <a:p>
+            <a:pPr algn="ctr"/>
+            <a:r>
+              <a:rPr lang="en-US" dirty="0" smtClean="0"/>
+              <a:t>Message level : </a:t>
+            </a:r>
+            <a:endParaRPr lang="en-US" dirty="0"/>
+          </a:p>
+          <a:p>
+            <a:pPr algn="ctr"/>
+            <a:endParaRPr lang="en-US" dirty="0"/>
+          </a:p>
+          <a:p>
+            <a:pPr algn="ctr"/>
+            <a:endParaRPr lang="en-US" dirty="0"/>
+          </a:p>
+          <a:p>
+            <a:pPr algn="ctr"/>
+            <a:endParaRPr lang="en-US" i="1" dirty="0"/>
+          </a:p>
+          <a:p>
+            <a:pPr algn="ctr"/>
+            <a:endParaRPr lang="en-US" dirty="0"/>
+          </a:p>
+          <a:p>
+            <a:pPr algn="ctr"/>
+            <a:endParaRPr lang="fr-FR" dirty="0"/>
+          </a:p>
+        </p:txBody>
+      </p:sp>
+      <p:sp>
+        <p:nvSpPr>
+          <p:cNvPr id="10" name="Rectangle : coins arrondis 9"/>
+          <p:cNvSpPr/>
+          <p:nvPr/>
+        </p:nvSpPr>
+        <p:spPr>
+          <a:xfrm>
+            <a:off x="2009051" y="107950"/>
+            <a:ext cx="6179604" cy="1968588"/>
+          </a:xfrm>
+          <a:prstGeom prst="roundRect">
+            <a:avLst/>
+          </a:prstGeom>
+          <a:noFill/>
+          <a:ln w="9525" cap="flat" cmpd="sng" algn="ctr">
+            <a:solidFill>
+              <a:schemeClr val="dk1"/>
+            </a:solidFill>
+            <a:prstDash val="solid"/>
+            <a:round/>
+            <a:headEnd type="none" w="med" len="med"/>
+            <a:tailEnd type="none" w="med" len="med"/>
+          </a:ln>
+        </p:spPr>
+        <p:style>
+          <a:lnRef idx="0">
+            <a:scrgbClr r="0" g="0" b="0"/>
+          </a:lnRef>
+          <a:fillRef idx="0">
+            <a:scrgbClr r="0" g="0" b="0"/>
+          </a:fillRef>
+          <a:effectRef idx="0">
+            <a:scrgbClr r="0" g="0" b="0"/>
+          </a:effectRef>
+          <a:fontRef idx="minor">
+            <a:schemeClr val="dk1"/>
+          </a:fontRef>
+        </p:style>
+        <p:txBody>
+          <a:bodyPr rtlCol="0" anchor="ctr"/>
+          <a:lstStyle/>
+          <a:p>
+            <a:pPr algn="ctr"/>
+            <a:r>
+              <a:rPr lang="en-US" dirty="0" smtClean="0"/>
+              <a:t>Byte level :</a:t>
+            </a:r>
+          </a:p>
+          <a:p>
+            <a:pPr algn="ctr"/>
+            <a:endParaRPr lang="en-US" dirty="0"/>
+          </a:p>
+          <a:p>
+            <a:pPr algn="ctr"/>
+            <a:endParaRPr lang="en-US" dirty="0"/>
+          </a:p>
+          <a:p>
+            <a:pPr algn="ctr"/>
+            <a:endParaRPr lang="en-US" dirty="0"/>
+          </a:p>
+          <a:p>
+            <a:pPr algn="ctr"/>
+            <a:endParaRPr lang="en-US" dirty="0"/>
+          </a:p>
+          <a:p>
+            <a:pPr algn="ctr"/>
+            <a:endParaRPr lang="fr-FR" dirty="0"/>
+          </a:p>
+        </p:txBody>
+      </p:sp>
+      <p:sp>
+        <p:nvSpPr>
+          <p:cNvPr id="4" name="Rectangle : coins arrondis 3"/>
+          <p:cNvSpPr/>
+          <p:nvPr/>
+        </p:nvSpPr>
+        <p:spPr>
+          <a:xfrm>
+            <a:off x="3269071" y="730940"/>
+            <a:ext cx="1076899" cy="643233"/>
+          </a:xfrm>
+          <a:prstGeom prst="roundRect">
+            <a:avLst/>
+          </a:prstGeom>
+        </p:spPr>
+        <p:style>
+          <a:lnRef idx="1">
+            <a:schemeClr val="accent4"/>
+          </a:lnRef>
+          <a:fillRef idx="2">
+            <a:schemeClr val="accent4"/>
+          </a:fillRef>
+          <a:effectRef idx="1">
+            <a:schemeClr val="accent4"/>
+          </a:effectRef>
+          <a:fontRef idx="minor">
+            <a:schemeClr val="dk1"/>
+          </a:fontRef>
+        </p:style>
+        <p:txBody>
+          <a:bodyPr rtlCol="0" anchor="ctr"/>
+          <a:lstStyle/>
+          <a:p>
+            <a:pPr algn="ctr"/>
+            <a:r>
+              <a:rPr lang="en-US" dirty="0" err="1"/>
+              <a:t>FreeRtos</a:t>
+            </a:r>
+            <a:endParaRPr lang="fr-FR" dirty="0"/>
+          </a:p>
+        </p:txBody>
+      </p:sp>
+      <p:sp>
+        <p:nvSpPr>
+          <p:cNvPr id="6" name="Rectangle : coins arrondis 5"/>
+          <p:cNvSpPr/>
+          <p:nvPr/>
+        </p:nvSpPr>
+        <p:spPr>
+          <a:xfrm>
+            <a:off x="179291" y="632575"/>
+            <a:ext cx="1122505" cy="643233"/>
+          </a:xfrm>
+          <a:prstGeom prst="roundRect">
+            <a:avLst/>
+          </a:prstGeom>
+        </p:spPr>
+        <p:style>
+          <a:lnRef idx="1">
+            <a:schemeClr val="accent3"/>
+          </a:lnRef>
+          <a:fillRef idx="2">
+            <a:schemeClr val="accent3"/>
+          </a:fillRef>
+          <a:effectRef idx="1">
+            <a:schemeClr val="accent3"/>
+          </a:effectRef>
+          <a:fontRef idx="minor">
+            <a:schemeClr val="dk1"/>
+          </a:fontRef>
+        </p:style>
+        <p:txBody>
+          <a:bodyPr rtlCol="0" anchor="ctr"/>
+          <a:lstStyle/>
+          <a:p>
+            <a:pPr algn="ctr"/>
+            <a:r>
+              <a:rPr lang="en-US" sz="1200" dirty="0" smtClean="0"/>
+              <a:t>Proto + generated code</a:t>
+            </a:r>
+            <a:endParaRPr lang="fr-FR" sz="1200" dirty="0"/>
+          </a:p>
+        </p:txBody>
+      </p:sp>
+      <p:sp>
+        <p:nvSpPr>
+          <p:cNvPr id="11" name="Rectangle : coins arrondis 10"/>
+          <p:cNvSpPr/>
+          <p:nvPr/>
+        </p:nvSpPr>
+        <p:spPr>
+          <a:xfrm>
+            <a:off x="2342490" y="3490002"/>
+            <a:ext cx="3486809" cy="313339"/>
+          </a:xfrm>
+          <a:prstGeom prst="roundRect">
+            <a:avLst/>
+          </a:prstGeom>
+        </p:spPr>
+        <p:style>
+          <a:lnRef idx="1">
+            <a:schemeClr val="accent4"/>
+          </a:lnRef>
+          <a:fillRef idx="2">
+            <a:schemeClr val="accent4"/>
+          </a:fillRef>
+          <a:effectRef idx="1">
+            <a:schemeClr val="accent4"/>
+          </a:effectRef>
+          <a:fontRef idx="minor">
+            <a:schemeClr val="dk1"/>
+          </a:fontRef>
+        </p:style>
+        <p:txBody>
+          <a:bodyPr rtlCol="0" anchor="ctr"/>
+          <a:lstStyle/>
+          <a:p>
+            <a:pPr algn="ctr"/>
+            <a:r>
+              <a:rPr lang="en-US" dirty="0" smtClean="0"/>
+              <a:t>ComOnUart.cpp</a:t>
+            </a:r>
+            <a:endParaRPr lang="fr-FR" dirty="0"/>
+          </a:p>
+        </p:txBody>
+      </p:sp>
+      <p:sp>
+        <p:nvSpPr>
+          <p:cNvPr id="15" name="Rectangle : coins arrondis 14"/>
+          <p:cNvSpPr/>
+          <p:nvPr/>
+        </p:nvSpPr>
+        <p:spPr>
+          <a:xfrm>
+            <a:off x="5943600" y="3204031"/>
+            <a:ext cx="1942408" cy="212925"/>
+          </a:xfrm>
+          <a:prstGeom prst="roundRect">
+            <a:avLst/>
+          </a:prstGeom>
+        </p:spPr>
+        <p:style>
+          <a:lnRef idx="1">
+            <a:schemeClr val="accent2"/>
+          </a:lnRef>
+          <a:fillRef idx="2">
+            <a:schemeClr val="accent2"/>
+          </a:fillRef>
+          <a:effectRef idx="1">
+            <a:schemeClr val="accent2"/>
+          </a:effectRef>
+          <a:fontRef idx="minor">
+            <a:schemeClr val="dk1"/>
+          </a:fontRef>
+        </p:style>
+        <p:txBody>
+          <a:bodyPr rtlCol="0" anchor="ctr"/>
+          <a:lstStyle/>
+          <a:p>
+            <a:pPr algn="ctr"/>
+            <a:r>
+              <a:rPr lang="en-US" dirty="0" smtClean="0"/>
+              <a:t>ArdHdlc.py</a:t>
+            </a:r>
+            <a:endParaRPr lang="fr-FR" dirty="0"/>
+          </a:p>
+        </p:txBody>
+      </p:sp>
+      <p:sp>
+        <p:nvSpPr>
+          <p:cNvPr id="21" name="Rectangle : coins arrondis 20"/>
+          <p:cNvSpPr/>
+          <p:nvPr/>
+        </p:nvSpPr>
+        <p:spPr>
+          <a:xfrm>
+            <a:off x="179291" y="1323523"/>
+            <a:ext cx="1122505" cy="643233"/>
+          </a:xfrm>
+          <a:prstGeom prst="roundRect">
+            <a:avLst/>
+          </a:prstGeom>
+        </p:spPr>
+        <p:style>
+          <a:lnRef idx="1">
+            <a:schemeClr val="accent4"/>
+          </a:lnRef>
+          <a:fillRef idx="2">
+            <a:schemeClr val="accent4"/>
+          </a:fillRef>
+          <a:effectRef idx="1">
+            <a:schemeClr val="accent4"/>
+          </a:effectRef>
+          <a:fontRef idx="minor">
+            <a:schemeClr val="dk1"/>
+          </a:fontRef>
+        </p:style>
+        <p:txBody>
+          <a:bodyPr rtlCol="0" anchor="ctr"/>
+          <a:lstStyle/>
+          <a:p>
+            <a:pPr algn="ctr"/>
+            <a:r>
+              <a:rPr lang="en-US" dirty="0" smtClean="0"/>
+              <a:t>C/C++</a:t>
+            </a:r>
+            <a:endParaRPr lang="fr-FR" dirty="0"/>
+          </a:p>
+        </p:txBody>
+      </p:sp>
+      <p:sp>
+        <p:nvSpPr>
+          <p:cNvPr id="23" name="Rectangle : coins arrondis 22"/>
+          <p:cNvSpPr/>
+          <p:nvPr/>
+        </p:nvSpPr>
+        <p:spPr>
+          <a:xfrm>
+            <a:off x="2009050" y="4006226"/>
+            <a:ext cx="6179604" cy="2242174"/>
+          </a:xfrm>
+          <a:prstGeom prst="roundRect">
+            <a:avLst/>
+          </a:prstGeom>
+          <a:noFill/>
+          <a:ln w="9525" cap="flat" cmpd="sng" algn="ctr">
+            <a:solidFill>
+              <a:schemeClr val="dk1"/>
+            </a:solidFill>
+            <a:prstDash val="solid"/>
+            <a:round/>
+            <a:headEnd type="none" w="med" len="med"/>
+            <a:tailEnd type="none" w="med" len="med"/>
+          </a:ln>
+        </p:spPr>
+        <p:style>
+          <a:lnRef idx="0">
+            <a:scrgbClr r="0" g="0" b="0"/>
+          </a:lnRef>
+          <a:fillRef idx="0">
+            <a:scrgbClr r="0" g="0" b="0"/>
+          </a:fillRef>
+          <a:effectRef idx="0">
+            <a:scrgbClr r="0" g="0" b="0"/>
+          </a:effectRef>
+          <a:fontRef idx="minor">
+            <a:schemeClr val="dk1"/>
+          </a:fontRef>
+        </p:style>
+        <p:txBody>
+          <a:bodyPr rtlCol="0" anchor="ctr"/>
+          <a:lstStyle/>
+          <a:p>
+            <a:pPr algn="ctr"/>
+            <a:r>
+              <a:rPr lang="en-US" dirty="0" smtClean="0"/>
+              <a:t>Data/Function level :</a:t>
+            </a:r>
+            <a:endParaRPr lang="en-US" dirty="0"/>
+          </a:p>
+          <a:p>
+            <a:pPr algn="ctr"/>
+            <a:endParaRPr lang="en-US" dirty="0"/>
+          </a:p>
+          <a:p>
+            <a:pPr algn="ctr"/>
+            <a:endParaRPr lang="en-US" dirty="0"/>
+          </a:p>
+          <a:p>
+            <a:pPr algn="ctr"/>
+            <a:endParaRPr lang="en-US" dirty="0"/>
+          </a:p>
+          <a:p>
+            <a:pPr algn="ctr"/>
+            <a:endParaRPr lang="en-US" dirty="0" smtClean="0"/>
+          </a:p>
+          <a:p>
+            <a:pPr algn="ctr"/>
+            <a:endParaRPr lang="en-US" dirty="0"/>
+          </a:p>
+          <a:p>
+            <a:pPr algn="ctr"/>
+            <a:endParaRPr lang="fr-FR" dirty="0"/>
+          </a:p>
+        </p:txBody>
+      </p:sp>
+      <p:sp>
+        <p:nvSpPr>
+          <p:cNvPr id="27" name="Rectangle : coins arrondis 26"/>
+          <p:cNvSpPr/>
+          <p:nvPr/>
+        </p:nvSpPr>
+        <p:spPr>
+          <a:xfrm>
+            <a:off x="5943600" y="1499235"/>
+            <a:ext cx="1942409" cy="461259"/>
+          </a:xfrm>
+          <a:prstGeom prst="roundRect">
+            <a:avLst/>
+          </a:prstGeom>
+        </p:spPr>
+        <p:style>
+          <a:lnRef idx="1">
+            <a:schemeClr val="accent2"/>
+          </a:lnRef>
+          <a:fillRef idx="2">
+            <a:schemeClr val="accent2"/>
+          </a:fillRef>
+          <a:effectRef idx="1">
+            <a:schemeClr val="accent2"/>
+          </a:effectRef>
+          <a:fontRef idx="minor">
+            <a:schemeClr val="dk1"/>
+          </a:fontRef>
+        </p:style>
+        <p:txBody>
+          <a:bodyPr rtlCol="0" anchor="ctr"/>
+          <a:lstStyle/>
+          <a:p>
+            <a:pPr algn="ctr"/>
+            <a:r>
+              <a:rPr lang="en-US" dirty="0" smtClean="0"/>
+              <a:t>ArdSerial.py</a:t>
+            </a:r>
+            <a:endParaRPr lang="fr-FR" dirty="0"/>
+          </a:p>
+        </p:txBody>
+      </p:sp>
+      <p:sp>
+        <p:nvSpPr>
+          <p:cNvPr id="31" name="Rectangle : coins arrondis 30"/>
+          <p:cNvSpPr/>
+          <p:nvPr/>
+        </p:nvSpPr>
+        <p:spPr>
+          <a:xfrm>
+            <a:off x="179290" y="2014471"/>
+            <a:ext cx="1122505" cy="643233"/>
+          </a:xfrm>
+          <a:prstGeom prst="roundRect">
+            <a:avLst/>
+          </a:prstGeom>
+        </p:spPr>
+        <p:style>
+          <a:lnRef idx="1">
+            <a:schemeClr val="accent2"/>
+          </a:lnRef>
+          <a:fillRef idx="2">
+            <a:schemeClr val="accent2"/>
+          </a:fillRef>
+          <a:effectRef idx="1">
+            <a:schemeClr val="accent2"/>
+          </a:effectRef>
+          <a:fontRef idx="minor">
+            <a:schemeClr val="dk1"/>
+          </a:fontRef>
+        </p:style>
+        <p:txBody>
+          <a:bodyPr rtlCol="0" anchor="ctr"/>
+          <a:lstStyle/>
+          <a:p>
+            <a:pPr algn="ctr"/>
+            <a:r>
+              <a:rPr lang="en-US" dirty="0" smtClean="0"/>
+              <a:t>Python</a:t>
+            </a:r>
+            <a:endParaRPr lang="fr-FR" dirty="0"/>
+          </a:p>
+        </p:txBody>
+      </p:sp>
+      <p:sp>
+        <p:nvSpPr>
+          <p:cNvPr id="32" name="ZoneTexte 31"/>
+          <p:cNvSpPr txBox="1"/>
+          <p:nvPr/>
+        </p:nvSpPr>
+        <p:spPr>
+          <a:xfrm flipH="1">
+            <a:off x="87542" y="206093"/>
+            <a:ext cx="1551326" cy="369332"/>
+          </a:xfrm>
+          <a:prstGeom prst="rect">
+            <a:avLst/>
+          </a:prstGeom>
+          <a:noFill/>
+        </p:spPr>
+        <p:txBody>
+          <a:bodyPr wrap="square" rtlCol="0">
+            <a:spAutoFit/>
+          </a:bodyPr>
+          <a:lstStyle/>
+          <a:p>
+            <a:r>
+              <a:rPr lang="en-US" dirty="0"/>
+              <a:t>Legend: </a:t>
+            </a:r>
+            <a:endParaRPr lang="fr-FR" dirty="0"/>
+          </a:p>
+        </p:txBody>
+      </p:sp>
+      <p:sp>
+        <p:nvSpPr>
+          <p:cNvPr id="36" name="Rectangle : coins arrondis 35"/>
+          <p:cNvSpPr/>
+          <p:nvPr/>
+        </p:nvSpPr>
+        <p:spPr>
+          <a:xfrm>
+            <a:off x="5943600" y="5518505"/>
+            <a:ext cx="1940433" cy="503463"/>
+          </a:xfrm>
+          <a:prstGeom prst="roundRect">
+            <a:avLst/>
+          </a:prstGeom>
+        </p:spPr>
+        <p:style>
+          <a:lnRef idx="1">
+            <a:schemeClr val="accent2"/>
+          </a:lnRef>
+          <a:fillRef idx="2">
+            <a:schemeClr val="accent2"/>
+          </a:fillRef>
+          <a:effectRef idx="1">
+            <a:schemeClr val="accent2"/>
+          </a:effectRef>
+          <a:fontRef idx="minor">
+            <a:schemeClr val="dk1"/>
+          </a:fontRef>
+        </p:style>
+        <p:txBody>
+          <a:bodyPr rtlCol="0" anchor="ctr"/>
+          <a:lstStyle/>
+          <a:p>
+            <a:pPr algn="ctr"/>
+            <a:r>
+              <a:rPr lang="en-US" dirty="0" smtClean="0"/>
+              <a:t>RemoteControl.py</a:t>
+            </a:r>
+            <a:endParaRPr lang="fr-FR" dirty="0"/>
+          </a:p>
+        </p:txBody>
+      </p:sp>
+      <p:sp>
+        <p:nvSpPr>
+          <p:cNvPr id="25" name="Rectangle : coins arrondis 13"/>
+          <p:cNvSpPr/>
+          <p:nvPr/>
+        </p:nvSpPr>
+        <p:spPr>
+          <a:xfrm>
+            <a:off x="2342491" y="2919598"/>
+            <a:ext cx="3486809" cy="497357"/>
+          </a:xfrm>
+          <a:prstGeom prst="roundRect">
+            <a:avLst/>
+          </a:prstGeom>
+        </p:spPr>
+        <p:style>
+          <a:lnRef idx="1">
+            <a:schemeClr val="accent4"/>
+          </a:lnRef>
+          <a:fillRef idx="2">
+            <a:schemeClr val="accent4"/>
+          </a:fillRef>
+          <a:effectRef idx="1">
+            <a:schemeClr val="accent4"/>
+          </a:effectRef>
+          <a:fontRef idx="minor">
+            <a:schemeClr val="dk1"/>
+          </a:fontRef>
+        </p:style>
+        <p:txBody>
+          <a:bodyPr rtlCol="0" anchor="ctr"/>
+          <a:lstStyle/>
+          <a:p>
+            <a:pPr algn="ctr"/>
+            <a:r>
+              <a:rPr lang="en-US" dirty="0" smtClean="0"/>
+              <a:t>ArdHdlc.cpp</a:t>
+            </a:r>
+            <a:endParaRPr lang="fr-FR" dirty="0"/>
+          </a:p>
+        </p:txBody>
+      </p:sp>
+      <p:sp>
+        <p:nvSpPr>
+          <p:cNvPr id="34" name="Rectangle : coins arrondis 13"/>
+          <p:cNvSpPr/>
+          <p:nvPr/>
+        </p:nvSpPr>
+        <p:spPr>
+          <a:xfrm>
+            <a:off x="2342491" y="1499236"/>
+            <a:ext cx="3486809" cy="461258"/>
+          </a:xfrm>
+          <a:prstGeom prst="roundRect">
+            <a:avLst/>
+          </a:prstGeom>
+        </p:spPr>
+        <p:style>
+          <a:lnRef idx="1">
+            <a:schemeClr val="accent4"/>
+          </a:lnRef>
+          <a:fillRef idx="2">
+            <a:schemeClr val="accent4"/>
+          </a:fillRef>
+          <a:effectRef idx="1">
+            <a:schemeClr val="accent4"/>
+          </a:effectRef>
+          <a:fontRef idx="minor">
+            <a:schemeClr val="dk1"/>
+          </a:fontRef>
+        </p:style>
+        <p:txBody>
+          <a:bodyPr rtlCol="0" anchor="ctr"/>
+          <a:lstStyle/>
+          <a:p>
+            <a:pPr algn="ctr"/>
+            <a:r>
+              <a:rPr lang="en-US" dirty="0" err="1" smtClean="0"/>
+              <a:t>ArdSerial</a:t>
+            </a:r>
+            <a:endParaRPr lang="fr-FR" dirty="0"/>
+          </a:p>
+        </p:txBody>
+      </p:sp>
+      <p:sp>
+        <p:nvSpPr>
+          <p:cNvPr id="37" name="Rectangle : coins arrondis 8"/>
+          <p:cNvSpPr/>
+          <p:nvPr/>
+        </p:nvSpPr>
+        <p:spPr>
+          <a:xfrm>
+            <a:off x="2342491" y="730940"/>
+            <a:ext cx="845209" cy="643233"/>
+          </a:xfrm>
+          <a:prstGeom prst="roundRect">
+            <a:avLst/>
+          </a:prstGeom>
+        </p:spPr>
+        <p:style>
+          <a:lnRef idx="1">
+            <a:schemeClr val="accent4"/>
+          </a:lnRef>
+          <a:fillRef idx="2">
+            <a:schemeClr val="accent4"/>
+          </a:fillRef>
+          <a:effectRef idx="1">
+            <a:schemeClr val="accent4"/>
+          </a:effectRef>
+          <a:fontRef idx="minor">
+            <a:schemeClr val="dk1"/>
+          </a:fontRef>
+        </p:style>
+        <p:txBody>
+          <a:bodyPr rtlCol="0" anchor="ctr"/>
+          <a:lstStyle/>
+          <a:p>
+            <a:pPr algn="ctr"/>
+            <a:r>
+              <a:rPr lang="en-US" dirty="0" smtClean="0"/>
+              <a:t>CMSIS</a:t>
+            </a:r>
+            <a:endParaRPr lang="fr-FR" dirty="0"/>
+          </a:p>
+        </p:txBody>
+      </p:sp>
+      <p:sp>
+        <p:nvSpPr>
+          <p:cNvPr id="39" name="Rectangle : coins arrondis 8"/>
+          <p:cNvSpPr/>
+          <p:nvPr/>
+        </p:nvSpPr>
+        <p:spPr>
+          <a:xfrm>
+            <a:off x="4427341" y="730940"/>
+            <a:ext cx="1401959" cy="643233"/>
+          </a:xfrm>
+          <a:prstGeom prst="roundRect">
+            <a:avLst/>
+          </a:prstGeom>
+        </p:spPr>
+        <p:style>
+          <a:lnRef idx="1">
+            <a:schemeClr val="accent4"/>
+          </a:lnRef>
+          <a:fillRef idx="2">
+            <a:schemeClr val="accent4"/>
+          </a:fillRef>
+          <a:effectRef idx="1">
+            <a:schemeClr val="accent4"/>
+          </a:effectRef>
+          <a:fontRef idx="minor">
+            <a:schemeClr val="dk1"/>
+          </a:fontRef>
+        </p:style>
+        <p:txBody>
+          <a:bodyPr rtlCol="0" anchor="ctr"/>
+          <a:lstStyle/>
+          <a:p>
+            <a:pPr algn="ctr"/>
+            <a:r>
+              <a:rPr lang="en-US" dirty="0" err="1"/>
+              <a:t>b</a:t>
+            </a:r>
+            <a:r>
+              <a:rPr lang="en-US" dirty="0" err="1" smtClean="0"/>
+              <a:t>uffer_tools</a:t>
+            </a:r>
+            <a:endParaRPr lang="fr-FR" dirty="0"/>
+          </a:p>
+        </p:txBody>
+      </p:sp>
+      <p:sp>
+        <p:nvSpPr>
+          <p:cNvPr id="40" name="Rectangle : coins arrondis 35"/>
+          <p:cNvSpPr/>
+          <p:nvPr/>
+        </p:nvSpPr>
+        <p:spPr>
+          <a:xfrm>
+            <a:off x="2340516" y="5512521"/>
+            <a:ext cx="3488784" cy="503463"/>
+          </a:xfrm>
+          <a:prstGeom prst="roundRect">
+            <a:avLst/>
+          </a:prstGeom>
+        </p:spPr>
+        <p:style>
+          <a:lnRef idx="1">
+            <a:schemeClr val="accent4"/>
+          </a:lnRef>
+          <a:fillRef idx="2">
+            <a:schemeClr val="accent4"/>
+          </a:fillRef>
+          <a:effectRef idx="1">
+            <a:schemeClr val="accent4"/>
+          </a:effectRef>
+          <a:fontRef idx="minor">
+            <a:schemeClr val="dk1"/>
+          </a:fontRef>
+        </p:style>
+        <p:txBody>
+          <a:bodyPr rtlCol="0" anchor="ctr"/>
+          <a:lstStyle/>
+          <a:p>
+            <a:pPr algn="ctr"/>
+            <a:r>
+              <a:rPr lang="en-US" dirty="0" smtClean="0"/>
+              <a:t>RemoteControl.cpp</a:t>
+            </a:r>
+            <a:endParaRPr lang="fr-FR" dirty="0"/>
+          </a:p>
+        </p:txBody>
+      </p:sp>
+      <p:sp>
+        <p:nvSpPr>
+          <p:cNvPr id="43" name="Rectangle : coins arrondis 8"/>
+          <p:cNvSpPr/>
+          <p:nvPr/>
+        </p:nvSpPr>
+        <p:spPr>
+          <a:xfrm>
+            <a:off x="2342491" y="2584639"/>
+            <a:ext cx="5543518" cy="279211"/>
+          </a:xfrm>
+          <a:prstGeom prst="roundRect">
+            <a:avLst/>
+          </a:prstGeom>
+        </p:spPr>
+        <p:style>
+          <a:lnRef idx="1">
+            <a:schemeClr val="accent4"/>
+          </a:lnRef>
+          <a:fillRef idx="2">
+            <a:schemeClr val="accent4"/>
+          </a:fillRef>
+          <a:effectRef idx="1">
+            <a:schemeClr val="accent4"/>
+          </a:effectRef>
+          <a:fontRef idx="minor">
+            <a:schemeClr val="dk1"/>
+          </a:fontRef>
+        </p:style>
+        <p:txBody>
+          <a:bodyPr rtlCol="0" anchor="ctr"/>
+          <a:lstStyle/>
+          <a:p>
+            <a:pPr algn="ctr"/>
+            <a:r>
+              <a:rPr lang="en-US" dirty="0" err="1" smtClean="0"/>
+              <a:t>hdlc.c</a:t>
+            </a:r>
+            <a:endParaRPr lang="fr-FR" dirty="0"/>
+          </a:p>
+        </p:txBody>
+      </p:sp>
+      <p:sp>
+        <p:nvSpPr>
+          <p:cNvPr id="44" name="Rectangle : coins arrondis 8"/>
+          <p:cNvSpPr/>
+          <p:nvPr/>
+        </p:nvSpPr>
+        <p:spPr>
+          <a:xfrm>
+            <a:off x="5943600" y="2919599"/>
+            <a:ext cx="1942409" cy="250944"/>
+          </a:xfrm>
+          <a:prstGeom prst="roundRect">
+            <a:avLst/>
+          </a:prstGeom>
+        </p:spPr>
+        <p:style>
+          <a:lnRef idx="1">
+            <a:schemeClr val="accent4"/>
+          </a:lnRef>
+          <a:fillRef idx="2">
+            <a:schemeClr val="accent4"/>
+          </a:fillRef>
+          <a:effectRef idx="1">
+            <a:schemeClr val="accent4"/>
+          </a:effectRef>
+          <a:fontRef idx="minor">
+            <a:schemeClr val="dk1"/>
+          </a:fontRef>
+        </p:style>
+        <p:txBody>
+          <a:bodyPr rtlCol="0" anchor="ctr"/>
+          <a:lstStyle/>
+          <a:p>
+            <a:pPr algn="ctr"/>
+            <a:r>
+              <a:rPr lang="en-US" dirty="0" smtClean="0"/>
+              <a:t>python4ardHdlc.c</a:t>
+            </a:r>
+            <a:endParaRPr lang="fr-FR" dirty="0"/>
+          </a:p>
+        </p:txBody>
+      </p:sp>
+      <p:sp>
+        <p:nvSpPr>
+          <p:cNvPr id="45" name="Rectangle : coins arrondis 26"/>
+          <p:cNvSpPr/>
+          <p:nvPr/>
+        </p:nvSpPr>
+        <p:spPr>
+          <a:xfrm>
+            <a:off x="5943600" y="745501"/>
+            <a:ext cx="1942409" cy="643233"/>
+          </a:xfrm>
+          <a:prstGeom prst="roundRect">
+            <a:avLst/>
+          </a:prstGeom>
+        </p:spPr>
+        <p:style>
+          <a:lnRef idx="1">
+            <a:schemeClr val="accent2"/>
+          </a:lnRef>
+          <a:fillRef idx="2">
+            <a:schemeClr val="accent2"/>
+          </a:fillRef>
+          <a:effectRef idx="1">
+            <a:schemeClr val="accent2"/>
+          </a:effectRef>
+          <a:fontRef idx="minor">
+            <a:schemeClr val="dk1"/>
+          </a:fontRef>
+        </p:style>
+        <p:txBody>
+          <a:bodyPr rtlCol="0" anchor="ctr"/>
+          <a:lstStyle/>
+          <a:p>
+            <a:pPr algn="ctr"/>
+            <a:r>
+              <a:rPr lang="en-US" dirty="0" err="1" smtClean="0"/>
+              <a:t>QSerialPort</a:t>
+            </a:r>
+            <a:r>
+              <a:rPr lang="en-US" dirty="0" smtClean="0"/>
+              <a:t> (QT)</a:t>
+            </a:r>
+            <a:endParaRPr lang="fr-FR" dirty="0"/>
+          </a:p>
+        </p:txBody>
+      </p:sp>
+      <p:sp>
+        <p:nvSpPr>
+          <p:cNvPr id="24" name="Rectangle : coins arrondis 5"/>
+          <p:cNvSpPr/>
+          <p:nvPr/>
+        </p:nvSpPr>
+        <p:spPr>
+          <a:xfrm>
+            <a:off x="2340517" y="4829319"/>
+            <a:ext cx="5543516" cy="276054"/>
+          </a:xfrm>
+          <a:prstGeom prst="roundRect">
+            <a:avLst/>
+          </a:prstGeom>
+        </p:spPr>
+        <p:style>
+          <a:lnRef idx="1">
+            <a:schemeClr val="accent3"/>
+          </a:lnRef>
+          <a:fillRef idx="2">
+            <a:schemeClr val="accent3"/>
+          </a:fillRef>
+          <a:effectRef idx="1">
+            <a:schemeClr val="accent3"/>
+          </a:effectRef>
+          <a:fontRef idx="minor">
+            <a:schemeClr val="dk1"/>
+          </a:fontRef>
+        </p:style>
+        <p:txBody>
+          <a:bodyPr rtlCol="0" anchor="ctr"/>
+          <a:lstStyle/>
+          <a:p>
+            <a:pPr algn="ctr"/>
+            <a:r>
+              <a:rPr lang="en-US" dirty="0" err="1" smtClean="0"/>
+              <a:t>CommonMsg.proto</a:t>
+            </a:r>
+            <a:endParaRPr lang="fr-FR" dirty="0"/>
+          </a:p>
+        </p:txBody>
+      </p:sp>
+      <p:sp>
+        <p:nvSpPr>
+          <p:cNvPr id="26" name="Rectangle : coins arrondis 5"/>
+          <p:cNvSpPr/>
+          <p:nvPr/>
+        </p:nvSpPr>
+        <p:spPr>
+          <a:xfrm>
+            <a:off x="2340516" y="4503469"/>
+            <a:ext cx="5543517" cy="275251"/>
+          </a:xfrm>
+          <a:prstGeom prst="roundRect">
+            <a:avLst/>
+          </a:prstGeom>
+        </p:spPr>
+        <p:style>
+          <a:lnRef idx="1">
+            <a:schemeClr val="accent3"/>
+          </a:lnRef>
+          <a:fillRef idx="2">
+            <a:schemeClr val="accent3"/>
+          </a:fillRef>
+          <a:effectRef idx="1">
+            <a:schemeClr val="accent3"/>
+          </a:effectRef>
+          <a:fontRef idx="minor">
+            <a:schemeClr val="dk1"/>
+          </a:fontRef>
+        </p:style>
+        <p:txBody>
+          <a:bodyPr rtlCol="0" anchor="ctr"/>
+          <a:lstStyle/>
+          <a:p>
+            <a:pPr algn="ctr"/>
+            <a:r>
+              <a:rPr lang="en-US" dirty="0" err="1" smtClean="0"/>
+              <a:t>Types.proto</a:t>
+            </a:r>
+            <a:endParaRPr lang="fr-FR" dirty="0"/>
+          </a:p>
+        </p:txBody>
+      </p:sp>
+      <p:sp>
+        <p:nvSpPr>
+          <p:cNvPr id="28" name="Rectangle : coins arrondis 5"/>
+          <p:cNvSpPr/>
+          <p:nvPr/>
+        </p:nvSpPr>
+        <p:spPr>
+          <a:xfrm>
+            <a:off x="2340517" y="5160095"/>
+            <a:ext cx="5543516" cy="279387"/>
+          </a:xfrm>
+          <a:prstGeom prst="roundRect">
+            <a:avLst/>
+          </a:prstGeom>
+        </p:spPr>
+        <p:style>
+          <a:lnRef idx="1">
+            <a:schemeClr val="accent3"/>
+          </a:lnRef>
+          <a:fillRef idx="2">
+            <a:schemeClr val="accent3"/>
+          </a:fillRef>
+          <a:effectRef idx="1">
+            <a:schemeClr val="accent3"/>
+          </a:effectRef>
+          <a:fontRef idx="minor">
+            <a:schemeClr val="dk1"/>
+          </a:fontRef>
+        </p:style>
+        <p:txBody>
+          <a:bodyPr rtlCol="0" anchor="ctr"/>
+          <a:lstStyle/>
+          <a:p>
+            <a:pPr algn="ctr"/>
+            <a:r>
+              <a:rPr lang="en-US" dirty="0" err="1" smtClean="0"/>
+              <a:t>RemoteControl.proto</a:t>
+            </a:r>
+            <a:endParaRPr lang="fr-FR" dirty="0"/>
+          </a:p>
+        </p:txBody>
+      </p:sp>
+      <p:cxnSp>
+        <p:nvCxnSpPr>
+          <p:cNvPr id="29" name="Connecteur droit 28"/>
+          <p:cNvCxnSpPr/>
+          <p:nvPr/>
+        </p:nvCxnSpPr>
+        <p:spPr>
+          <a:xfrm>
+            <a:off x="1491392" y="4527"/>
+            <a:ext cx="21720" cy="2870475"/>
+          </a:xfrm>
+          <a:prstGeom prst="line">
+            <a:avLst/>
+          </a:prstGeom>
+          <a:ln>
+            <a:prstDash val="sysDot"/>
+          </a:ln>
+        </p:spPr>
+        <p:style>
+          <a:lnRef idx="3">
+            <a:schemeClr val="dk1"/>
+          </a:lnRef>
+          <a:fillRef idx="0">
+            <a:schemeClr val="dk1"/>
+          </a:fillRef>
+          <a:effectRef idx="2">
+            <a:schemeClr val="dk1"/>
+          </a:effectRef>
+          <a:fontRef idx="minor">
+            <a:schemeClr val="tx1"/>
+          </a:fontRef>
+        </p:style>
+      </p:cxnSp>
+      <p:cxnSp>
+        <p:nvCxnSpPr>
+          <p:cNvPr id="30" name="Connecteur droit 29"/>
+          <p:cNvCxnSpPr/>
+          <p:nvPr/>
+        </p:nvCxnSpPr>
+        <p:spPr>
+          <a:xfrm flipH="1">
+            <a:off x="0" y="2866295"/>
+            <a:ext cx="1516793" cy="8707"/>
+          </a:xfrm>
+          <a:prstGeom prst="line">
+            <a:avLst/>
+          </a:prstGeom>
+          <a:ln>
+            <a:prstDash val="sysDot"/>
+          </a:ln>
+        </p:spPr>
+        <p:style>
+          <a:lnRef idx="3">
+            <a:schemeClr val="dk1"/>
+          </a:lnRef>
+          <a:fillRef idx="0">
+            <a:schemeClr val="dk1"/>
+          </a:fillRef>
+          <a:effectRef idx="2">
+            <a:schemeClr val="dk1"/>
+          </a:effectRef>
+          <a:fontRef idx="minor">
+            <a:schemeClr val="tx1"/>
+          </a:fontRef>
+        </p:style>
+      </p:cxnSp>
+      <p:sp>
+        <p:nvSpPr>
+          <p:cNvPr id="2" name="ZoneTexte 1"/>
+          <p:cNvSpPr txBox="1"/>
+          <p:nvPr/>
+        </p:nvSpPr>
+        <p:spPr>
+          <a:xfrm>
+            <a:off x="5880494" y="3450444"/>
+            <a:ext cx="2003539" cy="461665"/>
+          </a:xfrm>
+          <a:prstGeom prst="rect">
+            <a:avLst/>
+          </a:prstGeom>
+          <a:noFill/>
+        </p:spPr>
+        <p:txBody>
+          <a:bodyPr wrap="square" rtlCol="0">
+            <a:spAutoFit/>
+          </a:bodyPr>
+          <a:lstStyle/>
+          <a:p>
+            <a:r>
+              <a:rPr lang="en-US" sz="800" dirty="0" smtClean="0"/>
+              <a:t>The equivalent of </a:t>
+            </a:r>
+            <a:r>
+              <a:rPr lang="en-US" sz="800" dirty="0" err="1" smtClean="0"/>
+              <a:t>ComOnUart</a:t>
+            </a:r>
+            <a:r>
+              <a:rPr lang="en-US" sz="800" dirty="0" smtClean="0"/>
+              <a:t> is missing on python side for laziness. It’s included into RemoteControl.py</a:t>
+            </a:r>
+            <a:endParaRPr lang="fr-FR" sz="800" dirty="0"/>
+          </a:p>
+        </p:txBody>
+      </p:sp>
+    </p:spTree>
+    <p:extLst>
+      <p:ext uri="{BB962C8B-B14F-4D97-AF65-F5344CB8AC3E}">
+        <p14:creationId xmlns:p14="http://schemas.microsoft.com/office/powerpoint/2010/main" val="749329705"/>
+      </p:ext>
+    </p:extLst>
+  </p:cSld>
+  <p:clrMapOvr>
+    <a:masterClrMapping/>
+  </p:clrMapOvr>
+</p:sld>
+</file>
+
+<file path=ppt/slides/slide4.xml><?xml version="1.0" encoding="utf-8"?>
+<p:sld xmlns:a="http://schemas.openxmlformats.org/drawingml/2006/main" xmlns:r="http://schemas.openxmlformats.org/officeDocument/2006/relationships" xmlns:p="http://schemas.openxmlformats.org/presentationml/2006/main">
+  <p:cSld>
+    <p:spTree>
+      <p:nvGrpSpPr>
+        <p:cNvPr id="1" name=""/>
+        <p:cNvGrpSpPr/>
+        <p:nvPr/>
+      </p:nvGrpSpPr>
+      <p:grpSpPr>
+        <a:xfrm>
+          <a:off x="0" y="0"/>
+          <a:ext cx="0" cy="0"/>
+          <a:chOff x="0" y="0"/>
+          <a:chExt cx="0" cy="0"/>
+        </a:xfrm>
+      </p:grpSpPr>
+      <p:sp>
+        <p:nvSpPr>
+          <p:cNvPr id="2" name="Titre 1"/>
+          <p:cNvSpPr>
+            <a:spLocks noGrp="1"/>
+          </p:cNvSpPr>
+          <p:nvPr>
+            <p:ph type="title"/>
+          </p:nvPr>
+        </p:nvSpPr>
+        <p:spPr/>
+        <p:txBody>
+          <a:bodyPr/>
+          <a:lstStyle/>
+          <a:p>
+            <a:r>
+              <a:rPr lang="en-US" dirty="0" smtClean="0"/>
+              <a:t>Interrupts / Threading</a:t>
+            </a:r>
+            <a:endParaRPr lang="fr-FR" dirty="0"/>
+          </a:p>
+        </p:txBody>
+      </p:sp>
+      <p:graphicFrame>
+        <p:nvGraphicFramePr>
+          <p:cNvPr id="7" name="Tableau 6"/>
+          <p:cNvGraphicFramePr>
+            <a:graphicFrameLocks noGrp="1"/>
+          </p:cNvGraphicFramePr>
+          <p:nvPr>
+            <p:extLst>
+              <p:ext uri="{D42A27DB-BD31-4B8C-83A1-F6EECF244321}">
+                <p14:modId xmlns:p14="http://schemas.microsoft.com/office/powerpoint/2010/main" val="2948931409"/>
+              </p:ext>
+            </p:extLst>
+          </p:nvPr>
+        </p:nvGraphicFramePr>
+        <p:xfrm>
+          <a:off x="977900" y="2463799"/>
+          <a:ext cx="10541000" cy="3636054"/>
+        </p:xfrm>
+        <a:graphic>
+          <a:graphicData uri="http://schemas.openxmlformats.org/drawingml/2006/table">
+            <a:tbl>
+              <a:tblPr firstRow="1" bandRow="1">
+                <a:tableStyleId>{69C7853C-536D-4A76-A0AE-DD22124D55A5}</a:tableStyleId>
+              </a:tblPr>
+              <a:tblGrid>
+                <a:gridCol w="1311553"/>
+                <a:gridCol w="2301597"/>
+                <a:gridCol w="2178050"/>
+                <a:gridCol w="4749800"/>
+              </a:tblGrid>
+              <a:tr h="251085">
+                <a:tc>
+                  <a:txBody>
+                    <a:bodyPr/>
+                    <a:lstStyle/>
+                    <a:p>
+                      <a:r>
+                        <a:rPr lang="en-US" sz="1100" dirty="0" smtClean="0"/>
+                        <a:t>Type</a:t>
+                      </a:r>
+                      <a:endParaRPr lang="fr-FR" sz="1100" dirty="0"/>
+                    </a:p>
+                  </a:txBody>
+                  <a:tcPr/>
+                </a:tc>
+                <a:tc>
+                  <a:txBody>
+                    <a:bodyPr/>
+                    <a:lstStyle/>
+                    <a:p>
+                      <a:r>
+                        <a:rPr lang="en-US" sz="1100" dirty="0" smtClean="0"/>
+                        <a:t>Function</a:t>
+                      </a:r>
+                      <a:endParaRPr lang="fr-FR" sz="1100" dirty="0"/>
+                    </a:p>
+                  </a:txBody>
+                  <a:tcPr/>
+                </a:tc>
+                <a:tc>
+                  <a:txBody>
+                    <a:bodyPr/>
+                    <a:lstStyle/>
+                    <a:p>
+                      <a:r>
+                        <a:rPr lang="en-US" sz="1100" dirty="0" err="1" smtClean="0"/>
+                        <a:t>Occurence</a:t>
+                      </a:r>
+                      <a:endParaRPr lang="fr-FR" sz="1100" dirty="0"/>
+                    </a:p>
+                  </a:txBody>
+                  <a:tcPr/>
+                </a:tc>
+                <a:tc>
+                  <a:txBody>
+                    <a:bodyPr/>
+                    <a:lstStyle/>
+                    <a:p>
+                      <a:r>
+                        <a:rPr lang="en-US" sz="1100" dirty="0" smtClean="0"/>
+                        <a:t>Content</a:t>
+                      </a:r>
+                      <a:endParaRPr lang="fr-FR" sz="1100" dirty="0"/>
+                    </a:p>
+                  </a:txBody>
+                  <a:tcPr/>
+                </a:tc>
+              </a:tr>
+              <a:tr h="251085">
+                <a:tc>
+                  <a:txBody>
+                    <a:bodyPr/>
+                    <a:lstStyle/>
+                    <a:p>
+                      <a:r>
+                        <a:rPr lang="en-US" sz="1100" dirty="0" smtClean="0"/>
+                        <a:t>IT</a:t>
+                      </a:r>
+                      <a:endParaRPr lang="fr-FR" sz="1100" dirty="0"/>
+                    </a:p>
+                  </a:txBody>
+                  <a:tcPr/>
+                </a:tc>
+                <a:tc>
+                  <a:txBody>
+                    <a:bodyPr/>
+                    <a:lstStyle/>
+                    <a:p>
+                      <a:r>
+                        <a:rPr lang="fr-FR" sz="1100" dirty="0" err="1" smtClean="0"/>
+                        <a:t>veryFast_interrupt</a:t>
+                      </a:r>
+                      <a:endParaRPr lang="fr-FR" sz="1100" dirty="0"/>
+                    </a:p>
+                  </a:txBody>
+                  <a:tcPr/>
+                </a:tc>
+                <a:tc>
+                  <a:txBody>
+                    <a:bodyPr/>
+                    <a:lstStyle/>
+                    <a:p>
+                      <a:r>
+                        <a:rPr lang="en-US" sz="1100" dirty="0" smtClean="0"/>
+                        <a:t>Period :</a:t>
+                      </a:r>
+                      <a:r>
+                        <a:rPr lang="en-US" sz="1100" baseline="0" dirty="0" smtClean="0"/>
+                        <a:t> 50 u</a:t>
+                      </a:r>
+                      <a:r>
+                        <a:rPr lang="en-US" sz="1100" dirty="0" smtClean="0"/>
+                        <a:t>s</a:t>
+                      </a:r>
+                      <a:endParaRPr lang="fr-FR" sz="1100" dirty="0"/>
+                    </a:p>
+                  </a:txBody>
+                  <a:tcPr/>
+                </a:tc>
+                <a:tc>
+                  <a:txBody>
+                    <a:bodyPr/>
+                    <a:lstStyle/>
+                    <a:p>
+                      <a:r>
+                        <a:rPr lang="en-US" sz="1100" dirty="0" smtClean="0"/>
+                        <a:t>Stepper motor commands.</a:t>
+                      </a:r>
+                      <a:endParaRPr lang="fr-FR" sz="1100" dirty="0"/>
+                    </a:p>
+                  </a:txBody>
+                  <a:tcPr/>
+                </a:tc>
+              </a:tr>
+              <a:tr h="251085">
+                <a:tc>
+                  <a:txBody>
+                    <a:bodyPr/>
+                    <a:lstStyle/>
+                    <a:p>
+                      <a:pPr marL="0" marR="0" lvl="0" indent="0" algn="l" defTabSz="914400" rtl="0" eaLnBrk="1" fontAlgn="auto" latinLnBrk="0" hangingPunct="1">
+                        <a:lnSpc>
+                          <a:spcPct val="100000"/>
+                        </a:lnSpc>
+                        <a:spcBef>
+                          <a:spcPts val="0"/>
+                        </a:spcBef>
+                        <a:spcAft>
+                          <a:spcPts val="0"/>
+                        </a:spcAft>
+                        <a:buClrTx/>
+                        <a:buSzTx/>
+                        <a:buFontTx/>
+                        <a:buNone/>
+                        <a:tabLst/>
+                        <a:defRPr/>
+                      </a:pPr>
+                      <a:r>
+                        <a:rPr lang="en-US" sz="1100" dirty="0" smtClean="0"/>
+                        <a:t>IT</a:t>
+                      </a:r>
+                      <a:endParaRPr lang="fr-FR" sz="1100" dirty="0" smtClean="0"/>
+                    </a:p>
+                  </a:txBody>
+                  <a:tcPr/>
+                </a:tc>
+                <a:tc>
+                  <a:txBody>
+                    <a:bodyPr/>
+                    <a:lstStyle/>
+                    <a:p>
+                      <a:r>
+                        <a:rPr lang="fr-FR" sz="1100" dirty="0" err="1" smtClean="0"/>
+                        <a:t>fast_interrupt</a:t>
+                      </a:r>
+                      <a:endParaRPr lang="fr-FR" sz="1100" dirty="0"/>
+                    </a:p>
+                  </a:txBody>
+                  <a:tcPr/>
+                </a:tc>
+                <a:tc>
+                  <a:txBody>
+                    <a:bodyPr/>
+                    <a:lstStyle/>
+                    <a:p>
+                      <a:r>
+                        <a:rPr lang="en-US" sz="1100" dirty="0" smtClean="0"/>
+                        <a:t>Period : 1 </a:t>
+                      </a:r>
+                      <a:r>
+                        <a:rPr lang="en-US" sz="1100" dirty="0" err="1" smtClean="0"/>
+                        <a:t>ms</a:t>
+                      </a:r>
+                      <a:endParaRPr lang="fr-FR" sz="1100" dirty="0"/>
+                    </a:p>
+                  </a:txBody>
+                  <a:tcPr/>
+                </a:tc>
+                <a:tc>
+                  <a:txBody>
+                    <a:bodyPr/>
+                    <a:lstStyle/>
+                    <a:p>
+                      <a:r>
+                        <a:rPr lang="en-US" sz="1100" dirty="0" smtClean="0"/>
+                        <a:t>SW GPIO filters.</a:t>
+                      </a:r>
+                      <a:endParaRPr lang="fr-FR" sz="1100" dirty="0"/>
+                    </a:p>
+                  </a:txBody>
+                  <a:tcPr/>
+                </a:tc>
+              </a:tr>
+              <a:tr h="439399">
+                <a:tc>
+                  <a:txBody>
+                    <a:bodyPr/>
+                    <a:lstStyle/>
+                    <a:p>
+                      <a:r>
+                        <a:rPr lang="en-US" sz="1100" dirty="0" smtClean="0"/>
+                        <a:t>IT</a:t>
+                      </a:r>
+                      <a:endParaRPr lang="fr-FR" sz="1100" dirty="0"/>
+                    </a:p>
+                  </a:txBody>
+                  <a:tcPr/>
+                </a:tc>
+                <a:tc>
+                  <a:txBody>
+                    <a:bodyPr/>
+                    <a:lstStyle/>
+                    <a:p>
+                      <a:r>
+                        <a:rPr lang="fr-FR" sz="1100" dirty="0" err="1" smtClean="0"/>
+                        <a:t>ArdUART</a:t>
+                      </a:r>
+                      <a:r>
+                        <a:rPr lang="fr-FR" sz="1100" dirty="0" smtClean="0"/>
+                        <a:t>::</a:t>
+                      </a:r>
+                      <a:r>
+                        <a:rPr lang="fr-FR" sz="1100" dirty="0" err="1" smtClean="0"/>
+                        <a:t>IrqHandler</a:t>
+                      </a:r>
+                      <a:endParaRPr lang="fr-FR" sz="1100" dirty="0"/>
+                    </a:p>
+                  </a:txBody>
+                  <a:tcPr/>
+                </a:tc>
+                <a:tc>
+                  <a:txBody>
+                    <a:bodyPr/>
+                    <a:lstStyle/>
+                    <a:p>
+                      <a:r>
+                        <a:rPr lang="en-US" sz="1100" dirty="0" smtClean="0"/>
+                        <a:t>Every byte sent</a:t>
+                      </a:r>
+                    </a:p>
+                    <a:p>
+                      <a:r>
+                        <a:rPr lang="en-US" sz="1100" dirty="0" smtClean="0"/>
+                        <a:t>Every byte received</a:t>
+                      </a:r>
+                      <a:endParaRPr lang="fr-FR" sz="1100" dirty="0"/>
+                    </a:p>
+                  </a:txBody>
+                  <a:tcPr/>
+                </a:tc>
+                <a:tc>
+                  <a:txBody>
+                    <a:bodyPr/>
+                    <a:lstStyle/>
+                    <a:p>
+                      <a:r>
+                        <a:rPr lang="en-US" sz="1100" dirty="0" smtClean="0"/>
+                        <a:t>Read/Send UART</a:t>
+                      </a:r>
+                      <a:r>
+                        <a:rPr lang="en-US" sz="1100" baseline="0" dirty="0" smtClean="0"/>
+                        <a:t> </a:t>
+                      </a:r>
+                      <a:r>
+                        <a:rPr lang="en-US" sz="1100" dirty="0" smtClean="0"/>
+                        <a:t>data.</a:t>
+                      </a:r>
+                      <a:endParaRPr lang="fr-FR" sz="1100" dirty="0"/>
+                    </a:p>
+                  </a:txBody>
+                  <a:tcPr/>
+                </a:tc>
+              </a:tr>
+              <a:tr h="251085">
+                <a:tc>
+                  <a:txBody>
+                    <a:bodyPr/>
+                    <a:lstStyle/>
+                    <a:p>
+                      <a:r>
+                        <a:rPr lang="en-US" sz="1100" dirty="0" smtClean="0"/>
+                        <a:t>IT</a:t>
+                      </a:r>
+                      <a:endParaRPr lang="fr-FR" sz="1100" dirty="0"/>
+                    </a:p>
+                  </a:txBody>
+                  <a:tcPr/>
+                </a:tc>
+                <a:tc>
+                  <a:txBody>
+                    <a:bodyPr/>
+                    <a:lstStyle/>
+                    <a:p>
+                      <a:r>
+                        <a:rPr lang="fr-FR" sz="1100" kern="1200" dirty="0" err="1" smtClean="0">
+                          <a:solidFill>
+                            <a:schemeClr val="dk1"/>
+                          </a:solidFill>
+                          <a:latin typeface="+mn-lt"/>
+                          <a:ea typeface="+mn-ea"/>
+                          <a:cs typeface="+mn-cs"/>
+                        </a:rPr>
+                        <a:t>Servo_Handler</a:t>
+                      </a:r>
+                      <a:endParaRPr lang="fr-FR" sz="1100" dirty="0"/>
+                    </a:p>
+                  </a:txBody>
+                  <a:tcPr/>
+                </a:tc>
+                <a:tc>
+                  <a:txBody>
+                    <a:bodyPr/>
+                    <a:lstStyle/>
+                    <a:p>
+                      <a:r>
+                        <a:rPr lang="en-US" sz="1100" dirty="0" smtClean="0">
+                          <a:solidFill>
+                            <a:srgbClr val="FF0000"/>
+                          </a:solidFill>
+                        </a:rPr>
+                        <a:t>Period : 1</a:t>
+                      </a:r>
+                      <a:r>
+                        <a:rPr lang="en-US" sz="1100" baseline="0" dirty="0" smtClean="0">
+                          <a:solidFill>
+                            <a:srgbClr val="FF0000"/>
+                          </a:solidFill>
+                        </a:rPr>
+                        <a:t> </a:t>
+                      </a:r>
+                      <a:r>
+                        <a:rPr lang="en-US" sz="1100" baseline="0" dirty="0" err="1" smtClean="0">
+                          <a:solidFill>
+                            <a:srgbClr val="FF0000"/>
+                          </a:solidFill>
+                        </a:rPr>
+                        <a:t>ms</a:t>
+                      </a:r>
+                      <a:endParaRPr lang="fr-FR" sz="1100" dirty="0">
+                        <a:solidFill>
+                          <a:srgbClr val="FF0000"/>
+                        </a:solidFill>
+                      </a:endParaRPr>
+                    </a:p>
+                  </a:txBody>
+                  <a:tcPr/>
+                </a:tc>
+                <a:tc>
+                  <a:txBody>
+                    <a:bodyPr/>
+                    <a:lstStyle/>
+                    <a:p>
+                      <a:r>
+                        <a:rPr lang="en-US" sz="1100" dirty="0" smtClean="0"/>
+                        <a:t>Servo commands.</a:t>
+                      </a:r>
+                      <a:endParaRPr lang="fr-FR" sz="1100" dirty="0"/>
+                    </a:p>
+                  </a:txBody>
+                  <a:tcPr/>
+                </a:tc>
+              </a:tr>
+              <a:tr h="251085">
+                <a:tc>
+                  <a:txBody>
+                    <a:bodyPr/>
+                    <a:lstStyle/>
+                    <a:p>
+                      <a:pPr marL="0" marR="0" lvl="0" indent="0" algn="l" defTabSz="914400" rtl="0" eaLnBrk="1" fontAlgn="auto" latinLnBrk="0" hangingPunct="1">
+                        <a:lnSpc>
+                          <a:spcPct val="100000"/>
+                        </a:lnSpc>
+                        <a:spcBef>
+                          <a:spcPts val="0"/>
+                        </a:spcBef>
+                        <a:spcAft>
+                          <a:spcPts val="0"/>
+                        </a:spcAft>
+                        <a:buClrTx/>
+                        <a:buSzTx/>
+                        <a:buFontTx/>
+                        <a:buNone/>
+                        <a:tabLst/>
+                        <a:defRPr/>
+                      </a:pPr>
+                      <a:r>
+                        <a:rPr lang="en-US" sz="1100" dirty="0" smtClean="0"/>
+                        <a:t>IT</a:t>
+                      </a:r>
+                      <a:endParaRPr lang="fr-FR" sz="1100" dirty="0" smtClean="0"/>
+                    </a:p>
+                  </a:txBody>
+                  <a:tcPr/>
+                </a:tc>
+                <a:tc>
+                  <a:txBody>
+                    <a:bodyPr/>
+                    <a:lstStyle/>
+                    <a:p>
+                      <a:r>
+                        <a:rPr lang="fr-FR" sz="1100" kern="1200" dirty="0" err="1" smtClean="0">
+                          <a:solidFill>
+                            <a:schemeClr val="dk1"/>
+                          </a:solidFill>
+                          <a:latin typeface="+mn-lt"/>
+                          <a:ea typeface="+mn-ea"/>
+                          <a:cs typeface="+mn-cs"/>
+                        </a:rPr>
+                        <a:t>TwoWire</a:t>
+                      </a:r>
+                      <a:r>
+                        <a:rPr lang="fr-FR" sz="1100" kern="1200" dirty="0" smtClean="0">
+                          <a:solidFill>
+                            <a:schemeClr val="dk1"/>
+                          </a:solidFill>
+                          <a:latin typeface="+mn-lt"/>
+                          <a:ea typeface="+mn-ea"/>
+                          <a:cs typeface="+mn-cs"/>
+                        </a:rPr>
+                        <a:t>::</a:t>
+                      </a:r>
+                      <a:r>
+                        <a:rPr lang="fr-FR" sz="1100" kern="1200" dirty="0" err="1" smtClean="0">
+                          <a:solidFill>
+                            <a:schemeClr val="dk1"/>
+                          </a:solidFill>
+                          <a:latin typeface="+mn-lt"/>
+                          <a:ea typeface="+mn-ea"/>
+                          <a:cs typeface="+mn-cs"/>
+                        </a:rPr>
+                        <a:t>onService</a:t>
+                      </a:r>
+                      <a:endParaRPr lang="fr-FR" sz="1100" dirty="0"/>
+                    </a:p>
+                  </a:txBody>
+                  <a:tcPr/>
+                </a:tc>
+                <a:tc>
+                  <a:txBody>
+                    <a:bodyPr/>
+                    <a:lstStyle/>
+                    <a:p>
+                      <a:r>
+                        <a:rPr lang="en-US" sz="1100" dirty="0" smtClean="0"/>
+                        <a:t>I2C</a:t>
+                      </a:r>
+                      <a:r>
+                        <a:rPr lang="en-US" sz="1100" baseline="0" dirty="0" smtClean="0"/>
+                        <a:t> event</a:t>
+                      </a:r>
+                      <a:endParaRPr lang="fr-FR" sz="1100" dirty="0"/>
+                    </a:p>
+                  </a:txBody>
+                  <a:tcPr/>
+                </a:tc>
+                <a:tc>
+                  <a:txBody>
+                    <a:bodyPr/>
+                    <a:lstStyle/>
+                    <a:p>
+                      <a:r>
+                        <a:rPr lang="en-US" sz="1100" dirty="0" smtClean="0"/>
+                        <a:t>Read/Send I2C data.</a:t>
+                      </a:r>
+                      <a:endParaRPr lang="fr-FR" sz="1100" dirty="0"/>
+                    </a:p>
+                  </a:txBody>
+                  <a:tcPr/>
+                </a:tc>
+              </a:tr>
+              <a:tr h="290852">
+                <a:tc>
+                  <a:txBody>
+                    <a:bodyPr/>
+                    <a:lstStyle/>
+                    <a:p>
+                      <a:pPr marL="0" marR="0" lvl="0" indent="0" algn="l" defTabSz="914400" rtl="0" eaLnBrk="1" fontAlgn="auto" latinLnBrk="0" hangingPunct="1">
+                        <a:lnSpc>
+                          <a:spcPct val="100000"/>
+                        </a:lnSpc>
+                        <a:spcBef>
+                          <a:spcPts val="0"/>
+                        </a:spcBef>
+                        <a:spcAft>
+                          <a:spcPts val="0"/>
+                        </a:spcAft>
+                        <a:buClrTx/>
+                        <a:buSzTx/>
+                        <a:buFontTx/>
+                        <a:buNone/>
+                        <a:tabLst/>
+                        <a:defRPr/>
+                      </a:pPr>
+                      <a:r>
+                        <a:rPr lang="en-US" sz="1100" dirty="0" smtClean="0"/>
+                        <a:t>Thread</a:t>
+                      </a:r>
+                      <a:endParaRPr lang="fr-FR" sz="1100" dirty="0" smtClean="0"/>
+                    </a:p>
+                  </a:txBody>
+                  <a:tcPr/>
+                </a:tc>
+                <a:tc>
+                  <a:txBody>
+                    <a:bodyPr/>
+                    <a:lstStyle/>
+                    <a:p>
+                      <a:r>
+                        <a:rPr lang="fr-FR" sz="1100" dirty="0" err="1" smtClean="0"/>
+                        <a:t>prvIdleTask</a:t>
+                      </a:r>
+                      <a:endParaRPr lang="fr-FR" sz="1100" dirty="0"/>
+                    </a:p>
+                  </a:txBody>
+                  <a:tcPr/>
+                </a:tc>
+                <a:tc>
+                  <a:txBody>
+                    <a:bodyPr/>
+                    <a:lstStyle/>
+                    <a:p>
+                      <a:r>
+                        <a:rPr lang="en-US" sz="1100" dirty="0" smtClean="0"/>
+                        <a:t>When no other</a:t>
+                      </a:r>
+                      <a:r>
+                        <a:rPr lang="en-US" sz="1100" baseline="0" dirty="0" smtClean="0"/>
+                        <a:t> thread is running</a:t>
+                      </a:r>
+                      <a:endParaRPr lang="fr-FR" sz="1100" dirty="0"/>
+                    </a:p>
+                  </a:txBody>
+                  <a:tcPr/>
+                </a:tc>
+                <a:tc>
+                  <a:txBody>
+                    <a:bodyPr/>
+                    <a:lstStyle/>
+                    <a:p>
+                      <a:r>
+                        <a:rPr lang="en-US" sz="1100" dirty="0" smtClean="0"/>
+                        <a:t>“Empty”.</a:t>
+                      </a:r>
+                      <a:endParaRPr lang="fr-FR" sz="1100" dirty="0"/>
+                    </a:p>
+                  </a:txBody>
+                  <a:tcPr/>
+                </a:tc>
+              </a:tr>
+              <a:tr h="315003">
+                <a:tc>
+                  <a:txBody>
+                    <a:bodyPr/>
+                    <a:lstStyle/>
+                    <a:p>
+                      <a:r>
+                        <a:rPr lang="en-US" sz="1100" dirty="0" smtClean="0"/>
+                        <a:t>Thread</a:t>
+                      </a:r>
+                      <a:endParaRPr lang="fr-FR" sz="1100" dirty="0"/>
+                    </a:p>
+                  </a:txBody>
+                  <a:tcPr/>
+                </a:tc>
+                <a:tc>
+                  <a:txBody>
+                    <a:bodyPr/>
+                    <a:lstStyle/>
+                    <a:p>
+                      <a:pPr marL="0" marR="0" lvl="0" indent="0" algn="l" defTabSz="914400" rtl="0" eaLnBrk="1" fontAlgn="auto" latinLnBrk="0" hangingPunct="1">
+                        <a:lnSpc>
+                          <a:spcPct val="100000"/>
+                        </a:lnSpc>
+                        <a:spcBef>
+                          <a:spcPts val="0"/>
+                        </a:spcBef>
+                        <a:spcAft>
+                          <a:spcPts val="0"/>
+                        </a:spcAft>
+                        <a:buClrTx/>
+                        <a:buSzTx/>
+                        <a:buFontTx/>
+                        <a:buNone/>
+                        <a:tabLst/>
+                        <a:defRPr/>
+                      </a:pPr>
+                      <a:r>
+                        <a:rPr lang="fr-FR" sz="1100" dirty="0" err="1" smtClean="0"/>
+                        <a:t>ComOnUart</a:t>
+                      </a:r>
+                      <a:r>
+                        <a:rPr lang="fr-FR" sz="1100" dirty="0" smtClean="0"/>
+                        <a:t>::</a:t>
+                      </a:r>
+                      <a:r>
+                        <a:rPr lang="fr-FR" sz="1100" dirty="0" err="1" smtClean="0"/>
+                        <a:t>Receiver</a:t>
+                      </a:r>
+                      <a:r>
+                        <a:rPr lang="fr-FR" sz="1100" dirty="0" smtClean="0"/>
+                        <a:t>::</a:t>
+                      </a:r>
+                      <a:r>
+                        <a:rPr lang="fr-FR" sz="1100" dirty="0" err="1" smtClean="0"/>
+                        <a:t>run</a:t>
+                      </a:r>
+                      <a:endParaRPr lang="fr-FR" sz="1100" dirty="0" smtClean="0"/>
+                    </a:p>
+                  </a:txBody>
+                  <a:tcPr/>
+                </a:tc>
+                <a:tc>
+                  <a:txBody>
+                    <a:bodyPr/>
+                    <a:lstStyle/>
+                    <a:p>
+                      <a:r>
+                        <a:rPr lang="en-US" sz="1100" dirty="0" smtClean="0"/>
+                        <a:t>Episodic</a:t>
+                      </a:r>
+                      <a:endParaRPr lang="fr-FR" sz="1100" dirty="0"/>
+                    </a:p>
+                  </a:txBody>
+                  <a:tcPr/>
+                </a:tc>
+                <a:tc>
+                  <a:txBody>
+                    <a:bodyPr/>
+                    <a:lstStyle/>
+                    <a:p>
+                      <a:pPr marL="0" marR="0" lvl="0" indent="0" algn="l" defTabSz="914400" rtl="0" eaLnBrk="1" fontAlgn="auto" latinLnBrk="0" hangingPunct="1">
+                        <a:lnSpc>
+                          <a:spcPct val="100000"/>
+                        </a:lnSpc>
+                        <a:spcBef>
+                          <a:spcPts val="0"/>
+                        </a:spcBef>
+                        <a:spcAft>
+                          <a:spcPts val="0"/>
+                        </a:spcAft>
+                        <a:buClrTx/>
+                        <a:buSzTx/>
+                        <a:buFontTx/>
+                        <a:buNone/>
+                        <a:tabLst/>
+                        <a:defRPr/>
+                      </a:pPr>
+                      <a:r>
+                        <a:rPr lang="en-US" sz="1100" dirty="0" smtClean="0"/>
+                        <a:t>Reads what </a:t>
+                      </a:r>
+                      <a:r>
+                        <a:rPr lang="fr-FR" sz="1100" dirty="0" err="1" smtClean="0"/>
+                        <a:t>ArdUART</a:t>
+                      </a:r>
+                      <a:r>
+                        <a:rPr lang="fr-FR" sz="1100" dirty="0" smtClean="0"/>
+                        <a:t>::</a:t>
+                      </a:r>
+                      <a:r>
+                        <a:rPr lang="fr-FR" sz="1100" dirty="0" err="1" smtClean="0"/>
+                        <a:t>IrqHandler</a:t>
+                      </a:r>
+                      <a:r>
+                        <a:rPr lang="fr-FR" sz="1100" dirty="0" smtClean="0"/>
+                        <a:t> has </a:t>
+                      </a:r>
+                      <a:r>
+                        <a:rPr lang="fr-FR" sz="1100" dirty="0" err="1" smtClean="0"/>
+                        <a:t>provided</a:t>
+                      </a:r>
+                      <a:r>
+                        <a:rPr lang="en-US" sz="1100" dirty="0" smtClean="0"/>
+                        <a:t> .</a:t>
+                      </a:r>
+                      <a:endParaRPr lang="fr-FR" sz="1100" dirty="0"/>
+                    </a:p>
+                  </a:txBody>
+                  <a:tcPr/>
+                </a:tc>
+              </a:tr>
+              <a:tr h="251085">
+                <a:tc>
+                  <a:txBody>
+                    <a:bodyPr/>
+                    <a:lstStyle/>
+                    <a:p>
+                      <a:pPr marL="0" marR="0" lvl="0" indent="0" algn="l" defTabSz="914400" rtl="0" eaLnBrk="1" fontAlgn="auto" latinLnBrk="0" hangingPunct="1">
+                        <a:lnSpc>
+                          <a:spcPct val="100000"/>
+                        </a:lnSpc>
+                        <a:spcBef>
+                          <a:spcPts val="0"/>
+                        </a:spcBef>
+                        <a:spcAft>
+                          <a:spcPts val="0"/>
+                        </a:spcAft>
+                        <a:buClrTx/>
+                        <a:buSzTx/>
+                        <a:buFontTx/>
+                        <a:buNone/>
+                        <a:tabLst/>
+                        <a:defRPr/>
+                      </a:pPr>
+                      <a:r>
+                        <a:rPr lang="en-US" sz="1100" dirty="0" smtClean="0"/>
+                        <a:t>Thread</a:t>
+                      </a:r>
+                      <a:endParaRPr lang="fr-FR" sz="1100" dirty="0"/>
+                    </a:p>
+                  </a:txBody>
+                  <a:tcPr/>
+                </a:tc>
+                <a:tc>
+                  <a:txBody>
+                    <a:bodyPr/>
+                    <a:lstStyle/>
+                    <a:p>
+                      <a:pPr marL="0" marR="0" lvl="0" indent="0" algn="l" defTabSz="914400" rtl="0" eaLnBrk="1" fontAlgn="auto" latinLnBrk="0" hangingPunct="1">
+                        <a:lnSpc>
+                          <a:spcPct val="100000"/>
+                        </a:lnSpc>
+                        <a:spcBef>
+                          <a:spcPts val="0"/>
+                        </a:spcBef>
+                        <a:spcAft>
+                          <a:spcPts val="0"/>
+                        </a:spcAft>
+                        <a:buClrTx/>
+                        <a:buSzTx/>
+                        <a:buFontTx/>
+                        <a:buNone/>
+                        <a:tabLst/>
+                        <a:defRPr/>
+                      </a:pPr>
+                      <a:r>
+                        <a:rPr lang="fr-FR" sz="1100" dirty="0" err="1" smtClean="0"/>
+                        <a:t>ComOnUart</a:t>
+                      </a:r>
+                      <a:r>
+                        <a:rPr lang="fr-FR" sz="1100" dirty="0" smtClean="0"/>
+                        <a:t>::Sender::</a:t>
+                      </a:r>
+                      <a:r>
+                        <a:rPr lang="fr-FR" sz="1100" dirty="0" err="1" smtClean="0"/>
+                        <a:t>run</a:t>
+                      </a:r>
+                      <a:endParaRPr lang="fr-FR" sz="1100" dirty="0" smtClean="0"/>
+                    </a:p>
+                  </a:txBody>
+                  <a:tcPr/>
+                </a:tc>
+                <a:tc>
+                  <a:txBody>
+                    <a:bodyPr/>
+                    <a:lstStyle/>
+                    <a:p>
+                      <a:pPr marL="0" marR="0" lvl="0" indent="0" algn="l" defTabSz="914400" rtl="0" eaLnBrk="1" fontAlgn="auto" latinLnBrk="0" hangingPunct="1">
+                        <a:lnSpc>
+                          <a:spcPct val="100000"/>
+                        </a:lnSpc>
+                        <a:spcBef>
+                          <a:spcPts val="0"/>
+                        </a:spcBef>
+                        <a:spcAft>
+                          <a:spcPts val="0"/>
+                        </a:spcAft>
+                        <a:buClrTx/>
+                        <a:buSzTx/>
+                        <a:buFontTx/>
+                        <a:buNone/>
+                        <a:tabLst/>
+                        <a:defRPr/>
+                      </a:pPr>
+                      <a:r>
+                        <a:rPr lang="en-US" sz="1100" dirty="0" smtClean="0"/>
+                        <a:t>Episodic</a:t>
+                      </a:r>
+                      <a:endParaRPr lang="fr-FR" sz="1100" dirty="0" smtClean="0"/>
+                    </a:p>
+                  </a:txBody>
+                  <a:tcPr/>
+                </a:tc>
+                <a:tc>
+                  <a:txBody>
+                    <a:bodyPr/>
+                    <a:lstStyle/>
+                    <a:p>
+                      <a:pPr marL="0" marR="0" lvl="0" indent="0" algn="l" defTabSz="914400" rtl="0" eaLnBrk="1" fontAlgn="auto" latinLnBrk="0" hangingPunct="1">
+                        <a:lnSpc>
+                          <a:spcPct val="100000"/>
+                        </a:lnSpc>
+                        <a:spcBef>
+                          <a:spcPts val="0"/>
+                        </a:spcBef>
+                        <a:spcAft>
+                          <a:spcPts val="0"/>
+                        </a:spcAft>
+                        <a:buClrTx/>
+                        <a:buSzTx/>
+                        <a:buFontTx/>
+                        <a:buNone/>
+                        <a:tabLst/>
+                        <a:defRPr/>
+                      </a:pPr>
+                      <a:r>
+                        <a:rPr lang="en-US" sz="1100" dirty="0" smtClean="0"/>
+                        <a:t>Feeds </a:t>
+                      </a:r>
+                      <a:r>
+                        <a:rPr lang="fr-FR" sz="1100" dirty="0" err="1" smtClean="0"/>
+                        <a:t>ArdUART</a:t>
+                      </a:r>
+                      <a:r>
+                        <a:rPr lang="fr-FR" sz="1100" dirty="0" smtClean="0"/>
+                        <a:t>::</a:t>
+                      </a:r>
+                      <a:r>
+                        <a:rPr lang="fr-FR" sz="1100" dirty="0" err="1" smtClean="0"/>
+                        <a:t>IrqHandler</a:t>
+                      </a:r>
+                      <a:r>
+                        <a:rPr lang="fr-FR" sz="1100" dirty="0" smtClean="0"/>
+                        <a:t>.</a:t>
+                      </a:r>
+                      <a:endParaRPr lang="fr-FR" sz="1100" dirty="0"/>
+                    </a:p>
+                  </a:txBody>
+                  <a:tcPr/>
+                </a:tc>
+              </a:tr>
+              <a:tr h="251085">
+                <a:tc>
+                  <a:txBody>
+                    <a:bodyPr/>
+                    <a:lstStyle/>
+                    <a:p>
+                      <a:pPr marL="0" marR="0" lvl="0" indent="0" algn="l" defTabSz="914400" rtl="0" eaLnBrk="1" fontAlgn="auto" latinLnBrk="0" hangingPunct="1">
+                        <a:lnSpc>
+                          <a:spcPct val="100000"/>
+                        </a:lnSpc>
+                        <a:spcBef>
+                          <a:spcPts val="0"/>
+                        </a:spcBef>
+                        <a:spcAft>
+                          <a:spcPts val="0"/>
+                        </a:spcAft>
+                        <a:buClrTx/>
+                        <a:buSzTx/>
+                        <a:buFontTx/>
+                        <a:buNone/>
+                        <a:tabLst/>
+                        <a:defRPr/>
+                      </a:pPr>
+                      <a:r>
+                        <a:rPr lang="en-US" sz="1100" dirty="0" smtClean="0"/>
+                        <a:t>Thread</a:t>
+                      </a:r>
+                      <a:endParaRPr lang="fr-FR" sz="1100" dirty="0" smtClean="0"/>
+                    </a:p>
+                  </a:txBody>
+                  <a:tcPr/>
+                </a:tc>
+                <a:tc>
+                  <a:txBody>
+                    <a:bodyPr/>
+                    <a:lstStyle/>
+                    <a:p>
+                      <a:r>
+                        <a:rPr lang="fr-FR" sz="1100" dirty="0" err="1" smtClean="0"/>
+                        <a:t>HmiThread</a:t>
+                      </a:r>
+                      <a:r>
+                        <a:rPr lang="fr-FR" sz="1100" dirty="0" smtClean="0"/>
+                        <a:t>::</a:t>
+                      </a:r>
+                      <a:r>
+                        <a:rPr lang="fr-FR" sz="1100" dirty="0" err="1" smtClean="0"/>
+                        <a:t>run</a:t>
+                      </a:r>
+                      <a:endParaRPr lang="fr-FR" sz="1100" dirty="0"/>
+                    </a:p>
+                  </a:txBody>
+                  <a:tcPr/>
+                </a:tc>
+                <a:tc>
+                  <a:txBody>
+                    <a:bodyPr/>
+                    <a:lstStyle/>
+                    <a:p>
+                      <a:r>
+                        <a:rPr lang="en-US" sz="1100" dirty="0" smtClean="0"/>
+                        <a:t>Period : 50 </a:t>
+                      </a:r>
+                      <a:r>
+                        <a:rPr lang="en-US" sz="1100" dirty="0" err="1" smtClean="0"/>
+                        <a:t>ms</a:t>
+                      </a:r>
+                      <a:endParaRPr lang="fr-FR" sz="1100" dirty="0"/>
+                    </a:p>
+                  </a:txBody>
+                  <a:tcPr/>
+                </a:tc>
+                <a:tc>
+                  <a:txBody>
+                    <a:bodyPr/>
+                    <a:lstStyle/>
+                    <a:p>
+                      <a:r>
+                        <a:rPr lang="en-US" sz="1100" dirty="0" smtClean="0"/>
+                        <a:t>LEDs</a:t>
+                      </a:r>
+                      <a:r>
+                        <a:rPr lang="en-US" sz="1100" baseline="0" dirty="0" smtClean="0"/>
+                        <a:t> commands.</a:t>
+                      </a:r>
+                      <a:endParaRPr lang="fr-FR" sz="1100" dirty="0"/>
+                    </a:p>
+                  </a:txBody>
+                  <a:tcPr/>
+                </a:tc>
+              </a:tr>
+              <a:tr h="251085">
+                <a:tc>
+                  <a:txBody>
+                    <a:bodyPr/>
+                    <a:lstStyle/>
+                    <a:p>
+                      <a:pPr marL="0" marR="0" lvl="0" indent="0" algn="l" defTabSz="914400" rtl="0" eaLnBrk="1" fontAlgn="auto" latinLnBrk="0" hangingPunct="1">
+                        <a:lnSpc>
+                          <a:spcPct val="100000"/>
+                        </a:lnSpc>
+                        <a:spcBef>
+                          <a:spcPts val="0"/>
+                        </a:spcBef>
+                        <a:spcAft>
+                          <a:spcPts val="0"/>
+                        </a:spcAft>
+                        <a:buClrTx/>
+                        <a:buSzTx/>
+                        <a:buFontTx/>
+                        <a:buNone/>
+                        <a:tabLst/>
+                        <a:defRPr/>
+                      </a:pPr>
+                      <a:r>
+                        <a:rPr lang="en-US" sz="1100" dirty="0" smtClean="0"/>
+                        <a:t>Thread</a:t>
+                      </a:r>
+                      <a:endParaRPr lang="fr-FR" sz="1100" dirty="0" smtClean="0"/>
+                    </a:p>
+                  </a:txBody>
+                  <a:tcPr/>
+                </a:tc>
+                <a:tc>
+                  <a:txBody>
+                    <a:bodyPr/>
+                    <a:lstStyle/>
+                    <a:p>
+                      <a:r>
+                        <a:rPr lang="fr-FR" sz="1100" dirty="0" err="1" smtClean="0"/>
+                        <a:t>StrategyThread</a:t>
+                      </a:r>
+                      <a:r>
+                        <a:rPr lang="fr-FR" sz="1100" dirty="0" smtClean="0"/>
+                        <a:t>::</a:t>
+                      </a:r>
+                      <a:r>
+                        <a:rPr lang="fr-FR" sz="1100" dirty="0" err="1" smtClean="0"/>
+                        <a:t>run</a:t>
+                      </a:r>
+                      <a:endParaRPr lang="fr-FR" sz="1100" dirty="0"/>
+                    </a:p>
+                  </a:txBody>
+                  <a:tcPr/>
+                </a:tc>
+                <a:tc>
+                  <a:txBody>
+                    <a:bodyPr/>
+                    <a:lstStyle/>
+                    <a:p>
+                      <a:r>
+                        <a:rPr lang="en-US" sz="1100" dirty="0" smtClean="0"/>
+                        <a:t>Episodic</a:t>
+                      </a:r>
+                      <a:endParaRPr lang="fr-FR" sz="1100" dirty="0"/>
+                    </a:p>
+                  </a:txBody>
+                  <a:tcPr/>
+                </a:tc>
+                <a:tc>
+                  <a:txBody>
+                    <a:bodyPr/>
+                    <a:lstStyle/>
+                    <a:p>
+                      <a:r>
+                        <a:rPr lang="en-US" sz="1100" dirty="0" smtClean="0"/>
+                        <a:t>Robot</a:t>
+                      </a:r>
+                      <a:r>
+                        <a:rPr lang="en-US" sz="1100" baseline="0" dirty="0" smtClean="0"/>
+                        <a:t> artificial intelligence</a:t>
+                      </a:r>
+                      <a:endParaRPr lang="fr-FR" sz="1100" dirty="0"/>
+                    </a:p>
+                  </a:txBody>
+                  <a:tcPr/>
+                </a:tc>
+              </a:tr>
+              <a:tr h="251085">
+                <a:tc>
+                  <a:txBody>
+                    <a:bodyPr/>
+                    <a:lstStyle/>
+                    <a:p>
+                      <a:pPr marL="0" marR="0" lvl="0" indent="0" algn="l" defTabSz="914400" rtl="0" eaLnBrk="1" fontAlgn="auto" latinLnBrk="0" hangingPunct="1">
+                        <a:lnSpc>
+                          <a:spcPct val="100000"/>
+                        </a:lnSpc>
+                        <a:spcBef>
+                          <a:spcPts val="0"/>
+                        </a:spcBef>
+                        <a:spcAft>
+                          <a:spcPts val="0"/>
+                        </a:spcAft>
+                        <a:buClrTx/>
+                        <a:buSzTx/>
+                        <a:buFontTx/>
+                        <a:buNone/>
+                        <a:tabLst/>
+                        <a:defRPr/>
+                      </a:pPr>
+                      <a:r>
+                        <a:rPr lang="en-US" sz="1100" dirty="0" smtClean="0"/>
+                        <a:t>Thread</a:t>
+                      </a:r>
+                      <a:endParaRPr lang="fr-FR" sz="1100" dirty="0" smtClean="0"/>
+                    </a:p>
+                  </a:txBody>
+                  <a:tcPr/>
+                </a:tc>
+                <a:tc>
+                  <a:txBody>
+                    <a:bodyPr/>
+                    <a:lstStyle/>
+                    <a:p>
+                      <a:r>
+                        <a:rPr lang="fr-FR" sz="1100" dirty="0" err="1" smtClean="0"/>
+                        <a:t>PollerThread</a:t>
+                      </a:r>
+                      <a:r>
+                        <a:rPr lang="fr-FR" sz="1100" dirty="0" smtClean="0"/>
+                        <a:t>::</a:t>
+                      </a:r>
+                      <a:r>
+                        <a:rPr lang="fr-FR" sz="1100" dirty="0" err="1" smtClean="0"/>
+                        <a:t>run</a:t>
+                      </a:r>
+                      <a:endParaRPr lang="fr-FR" sz="1100" dirty="0"/>
+                    </a:p>
+                  </a:txBody>
+                  <a:tcPr/>
+                </a:tc>
+                <a:tc>
+                  <a:txBody>
+                    <a:bodyPr/>
+                    <a:lstStyle/>
+                    <a:p>
+                      <a:pPr marL="0" marR="0" lvl="0" indent="0" algn="l" defTabSz="914400" rtl="0" eaLnBrk="1" fontAlgn="auto" latinLnBrk="0" hangingPunct="1">
+                        <a:lnSpc>
+                          <a:spcPct val="100000"/>
+                        </a:lnSpc>
+                        <a:spcBef>
+                          <a:spcPts val="0"/>
+                        </a:spcBef>
+                        <a:spcAft>
+                          <a:spcPts val="0"/>
+                        </a:spcAft>
+                        <a:buClrTx/>
+                        <a:buSzTx/>
+                        <a:buFontTx/>
+                        <a:buNone/>
+                        <a:tabLst/>
+                        <a:defRPr/>
+                      </a:pPr>
+                      <a:r>
+                        <a:rPr lang="en-US" sz="1100" dirty="0" smtClean="0"/>
+                        <a:t>Period : 100 </a:t>
+                      </a:r>
+                      <a:r>
+                        <a:rPr lang="en-US" sz="1100" dirty="0" err="1" smtClean="0"/>
+                        <a:t>ms</a:t>
+                      </a:r>
+                      <a:endParaRPr lang="fr-FR" sz="1100" dirty="0"/>
+                    </a:p>
+                  </a:txBody>
+                  <a:tcPr/>
+                </a:tc>
+                <a:tc>
+                  <a:txBody>
+                    <a:bodyPr/>
+                    <a:lstStyle/>
+                    <a:p>
+                      <a:r>
+                        <a:rPr lang="en-US" sz="1100" dirty="0" smtClean="0"/>
+                        <a:t>Actuators/Sensors</a:t>
+                      </a:r>
+                      <a:r>
+                        <a:rPr lang="en-US" sz="1100" baseline="0" dirty="0" smtClean="0"/>
+                        <a:t> commands.</a:t>
+                      </a:r>
+                      <a:endParaRPr lang="fr-FR" sz="1100" dirty="0"/>
+                    </a:p>
+                  </a:txBody>
+                  <a:tcPr/>
+                </a:tc>
+              </a:tr>
+              <a:tr h="251085">
+                <a:tc>
+                  <a:txBody>
+                    <a:bodyPr/>
+                    <a:lstStyle/>
+                    <a:p>
+                      <a:pPr marL="0" marR="0" lvl="0" indent="0" algn="l" defTabSz="914400" rtl="0" eaLnBrk="1" fontAlgn="auto" latinLnBrk="0" hangingPunct="1">
+                        <a:lnSpc>
+                          <a:spcPct val="100000"/>
+                        </a:lnSpc>
+                        <a:spcBef>
+                          <a:spcPts val="0"/>
+                        </a:spcBef>
+                        <a:spcAft>
+                          <a:spcPts val="0"/>
+                        </a:spcAft>
+                        <a:buClrTx/>
+                        <a:buSzTx/>
+                        <a:buFontTx/>
+                        <a:buNone/>
+                        <a:tabLst/>
+                        <a:defRPr/>
+                      </a:pPr>
+                      <a:r>
+                        <a:rPr lang="en-US" sz="1100" dirty="0" smtClean="0"/>
+                        <a:t>Thread</a:t>
+                      </a:r>
+                      <a:endParaRPr lang="fr-FR" sz="1100" dirty="0" smtClean="0"/>
+                    </a:p>
+                  </a:txBody>
+                  <a:tcPr/>
+                </a:tc>
+                <a:tc>
+                  <a:txBody>
+                    <a:bodyPr/>
+                    <a:lstStyle/>
+                    <a:p>
+                      <a:r>
+                        <a:rPr lang="fr-FR" sz="1100" dirty="0" smtClean="0"/>
+                        <a:t>Navigation::</a:t>
+                      </a:r>
+                      <a:r>
+                        <a:rPr lang="fr-FR" sz="1100" dirty="0" err="1" smtClean="0"/>
+                        <a:t>run</a:t>
+                      </a:r>
+                      <a:endParaRPr lang="fr-FR" sz="1100" dirty="0"/>
+                    </a:p>
+                  </a:txBody>
+                  <a:tcPr/>
+                </a:tc>
+                <a:tc>
+                  <a:txBody>
+                    <a:bodyPr/>
+                    <a:lstStyle/>
+                    <a:p>
+                      <a:pPr marL="0" marR="0" lvl="0" indent="0" algn="l" defTabSz="914400" rtl="0" eaLnBrk="1" fontAlgn="auto" latinLnBrk="0" hangingPunct="1">
+                        <a:lnSpc>
+                          <a:spcPct val="100000"/>
+                        </a:lnSpc>
+                        <a:spcBef>
+                          <a:spcPts val="0"/>
+                        </a:spcBef>
+                        <a:spcAft>
+                          <a:spcPts val="0"/>
+                        </a:spcAft>
+                        <a:buClrTx/>
+                        <a:buSzTx/>
+                        <a:buFontTx/>
+                        <a:buNone/>
+                        <a:tabLst/>
+                        <a:defRPr/>
+                      </a:pPr>
+                      <a:r>
+                        <a:rPr lang="en-US" sz="1100" dirty="0" smtClean="0"/>
+                        <a:t>Period : 20ms</a:t>
+                      </a:r>
+                      <a:endParaRPr lang="fr-FR" sz="1100" dirty="0"/>
+                    </a:p>
+                  </a:txBody>
+                  <a:tcPr/>
+                </a:tc>
+                <a:tc>
+                  <a:txBody>
+                    <a:bodyPr/>
+                    <a:lstStyle/>
+                    <a:p>
+                      <a:r>
+                        <a:rPr lang="en-US" sz="1100" dirty="0" smtClean="0"/>
+                        <a:t>Robot</a:t>
+                      </a:r>
+                      <a:r>
+                        <a:rPr lang="en-US" sz="1100" baseline="0" dirty="0" smtClean="0"/>
+                        <a:t> displacement management</a:t>
+                      </a:r>
+                      <a:endParaRPr lang="fr-FR" sz="1100" dirty="0"/>
+                    </a:p>
+                  </a:txBody>
+                  <a:tcPr/>
+                </a:tc>
+              </a:tr>
+            </a:tbl>
+          </a:graphicData>
+        </a:graphic>
+      </p:graphicFrame>
+      <p:sp>
+        <p:nvSpPr>
+          <p:cNvPr id="8" name="ZoneTexte 7"/>
+          <p:cNvSpPr txBox="1"/>
+          <p:nvPr/>
+        </p:nvSpPr>
+        <p:spPr>
+          <a:xfrm>
+            <a:off x="977900" y="1457919"/>
+            <a:ext cx="10541000" cy="923330"/>
+          </a:xfrm>
+          <a:prstGeom prst="rect">
+            <a:avLst/>
+          </a:prstGeom>
+          <a:noFill/>
+        </p:spPr>
+        <p:txBody>
+          <a:bodyPr wrap="square" rtlCol="0">
+            <a:spAutoFit/>
+          </a:bodyPr>
+          <a:lstStyle/>
+          <a:p>
+            <a:r>
+              <a:rPr lang="en-US" dirty="0" smtClean="0"/>
+              <a:t>The </a:t>
+            </a:r>
+            <a:r>
+              <a:rPr lang="en-US" b="1" dirty="0" err="1" smtClean="0"/>
+              <a:t>K_thread_config.h</a:t>
+            </a:r>
+            <a:r>
+              <a:rPr lang="en-US" b="1" dirty="0" smtClean="0"/>
+              <a:t> </a:t>
+            </a:r>
+            <a:r>
+              <a:rPr lang="en-US" dirty="0" smtClean="0"/>
+              <a:t>file</a:t>
+            </a:r>
+            <a:r>
+              <a:rPr lang="en-US" b="1" dirty="0" smtClean="0"/>
+              <a:t> </a:t>
+            </a:r>
+            <a:r>
+              <a:rPr lang="en-US" dirty="0" smtClean="0"/>
+              <a:t>contains all the threading/interrupt configuration.</a:t>
+            </a:r>
+          </a:p>
+          <a:p>
+            <a:r>
+              <a:rPr lang="en-US" dirty="0" smtClean="0"/>
+              <a:t>The Robot2017.cpp file contains most of interrupts mapping.</a:t>
+            </a:r>
+          </a:p>
+          <a:p>
+            <a:r>
+              <a:rPr lang="en-US" dirty="0" smtClean="0"/>
+              <a:t>Thread mapping is done in each SW component </a:t>
+            </a:r>
+            <a:r>
+              <a:rPr lang="en-US" dirty="0" err="1" smtClean="0"/>
+              <a:t>instanciated</a:t>
+            </a:r>
+            <a:r>
+              <a:rPr lang="en-US" dirty="0" smtClean="0"/>
+              <a:t> by the Robot2017 class.</a:t>
+            </a:r>
+            <a:endParaRPr lang="fr-FR" dirty="0"/>
+          </a:p>
+        </p:txBody>
+      </p:sp>
+      <p:sp>
+        <p:nvSpPr>
+          <p:cNvPr id="9" name="ZoneTexte 8"/>
+          <p:cNvSpPr txBox="1"/>
+          <p:nvPr/>
+        </p:nvSpPr>
+        <p:spPr>
+          <a:xfrm>
+            <a:off x="1384301" y="6578600"/>
+            <a:ext cx="10337800" cy="230832"/>
+          </a:xfrm>
+          <a:prstGeom prst="rect">
+            <a:avLst/>
+          </a:prstGeom>
+          <a:noFill/>
+        </p:spPr>
+        <p:txBody>
+          <a:bodyPr wrap="square" rtlCol="0">
+            <a:spAutoFit/>
+          </a:bodyPr>
+          <a:lstStyle/>
+          <a:p>
+            <a:r>
+              <a:rPr lang="en-US" sz="900" dirty="0" smtClean="0"/>
+              <a:t>Thread mapping should have been done in Robot2017.cpp to decouple threading and functions. It would also help to have a synthetic view of </a:t>
+            </a:r>
+            <a:r>
+              <a:rPr lang="en-US" sz="900" dirty="0" err="1" smtClean="0"/>
+              <a:t>instanciated</a:t>
+            </a:r>
+            <a:r>
+              <a:rPr lang="en-US" sz="900" dirty="0" smtClean="0"/>
+              <a:t> threads and prevent the need for </a:t>
+            </a:r>
+            <a:r>
+              <a:rPr lang="en-US" sz="900" dirty="0" err="1" smtClean="0"/>
+              <a:t>K_thread_config.h</a:t>
+            </a:r>
+            <a:endParaRPr lang="fr-FR" sz="900" dirty="0"/>
+          </a:p>
+        </p:txBody>
+      </p:sp>
+    </p:spTree>
+    <p:extLst>
+      <p:ext uri="{BB962C8B-B14F-4D97-AF65-F5344CB8AC3E}">
+        <p14:creationId xmlns:p14="http://schemas.microsoft.com/office/powerpoint/2010/main" val="2846998220"/>
       </p:ext>
     </p:extLst>
   </p:cSld>

--- a/docs/PMI2017_archiSW.pptx
+++ b/docs/PMI2017_archiSW.pptx
@@ -244,7 +244,7 @@
           <a:p>
             <a:fld id="{2782ACDD-568A-4D5B-9A72-61F2F85B1323}" type="datetimeFigureOut">
               <a:rPr lang="fr-FR" smtClean="0"/>
-              <a:t>13/03/2017</a:t>
+              <a:t>15/03/2017</a:t>
             </a:fld>
             <a:endParaRPr lang="fr-FR"/>
           </a:p>
@@ -412,7 +412,7 @@
           <a:p>
             <a:fld id="{2782ACDD-568A-4D5B-9A72-61F2F85B1323}" type="datetimeFigureOut">
               <a:rPr lang="fr-FR" smtClean="0"/>
-              <a:t>13/03/2017</a:t>
+              <a:t>15/03/2017</a:t>
             </a:fld>
             <a:endParaRPr lang="fr-FR"/>
           </a:p>
@@ -590,7 +590,7 @@
           <a:p>
             <a:fld id="{2782ACDD-568A-4D5B-9A72-61F2F85B1323}" type="datetimeFigureOut">
               <a:rPr lang="fr-FR" smtClean="0"/>
-              <a:t>13/03/2017</a:t>
+              <a:t>15/03/2017</a:t>
             </a:fld>
             <a:endParaRPr lang="fr-FR"/>
           </a:p>
@@ -758,7 +758,7 @@
           <a:p>
             <a:fld id="{2782ACDD-568A-4D5B-9A72-61F2F85B1323}" type="datetimeFigureOut">
               <a:rPr lang="fr-FR" smtClean="0"/>
-              <a:t>13/03/2017</a:t>
+              <a:t>15/03/2017</a:t>
             </a:fld>
             <a:endParaRPr lang="fr-FR"/>
           </a:p>
@@ -1003,7 +1003,7 @@
           <a:p>
             <a:fld id="{2782ACDD-568A-4D5B-9A72-61F2F85B1323}" type="datetimeFigureOut">
               <a:rPr lang="fr-FR" smtClean="0"/>
-              <a:t>13/03/2017</a:t>
+              <a:t>15/03/2017</a:t>
             </a:fld>
             <a:endParaRPr lang="fr-FR"/>
           </a:p>
@@ -1232,7 +1232,7 @@
           <a:p>
             <a:fld id="{2782ACDD-568A-4D5B-9A72-61F2F85B1323}" type="datetimeFigureOut">
               <a:rPr lang="fr-FR" smtClean="0"/>
-              <a:t>13/03/2017</a:t>
+              <a:t>15/03/2017</a:t>
             </a:fld>
             <a:endParaRPr lang="fr-FR"/>
           </a:p>
@@ -1596,7 +1596,7 @@
           <a:p>
             <a:fld id="{2782ACDD-568A-4D5B-9A72-61F2F85B1323}" type="datetimeFigureOut">
               <a:rPr lang="fr-FR" smtClean="0"/>
-              <a:t>13/03/2017</a:t>
+              <a:t>15/03/2017</a:t>
             </a:fld>
             <a:endParaRPr lang="fr-FR"/>
           </a:p>
@@ -1713,7 +1713,7 @@
           <a:p>
             <a:fld id="{2782ACDD-568A-4D5B-9A72-61F2F85B1323}" type="datetimeFigureOut">
               <a:rPr lang="fr-FR" smtClean="0"/>
-              <a:t>13/03/2017</a:t>
+              <a:t>15/03/2017</a:t>
             </a:fld>
             <a:endParaRPr lang="fr-FR"/>
           </a:p>
@@ -1808,7 +1808,7 @@
           <a:p>
             <a:fld id="{2782ACDD-568A-4D5B-9A72-61F2F85B1323}" type="datetimeFigureOut">
               <a:rPr lang="fr-FR" smtClean="0"/>
-              <a:t>13/03/2017</a:t>
+              <a:t>15/03/2017</a:t>
             </a:fld>
             <a:endParaRPr lang="fr-FR"/>
           </a:p>
@@ -2083,7 +2083,7 @@
           <a:p>
             <a:fld id="{2782ACDD-568A-4D5B-9A72-61F2F85B1323}" type="datetimeFigureOut">
               <a:rPr lang="fr-FR" smtClean="0"/>
-              <a:t>13/03/2017</a:t>
+              <a:t>15/03/2017</a:t>
             </a:fld>
             <a:endParaRPr lang="fr-FR"/>
           </a:p>
@@ -2335,7 +2335,7 @@
           <a:p>
             <a:fld id="{2782ACDD-568A-4D5B-9A72-61F2F85B1323}" type="datetimeFigureOut">
               <a:rPr lang="fr-FR" smtClean="0"/>
-              <a:t>13/03/2017</a:t>
+              <a:t>15/03/2017</a:t>
             </a:fld>
             <a:endParaRPr lang="fr-FR"/>
           </a:p>
@@ -2546,7 +2546,7 @@
           <a:p>
             <a:fld id="{2782ACDD-568A-4D5B-9A72-61F2F85B1323}" type="datetimeFigureOut">
               <a:rPr lang="fr-FR" smtClean="0"/>
-              <a:t>13/03/2017</a:t>
+              <a:t>15/03/2017</a:t>
             </a:fld>
             <a:endParaRPr lang="fr-FR"/>
           </a:p>
@@ -3397,12 +3397,8 @@
           <a:p>
             <a:pPr algn="ctr"/>
             <a:r>
-              <a:rPr lang="en-US" dirty="0" err="1"/>
-              <a:t>Gpio</a:t>
-            </a:r>
-            <a:r>
-              <a:rPr lang="en-US" dirty="0"/>
-              <a:t> tools</a:t>
+              <a:rPr lang="en-US" dirty="0" smtClean="0"/>
+              <a:t>Log</a:t>
             </a:r>
             <a:endParaRPr lang="fr-FR" dirty="0"/>
           </a:p>
@@ -3700,8 +3696,12 @@
           <a:p>
             <a:pPr algn="ctr"/>
             <a:r>
+              <a:rPr lang="en-US" dirty="0"/>
+              <a:t>C</a:t>
+            </a:r>
+            <a:r>
               <a:rPr lang="en-US" dirty="0" smtClean="0"/>
-              <a:t>core</a:t>
+              <a:t>ore</a:t>
             </a:r>
             <a:endParaRPr lang="fr-FR" dirty="0"/>
           </a:p>
@@ -5227,14 +5227,14 @@
                 <a:gridCol w="2843689">
                   <a:extLst>
                     <a:ext uri="{9D8B030D-6E8A-4147-A177-3AD203B41FA5}">
-                      <a16:colId xmlns:a16="http://schemas.microsoft.com/office/drawing/2014/main" xmlns="" val="4249046580"/>
+                      <a16:colId xmlns="" xmlns:a16="http://schemas.microsoft.com/office/drawing/2014/main" val="4249046580"/>
                     </a:ext>
                   </a:extLst>
                 </a:gridCol>
                 <a:gridCol w="7116439">
                   <a:extLst>
                     <a:ext uri="{9D8B030D-6E8A-4147-A177-3AD203B41FA5}">
-                      <a16:colId xmlns:a16="http://schemas.microsoft.com/office/drawing/2014/main" xmlns="" val="2166689304"/>
+                      <a16:colId xmlns="" xmlns:a16="http://schemas.microsoft.com/office/drawing/2014/main" val="2166689304"/>
                     </a:ext>
                   </a:extLst>
                 </a:gridCol>
@@ -5270,7 +5270,7 @@
                 </a:tc>
                 <a:extLst>
                   <a:ext uri="{0D108BD9-81ED-4DB2-BD59-A6C34878D82A}">
-                    <a16:rowId xmlns:a16="http://schemas.microsoft.com/office/drawing/2014/main" xmlns="" val="1558262199"/>
+                    <a16:rowId xmlns="" xmlns:a16="http://schemas.microsoft.com/office/drawing/2014/main" val="1558262199"/>
                   </a:ext>
                 </a:extLst>
               </a:tr>
@@ -5313,7 +5313,7 @@
                 </a:tc>
                 <a:extLst>
                   <a:ext uri="{0D108BD9-81ED-4DB2-BD59-A6C34878D82A}">
-                    <a16:rowId xmlns:a16="http://schemas.microsoft.com/office/drawing/2014/main" xmlns="" val="3975330181"/>
+                    <a16:rowId xmlns="" xmlns:a16="http://schemas.microsoft.com/office/drawing/2014/main" val="3975330181"/>
                   </a:ext>
                 </a:extLst>
               </a:tr>
@@ -5398,7 +5398,7 @@
                 </a:tc>
                 <a:extLst>
                   <a:ext uri="{0D108BD9-81ED-4DB2-BD59-A6C34878D82A}">
-                    <a16:rowId xmlns:a16="http://schemas.microsoft.com/office/drawing/2014/main" xmlns="" val="145727790"/>
+                    <a16:rowId xmlns="" xmlns:a16="http://schemas.microsoft.com/office/drawing/2014/main" val="145727790"/>
                   </a:ext>
                 </a:extLst>
               </a:tr>
@@ -5433,7 +5433,7 @@
                 </a:tc>
                 <a:extLst>
                   <a:ext uri="{0D108BD9-81ED-4DB2-BD59-A6C34878D82A}">
-                    <a16:rowId xmlns:a16="http://schemas.microsoft.com/office/drawing/2014/main" xmlns="" val="1909270051"/>
+                    <a16:rowId xmlns="" xmlns:a16="http://schemas.microsoft.com/office/drawing/2014/main" val="1909270051"/>
                   </a:ext>
                 </a:extLst>
               </a:tr>
@@ -5468,7 +5468,7 @@
                 </a:tc>
                 <a:extLst>
                   <a:ext uri="{0D108BD9-81ED-4DB2-BD59-A6C34878D82A}">
-                    <a16:rowId xmlns:a16="http://schemas.microsoft.com/office/drawing/2014/main" xmlns="" val="1361958173"/>
+                    <a16:rowId xmlns="" xmlns:a16="http://schemas.microsoft.com/office/drawing/2014/main" val="1361958173"/>
                   </a:ext>
                 </a:extLst>
               </a:tr>
@@ -5507,7 +5507,7 @@
                 </a:tc>
                 <a:extLst>
                   <a:ext uri="{0D108BD9-81ED-4DB2-BD59-A6C34878D82A}">
-                    <a16:rowId xmlns:a16="http://schemas.microsoft.com/office/drawing/2014/main" xmlns="" val="853388448"/>
+                    <a16:rowId xmlns="" xmlns:a16="http://schemas.microsoft.com/office/drawing/2014/main" val="853388448"/>
                   </a:ext>
                 </a:extLst>
               </a:tr>
@@ -5546,7 +5546,7 @@
                 </a:tc>
                 <a:extLst>
                   <a:ext uri="{0D108BD9-81ED-4DB2-BD59-A6C34878D82A}">
-                    <a16:rowId xmlns:a16="http://schemas.microsoft.com/office/drawing/2014/main" xmlns="" val="1985920573"/>
+                    <a16:rowId xmlns="" xmlns:a16="http://schemas.microsoft.com/office/drawing/2014/main" val="1985920573"/>
                   </a:ext>
                 </a:extLst>
               </a:tr>
@@ -5589,7 +5589,7 @@
                 </a:tc>
                 <a:extLst>
                   <a:ext uri="{0D108BD9-81ED-4DB2-BD59-A6C34878D82A}">
-                    <a16:rowId xmlns:a16="http://schemas.microsoft.com/office/drawing/2014/main" xmlns="" val="4030744758"/>
+                    <a16:rowId xmlns="" xmlns:a16="http://schemas.microsoft.com/office/drawing/2014/main" val="4030744758"/>
                   </a:ext>
                 </a:extLst>
               </a:tr>
@@ -5628,7 +5628,7 @@
                 </a:tc>
                 <a:extLst>
                   <a:ext uri="{0D108BD9-81ED-4DB2-BD59-A6C34878D82A}">
-                    <a16:rowId xmlns:a16="http://schemas.microsoft.com/office/drawing/2014/main" xmlns="" val="3954026308"/>
+                    <a16:rowId xmlns="" xmlns:a16="http://schemas.microsoft.com/office/drawing/2014/main" val="3954026308"/>
                   </a:ext>
                 </a:extLst>
               </a:tr>
@@ -5679,7 +5679,7 @@
                 </a:tc>
                 <a:extLst>
                   <a:ext uri="{0D108BD9-81ED-4DB2-BD59-A6C34878D82A}">
-                    <a16:rowId xmlns:a16="http://schemas.microsoft.com/office/drawing/2014/main" xmlns="" val="1559937"/>
+                    <a16:rowId xmlns="" xmlns:a16="http://schemas.microsoft.com/office/drawing/2014/main" val="1559937"/>
                   </a:ext>
                 </a:extLst>
               </a:tr>
@@ -5726,7 +5726,7 @@
                 </a:tc>
                 <a:extLst>
                   <a:ext uri="{0D108BD9-81ED-4DB2-BD59-A6C34878D82A}">
-                    <a16:rowId xmlns:a16="http://schemas.microsoft.com/office/drawing/2014/main" xmlns="" val="3089251845"/>
+                    <a16:rowId xmlns="" xmlns:a16="http://schemas.microsoft.com/office/drawing/2014/main" val="3089251845"/>
                   </a:ext>
                 </a:extLst>
               </a:tr>
@@ -5765,7 +5765,7 @@
                 </a:tc>
                 <a:extLst>
                   <a:ext uri="{0D108BD9-81ED-4DB2-BD59-A6C34878D82A}">
-                    <a16:rowId xmlns:a16="http://schemas.microsoft.com/office/drawing/2014/main" xmlns="" val="2500980708"/>
+                    <a16:rowId xmlns="" xmlns:a16="http://schemas.microsoft.com/office/drawing/2014/main" val="2500980708"/>
                   </a:ext>
                 </a:extLst>
               </a:tr>
@@ -5820,7 +5820,7 @@
                 </a:tc>
                 <a:extLst>
                   <a:ext uri="{0D108BD9-81ED-4DB2-BD59-A6C34878D82A}">
-                    <a16:rowId xmlns:a16="http://schemas.microsoft.com/office/drawing/2014/main" xmlns="" val="2506504948"/>
+                    <a16:rowId xmlns="" xmlns:a16="http://schemas.microsoft.com/office/drawing/2014/main" val="2506504948"/>
                   </a:ext>
                 </a:extLst>
               </a:tr>
@@ -5863,7 +5863,7 @@
                 </a:tc>
                 <a:extLst>
                   <a:ext uri="{0D108BD9-81ED-4DB2-BD59-A6C34878D82A}">
-                    <a16:rowId xmlns:a16="http://schemas.microsoft.com/office/drawing/2014/main" xmlns="" val="3586628355"/>
+                    <a16:rowId xmlns="" xmlns:a16="http://schemas.microsoft.com/office/drawing/2014/main" val="3586628355"/>
                   </a:ext>
                 </a:extLst>
               </a:tr>
@@ -5902,7 +5902,7 @@
                 </a:tc>
                 <a:extLst>
                   <a:ext uri="{0D108BD9-81ED-4DB2-BD59-A6C34878D82A}">
-                    <a16:rowId xmlns:a16="http://schemas.microsoft.com/office/drawing/2014/main" xmlns="" val="2487713246"/>
+                    <a16:rowId xmlns="" xmlns:a16="http://schemas.microsoft.com/office/drawing/2014/main" val="2487713246"/>
                   </a:ext>
                 </a:extLst>
               </a:tr>
@@ -5941,7 +5941,7 @@
                 </a:tc>
                 <a:extLst>
                   <a:ext uri="{0D108BD9-81ED-4DB2-BD59-A6C34878D82A}">
-                    <a16:rowId xmlns:a16="http://schemas.microsoft.com/office/drawing/2014/main" xmlns="" val="3055302253"/>
+                    <a16:rowId xmlns="" xmlns:a16="http://schemas.microsoft.com/office/drawing/2014/main" val="3055302253"/>
                   </a:ext>
                 </a:extLst>
               </a:tr>
@@ -5984,7 +5984,7 @@
                 </a:tc>
                 <a:extLst>
                   <a:ext uri="{0D108BD9-81ED-4DB2-BD59-A6C34878D82A}">
-                    <a16:rowId xmlns:a16="http://schemas.microsoft.com/office/drawing/2014/main" xmlns="" val="3301582169"/>
+                    <a16:rowId xmlns="" xmlns:a16="http://schemas.microsoft.com/office/drawing/2014/main" val="3301582169"/>
                   </a:ext>
                 </a:extLst>
               </a:tr>
@@ -7243,14 +7243,14 @@
           <p:nvPr>
             <p:extLst>
               <p:ext uri="{D42A27DB-BD31-4B8C-83A1-F6EECF244321}">
-                <p14:modId xmlns:p14="http://schemas.microsoft.com/office/powerpoint/2010/main" val="2948931409"/>
+                <p14:modId xmlns:p14="http://schemas.microsoft.com/office/powerpoint/2010/main" val="1147345377"/>
               </p:ext>
             </p:extLst>
           </p:nvPr>
         </p:nvGraphicFramePr>
         <p:xfrm>
           <a:off x="977900" y="2463799"/>
-          <a:ext cx="10541000" cy="3636054"/>
+          <a:ext cx="10541000" cy="3926906"/>
         </p:xfrm>
         <a:graphic>
           <a:graphicData uri="http://schemas.openxmlformats.org/drawingml/2006/table">
@@ -7737,6 +7737,89 @@
                       <a:r>
                         <a:rPr lang="en-US" sz="1100" dirty="0" smtClean="0"/>
                         <a:t>Read/Send I2C data.</a:t>
+                      </a:r>
+                      <a:endParaRPr lang="fr-FR" sz="1100" dirty="0"/>
+                    </a:p>
+                  </a:txBody>
+                  <a:tcPr/>
+                </a:tc>
+              </a:tr>
+              <a:tr h="290852">
+                <a:tc>
+                  <a:txBody>
+                    <a:bodyPr/>
+                    <a:lstStyle/>
+                    <a:p>
+                      <a:pPr marL="0" marR="0" lvl="0" indent="0" algn="l" defTabSz="914400" rtl="0" eaLnBrk="1" fontAlgn="auto" latinLnBrk="0" hangingPunct="1">
+                        <a:lnSpc>
+                          <a:spcPct val="100000"/>
+                        </a:lnSpc>
+                        <a:spcBef>
+                          <a:spcPts val="0"/>
+                        </a:spcBef>
+                        <a:spcAft>
+                          <a:spcPts val="0"/>
+                        </a:spcAft>
+                        <a:buClrTx/>
+                        <a:buSzTx/>
+                        <a:buFontTx/>
+                        <a:buNone/>
+                        <a:tabLst/>
+                        <a:defRPr/>
+                      </a:pPr>
+                      <a:r>
+                        <a:rPr lang="en-US" sz="1100" dirty="0" smtClean="0"/>
+                        <a:t>IT</a:t>
+                      </a:r>
+                      <a:endParaRPr lang="fr-FR" sz="1100" dirty="0" smtClean="0"/>
+                    </a:p>
+                  </a:txBody>
+                  <a:tcPr/>
+                </a:tc>
+                <a:tc>
+                  <a:txBody>
+                    <a:bodyPr/>
+                    <a:lstStyle/>
+                    <a:p>
+                      <a:r>
+                        <a:rPr lang="fr-FR" sz="1100" dirty="0" err="1" smtClean="0"/>
+                        <a:t>SysTick_Handler</a:t>
+                      </a:r>
+                      <a:endParaRPr lang="fr-FR" sz="1100" dirty="0"/>
+                    </a:p>
+                  </a:txBody>
+                  <a:tcPr/>
+                </a:tc>
+                <a:tc>
+                  <a:txBody>
+                    <a:bodyPr/>
+                    <a:lstStyle/>
+                    <a:p>
+                      <a:r>
+                        <a:rPr lang="en-US" sz="1100" dirty="0" smtClean="0"/>
+                        <a:t>Period : 1ms</a:t>
+                      </a:r>
+                      <a:endParaRPr lang="fr-FR" sz="1100" dirty="0"/>
+                    </a:p>
+                  </a:txBody>
+                  <a:tcPr/>
+                </a:tc>
+                <a:tc>
+                  <a:txBody>
+                    <a:bodyPr/>
+                    <a:lstStyle/>
+                    <a:p>
+                      <a:r>
+                        <a:rPr lang="en-US" sz="1100" dirty="0" smtClean="0"/>
+                        <a:t>Boot</a:t>
+                      </a:r>
+                      <a:r>
+                        <a:rPr lang="en-US" sz="1100" baseline="0" dirty="0" smtClean="0"/>
+                        <a:t> </a:t>
+                      </a:r>
+                      <a:r>
+                        <a:rPr lang="en-US" sz="1100" baseline="0" smtClean="0"/>
+                        <a:t>time count</a:t>
                       </a:r>
                       <a:endParaRPr lang="fr-FR" sz="1100" dirty="0"/>
                     </a:p>
